--- a/TableScheme/YahooFinance.pptx
+++ b/TableScheme/YahooFinance.pptx
@@ -2,7 +2,7 @@
 <file path=ppt/presentation.xml><?xml version="1.0" encoding="utf-8"?>
 <p:presentation xmlns:a="http://schemas.openxmlformats.org/drawingml/2006/main" xmlns:r="http://schemas.openxmlformats.org/officeDocument/2006/relationships" xmlns:p="http://schemas.openxmlformats.org/presentationml/2006/main" saveSubsetFonts="1">
   <p:sldMasterIdLst>
-    <p:sldMasterId id="2147483678" r:id="rId1"/>
+    <p:sldMasterId id="2147483702" r:id="rId1"/>
   </p:sldMasterIdLst>
   <p:sldIdLst>
     <p:sldId id="256" r:id="rId2"/>
@@ -114,14 +114,14 @@
   </p:defaultTextStyle>
   <p:extLst>
     <p:ext uri="{EFAFB233-063F-42B5-8137-9DF3F51BA10A}">
-      <p15:sldGuideLst xmlns:p15="http://schemas.microsoft.com/office/powerpoint/2012/main"/>
+      <p15:sldGuideLst xmlns:p15="http://schemas.microsoft.com/office/powerpoint/2012/main" xmlns=""/>
     </p:ext>
   </p:extLst>
 </p:presentation>
 </file>
 
 <file path=ppt/slideLayouts/slideLayout1.xml><?xml version="1.0" encoding="utf-8"?>
-<p:sldLayout xmlns:a="http://schemas.openxmlformats.org/drawingml/2006/main" xmlns:r="http://schemas.openxmlformats.org/officeDocument/2006/relationships" xmlns:p="http://schemas.openxmlformats.org/presentationml/2006/main" type="title" preserve="1">
+<p:sldLayout xmlns:a="http://schemas.openxmlformats.org/drawingml/2006/main" xmlns:r="http://schemas.openxmlformats.org/officeDocument/2006/relationships" xmlns:p="http://schemas.openxmlformats.org/presentationml/2006/main" showMasterSp="0" type="title" preserve="1">
   <p:cSld name="Title Slide">
     <p:spTree>
       <p:nvGrpSpPr>
@@ -139,39 +139,132 @@
       </p:grpSpPr>
       <p:sp>
         <p:nvSpPr>
-          <p:cNvPr id="2" name="Title 1"/>
-          <p:cNvSpPr>
-            <a:spLocks noGrp="1"/>
-          </p:cNvSpPr>
-          <p:nvPr>
-            <p:ph type="ctrTitle"/>
-          </p:nvPr>
+          <p:cNvPr id="10" name="Right Triangle 9"/>
+          <p:cNvSpPr/>
+          <p:nvPr/>
         </p:nvSpPr>
         <p:spPr>
           <a:xfrm>
-            <a:off x="1524000" y="1122363"/>
-            <a:ext cx="9144000" cy="2387600"/>
+            <a:off x="-2" y="4664147"/>
+            <a:ext cx="12201452" cy="0"/>
+          </a:xfrm>
+          <a:prstGeom prst="rtTriangle">
+            <a:avLst/>
+          </a:prstGeom>
+          <a:gradFill flip="none" rotWithShape="1">
+            <a:gsLst>
+              <a:gs pos="0">
+                <a:schemeClr val="accent1">
+                  <a:shade val="35000"/>
+                  <a:satMod val="170000"/>
+                  <a:alpha val="100000"/>
+                </a:schemeClr>
+              </a:gs>
+              <a:gs pos="55000">
+                <a:schemeClr val="accent1">
+                  <a:tint val="90000"/>
+                  <a:satMod val="150000"/>
+                  <a:alpha val="100000"/>
+                </a:schemeClr>
+              </a:gs>
+              <a:gs pos="100000">
+                <a:schemeClr val="accent1">
+                  <a:shade val="35000"/>
+                  <a:satMod val="170000"/>
+                  <a:alpha val="100000"/>
+                </a:schemeClr>
+              </a:gs>
+            </a:gsLst>
+            <a:lin ang="3000000" scaled="1"/>
+            <a:tileRect/>
+          </a:gradFill>
+          <a:ln w="12700" cap="rnd" cmpd="thickThin" algn="ctr">
+            <a:noFill/>
+            <a:prstDash val="solid"/>
+          </a:ln>
+          <a:effectLst/>
+        </p:spPr>
+        <p:style>
+          <a:lnRef idx="3">
+            <a:schemeClr val="lt1"/>
+          </a:lnRef>
+          <a:fillRef idx="1">
+            <a:schemeClr val="accent1"/>
+          </a:fillRef>
+          <a:effectRef idx="1">
+            <a:schemeClr val="accent1"/>
+          </a:effectRef>
+          <a:fontRef idx="minor">
+            <a:schemeClr val="lt1"/>
+          </a:fontRef>
+        </p:style>
+        <p:txBody>
+          <a:bodyPr anchor="ctr"/>
+          <a:lstStyle>
+            <a:extLst/>
+          </a:lstStyle>
+          <a:p>
+            <a:pPr algn="ctr" eaLnBrk="1" latinLnBrk="0" hangingPunct="1"/>
+            <a:endParaRPr kumimoji="0" lang="en-US"/>
+          </a:p>
+        </p:txBody>
+      </p:sp>
+      <p:sp>
+        <p:nvSpPr>
+          <p:cNvPr id="9" name="Title 8"/>
+          <p:cNvSpPr>
+            <a:spLocks noGrp="1"/>
+          </p:cNvSpPr>
+          <p:nvPr>
+            <p:ph type="ctrTitle"/>
+          </p:nvPr>
+        </p:nvSpPr>
+        <p:spPr>
+          <a:xfrm>
+            <a:off x="914400" y="1752602"/>
+            <a:ext cx="10363200" cy="1829761"/>
           </a:xfrm>
         </p:spPr>
         <p:txBody>
-          <a:bodyPr anchor="b"/>
-          <a:lstStyle>
-            <a:lvl1pPr algn="ctr">
-              <a:defRPr sz="6000"/>
+          <a:bodyPr vert="horz" anchor="b">
+            <a:normAutofit/>
+            <a:scene3d>
+              <a:camera prst="orthographicFront"/>
+              <a:lightRig rig="soft" dir="t"/>
+            </a:scene3d>
+            <a:sp3d prstMaterial="softEdge">
+              <a:bevelT w="25400" h="25400"/>
+            </a:sp3d>
+          </a:bodyPr>
+          <a:lstStyle>
+            <a:lvl1pPr algn="r">
+              <a:defRPr sz="4800" b="1">
+                <a:solidFill>
+                  <a:schemeClr val="tx2"/>
+                </a:solidFill>
+                <a:effectLst>
+                  <a:outerShdw blurRad="31750" dist="25400" dir="5400000" algn="tl" rotWithShape="0">
+                    <a:srgbClr val="000000">
+                      <a:alpha val="25000"/>
+                    </a:srgbClr>
+                  </a:outerShdw>
+                </a:effectLst>
+              </a:defRPr>
             </a:lvl1pPr>
-          </a:lstStyle>
-          <a:p>
-            <a:r>
-              <a:rPr lang="en-US" smtClean="0"/>
+            <a:extLst/>
+          </a:lstStyle>
+          <a:p>
+            <a:r>
+              <a:rPr kumimoji="0" lang="en-US" smtClean="0"/>
               <a:t>Click to edit Master title style</a:t>
             </a:r>
-            <a:endParaRPr lang="en-US"/>
-          </a:p>
-        </p:txBody>
-      </p:sp>
-      <p:sp>
-        <p:nvSpPr>
-          <p:cNvPr id="3" name="Subtitle 2"/>
+            <a:endParaRPr kumimoji="0" lang="en-US"/>
+          </a:p>
+        </p:txBody>
+      </p:sp>
+      <p:sp>
+        <p:nvSpPr>
+          <p:cNvPr id="17" name="Subtitle 16"/>
           <p:cNvSpPr>
             <a:spLocks noGrp="1"/>
           </p:cNvSpPr>
@@ -181,62 +274,454 @@
         </p:nvSpPr>
         <p:spPr>
           <a:xfrm>
-            <a:off x="1524000" y="3602038"/>
-            <a:ext cx="9144000" cy="1655762"/>
+            <a:off x="914400" y="3611607"/>
+            <a:ext cx="10363200" cy="1199704"/>
           </a:xfrm>
         </p:spPr>
         <p:txBody>
-          <a:bodyPr/>
-          <a:lstStyle>
-            <a:lvl1pPr marL="0" indent="0" algn="ctr">
+          <a:bodyPr lIns="45720" rIns="45720"/>
+          <a:lstStyle>
+            <a:lvl1pPr marL="0" marR="64008" indent="0" algn="r">
               <a:buNone/>
-              <a:defRPr sz="2400"/>
+              <a:defRPr>
+                <a:solidFill>
+                  <a:schemeClr val="tx2"/>
+                </a:solidFill>
+              </a:defRPr>
             </a:lvl1pPr>
             <a:lvl2pPr marL="457200" indent="0" algn="ctr">
               <a:buNone/>
-              <a:defRPr sz="2000"/>
             </a:lvl2pPr>
             <a:lvl3pPr marL="914400" indent="0" algn="ctr">
               <a:buNone/>
-              <a:defRPr sz="1800"/>
             </a:lvl3pPr>
             <a:lvl4pPr marL="1371600" indent="0" algn="ctr">
               <a:buNone/>
-              <a:defRPr sz="1600"/>
             </a:lvl4pPr>
             <a:lvl5pPr marL="1828800" indent="0" algn="ctr">
               <a:buNone/>
-              <a:defRPr sz="1600"/>
             </a:lvl5pPr>
             <a:lvl6pPr marL="2286000" indent="0" algn="ctr">
               <a:buNone/>
-              <a:defRPr sz="1600"/>
             </a:lvl6pPr>
             <a:lvl7pPr marL="2743200" indent="0" algn="ctr">
               <a:buNone/>
-              <a:defRPr sz="1600"/>
             </a:lvl7pPr>
             <a:lvl8pPr marL="3200400" indent="0" algn="ctr">
               <a:buNone/>
-              <a:defRPr sz="1600"/>
             </a:lvl8pPr>
             <a:lvl9pPr marL="3657600" indent="0" algn="ctr">
               <a:buNone/>
-              <a:defRPr sz="1600"/>
             </a:lvl9pPr>
-          </a:lstStyle>
-          <a:p>
-            <a:r>
-              <a:rPr lang="en-US" smtClean="0"/>
+            <a:extLst/>
+          </a:lstStyle>
+          <a:p>
+            <a:r>
+              <a:rPr kumimoji="0" lang="en-US" smtClean="0"/>
               <a:t>Click to edit Master subtitle style</a:t>
             </a:r>
-            <a:endParaRPr lang="en-US"/>
-          </a:p>
-        </p:txBody>
-      </p:sp>
-      <p:sp>
-        <p:nvSpPr>
-          <p:cNvPr id="4" name="Date Placeholder 3"/>
+            <a:endParaRPr kumimoji="0" lang="en-US"/>
+          </a:p>
+        </p:txBody>
+      </p:sp>
+      <p:grpSp>
+        <p:nvGrpSpPr>
+          <p:cNvPr id="2" name="Group 1"/>
+          <p:cNvGrpSpPr/>
+          <p:nvPr/>
+        </p:nvGrpSpPr>
+        <p:grpSpPr>
+          <a:xfrm>
+            <a:off x="-5019" y="4953000"/>
+            <a:ext cx="12197020" cy="1912088"/>
+            <a:chOff x="-3765" y="4832896"/>
+            <a:chExt cx="9147765" cy="2032192"/>
+          </a:xfrm>
+        </p:grpSpPr>
+        <p:sp>
+          <p:nvSpPr>
+            <p:cNvPr id="7" name="Freeform 6"/>
+            <p:cNvSpPr>
+              <a:spLocks/>
+            </p:cNvSpPr>
+            <p:nvPr/>
+          </p:nvSpPr>
+          <p:spPr bwMode="auto">
+            <a:xfrm>
+              <a:off x="1687513" y="4832896"/>
+              <a:ext cx="7456487" cy="518816"/>
+            </a:xfrm>
+            <a:custGeom>
+              <a:avLst>
+                <a:gd name="A1" fmla="val 0"/>
+                <a:gd name="A2" fmla="val 0"/>
+                <a:gd name="A3" fmla="val 0"/>
+                <a:gd name="A4" fmla="val 0"/>
+                <a:gd name="A5" fmla="val 0"/>
+                <a:gd name="A6" fmla="val 0"/>
+                <a:gd name="A7" fmla="val 0"/>
+                <a:gd name="A8" fmla="val 0"/>
+              </a:avLst>
+              <a:gdLst/>
+              <a:ahLst/>
+              <a:cxnLst>
+                <a:cxn ang="0">
+                  <a:pos x="4697" y="0"/>
+                </a:cxn>
+                <a:cxn ang="0">
+                  <a:pos x="4697" y="367"/>
+                </a:cxn>
+                <a:cxn ang="0">
+                  <a:pos x="0" y="218"/>
+                </a:cxn>
+                <a:cxn ang="0">
+                  <a:pos x="4697" y="0"/>
+                </a:cxn>
+              </a:cxnLst>
+              <a:rect l="0" t="0" r="0" b="0"/>
+              <a:pathLst>
+                <a:path w="4697" h="367">
+                  <a:moveTo>
+                    <a:pt x="4697" y="0"/>
+                  </a:moveTo>
+                  <a:lnTo>
+                    <a:pt x="4697" y="367"/>
+                  </a:lnTo>
+                  <a:lnTo>
+                    <a:pt x="0" y="218"/>
+                  </a:lnTo>
+                  <a:lnTo>
+                    <a:pt x="4697" y="0"/>
+                  </a:lnTo>
+                  <a:close/>
+                </a:path>
+              </a:pathLst>
+            </a:custGeom>
+            <a:solidFill>
+              <a:schemeClr val="accent1">
+                <a:tint val="65000"/>
+                <a:satMod val="115000"/>
+                <a:alpha val="40000"/>
+              </a:schemeClr>
+            </a:solidFill>
+            <a:ln w="9525" cap="flat" cmpd="sng" algn="ctr">
+              <a:noFill/>
+              <a:prstDash val="solid"/>
+              <a:round/>
+              <a:headEnd type="none" w="med" len="med"/>
+              <a:tailEnd type="none" w="med" len="med"/>
+            </a:ln>
+            <a:effectLst/>
+          </p:spPr>
+          <p:txBody>
+            <a:bodyPr vert="horz" wrap="square" lIns="91440" tIns="45720" rIns="91440" bIns="45720" anchor="t" compatLnSpc="1"/>
+            <a:lstStyle>
+              <a:extLst/>
+            </a:lstStyle>
+            <a:p>
+              <a:endParaRPr kumimoji="0" lang="en-US"/>
+            </a:p>
+          </p:txBody>
+        </p:sp>
+        <p:sp>
+          <p:nvSpPr>
+            <p:cNvPr id="8" name="Freeform 7"/>
+            <p:cNvSpPr>
+              <a:spLocks/>
+            </p:cNvSpPr>
+            <p:nvPr/>
+          </p:nvSpPr>
+          <p:spPr bwMode="auto">
+            <a:xfrm>
+              <a:off x="35443" y="5135526"/>
+              <a:ext cx="9108557" cy="838200"/>
+            </a:xfrm>
+            <a:custGeom>
+              <a:avLst>
+                <a:gd name="A1" fmla="val 0"/>
+                <a:gd name="A2" fmla="val 0"/>
+                <a:gd name="A3" fmla="val 0"/>
+                <a:gd name="A4" fmla="val 0"/>
+                <a:gd name="A5" fmla="val 0"/>
+                <a:gd name="A6" fmla="val 0"/>
+                <a:gd name="A7" fmla="val 0"/>
+                <a:gd name="A8" fmla="val 0"/>
+              </a:avLst>
+              <a:gdLst/>
+              <a:ahLst/>
+              <a:cxnLst>
+                <a:cxn ang="0">
+                  <a:pos x="0" y="0"/>
+                </a:cxn>
+                <a:cxn ang="0">
+                  <a:pos x="5760" y="0"/>
+                </a:cxn>
+                <a:cxn ang="0">
+                  <a:pos x="5760" y="528"/>
+                </a:cxn>
+                <a:cxn ang="0">
+                  <a:pos x="48" y="0"/>
+                </a:cxn>
+              </a:cxnLst>
+              <a:rect l="0" t="0" r="0" b="0"/>
+              <a:pathLst>
+                <a:path w="5760" h="528">
+                  <a:moveTo>
+                    <a:pt x="0" y="0"/>
+                  </a:moveTo>
+                  <a:lnTo>
+                    <a:pt x="5760" y="0"/>
+                  </a:lnTo>
+                  <a:lnTo>
+                    <a:pt x="5760" y="528"/>
+                  </a:lnTo>
+                  <a:lnTo>
+                    <a:pt x="48" y="0"/>
+                  </a:lnTo>
+                </a:path>
+              </a:pathLst>
+            </a:custGeom>
+            <a:solidFill>
+              <a:srgbClr val="000000">
+                <a:alpha val="100000"/>
+              </a:srgbClr>
+            </a:solidFill>
+            <a:ln w="9525" cap="flat" cmpd="sng" algn="ctr">
+              <a:noFill/>
+              <a:prstDash val="solid"/>
+              <a:round/>
+              <a:headEnd type="none" w="med" len="med"/>
+              <a:tailEnd type="none" w="med" len="med"/>
+            </a:ln>
+            <a:effectLst/>
+          </p:spPr>
+          <p:txBody>
+            <a:bodyPr vert="horz" wrap="square" lIns="91440" tIns="45720" rIns="91440" bIns="45720" anchor="t" compatLnSpc="1"/>
+            <a:lstStyle>
+              <a:extLst/>
+            </a:lstStyle>
+            <a:p>
+              <a:endParaRPr kumimoji="0" lang="en-US"/>
+            </a:p>
+          </p:txBody>
+        </p:sp>
+        <p:sp>
+          <p:nvSpPr>
+            <p:cNvPr id="11" name="Freeform 10"/>
+            <p:cNvSpPr>
+              <a:spLocks/>
+            </p:cNvSpPr>
+            <p:nvPr/>
+          </p:nvSpPr>
+          <p:spPr bwMode="auto">
+            <a:xfrm>
+              <a:off x="0" y="4883888"/>
+              <a:ext cx="9144000" cy="1981200"/>
+            </a:xfrm>
+            <a:custGeom>
+              <a:avLst>
+                <a:gd name="A1" fmla="val 0"/>
+                <a:gd name="A2" fmla="val 0"/>
+                <a:gd name="A3" fmla="val 0"/>
+                <a:gd name="A4" fmla="val 0"/>
+                <a:gd name="A5" fmla="val 0"/>
+                <a:gd name="A6" fmla="val 0"/>
+                <a:gd name="A7" fmla="val 0"/>
+                <a:gd name="A8" fmla="val 0"/>
+              </a:avLst>
+              <a:gdLst/>
+              <a:ahLst/>
+              <a:cxnLst>
+                <a:cxn ang="0">
+                  <a:pos x="0" y="0"/>
+                </a:cxn>
+                <a:cxn ang="0">
+                  <a:pos x="0" y="1248"/>
+                </a:cxn>
+                <a:cxn ang="0">
+                  <a:pos x="5760" y="1248"/>
+                </a:cxn>
+                <a:cxn ang="0">
+                  <a:pos x="5760" y="528"/>
+                </a:cxn>
+                <a:cxn ang="0">
+                  <a:pos x="0" y="0"/>
+                </a:cxn>
+              </a:cxnLst>
+              <a:rect l="0" t="0" r="0" b="0"/>
+              <a:pathLst>
+                <a:path w="5760" h="1248">
+                  <a:moveTo>
+                    <a:pt x="0" y="0"/>
+                  </a:moveTo>
+                  <a:lnTo>
+                    <a:pt x="0" y="1248"/>
+                  </a:lnTo>
+                  <a:lnTo>
+                    <a:pt x="5760" y="1248"/>
+                  </a:lnTo>
+                  <a:lnTo>
+                    <a:pt x="5760" y="528"/>
+                  </a:lnTo>
+                  <a:lnTo>
+                    <a:pt x="0" y="0"/>
+                  </a:lnTo>
+                  <a:close/>
+                </a:path>
+              </a:pathLst>
+            </a:custGeom>
+            <a:blipFill>
+              <a:blip r:embed="rId2" cstate="print">
+                <a:alphaModFix amt="50000"/>
+              </a:blip>
+              <a:tile tx="0" ty="0" sx="50000" sy="50000" flip="none" algn="t"/>
+            </a:blipFill>
+            <a:ln w="12700" cap="rnd" cmpd="thickThin" algn="ctr">
+              <a:noFill/>
+              <a:prstDash val="solid"/>
+            </a:ln>
+            <a:effectLst>
+              <a:fillOverlay blend="mult">
+                <a:gradFill flip="none" rotWithShape="1">
+                  <a:gsLst>
+                    <a:gs pos="0">
+                      <a:schemeClr val="accent1">
+                        <a:shade val="20000"/>
+                        <a:satMod val="176000"/>
+                        <a:alpha val="100000"/>
+                      </a:schemeClr>
+                    </a:gs>
+                    <a:gs pos="18000">
+                      <a:schemeClr val="accent1">
+                        <a:shade val="48000"/>
+                        <a:satMod val="153000"/>
+                        <a:alpha val="100000"/>
+                      </a:schemeClr>
+                    </a:gs>
+                    <a:gs pos="43000">
+                      <a:schemeClr val="accent1">
+                        <a:tint val="86000"/>
+                        <a:satMod val="149000"/>
+                        <a:alpha val="100000"/>
+                      </a:schemeClr>
+                    </a:gs>
+                    <a:gs pos="45000">
+                      <a:schemeClr val="accent1">
+                        <a:tint val="85000"/>
+                        <a:satMod val="150000"/>
+                        <a:alpha val="100000"/>
+                      </a:schemeClr>
+                    </a:gs>
+                    <a:gs pos="50000">
+                      <a:schemeClr val="accent1">
+                        <a:tint val="86000"/>
+                        <a:satMod val="149000"/>
+                        <a:alpha val="100000"/>
+                      </a:schemeClr>
+                    </a:gs>
+                    <a:gs pos="79000">
+                      <a:schemeClr val="accent1">
+                        <a:shade val="53000"/>
+                        <a:satMod val="150000"/>
+                        <a:alpha val="100000"/>
+                      </a:schemeClr>
+                    </a:gs>
+                    <a:gs pos="100000">
+                      <a:schemeClr val="accent1">
+                        <a:shade val="25000"/>
+                        <a:satMod val="170000"/>
+                        <a:alpha val="100000"/>
+                      </a:schemeClr>
+                    </a:gs>
+                  </a:gsLst>
+                  <a:lin ang="450000" scaled="1"/>
+                  <a:tileRect/>
+                </a:gradFill>
+              </a:fillOverlay>
+            </a:effectLst>
+          </p:spPr>
+          <p:style>
+            <a:lnRef idx="3">
+              <a:schemeClr val="lt1"/>
+            </a:lnRef>
+            <a:fillRef idx="1">
+              <a:schemeClr val="accent1"/>
+            </a:fillRef>
+            <a:effectRef idx="1">
+              <a:schemeClr val="accent1"/>
+            </a:effectRef>
+            <a:fontRef idx="minor">
+              <a:schemeClr val="lt1"/>
+            </a:fontRef>
+          </p:style>
+          <p:txBody>
+            <a:bodyPr vert="horz" wrap="square" lIns="91440" tIns="45720" rIns="91440" bIns="45720" anchor="ctr" compatLnSpc="1"/>
+            <a:lstStyle>
+              <a:extLst/>
+            </a:lstStyle>
+            <a:p>
+              <a:pPr algn="ctr" eaLnBrk="1" latinLnBrk="0" hangingPunct="1"/>
+              <a:endParaRPr kumimoji="0" lang="en-US"/>
+            </a:p>
+          </p:txBody>
+        </p:sp>
+        <p:cxnSp>
+          <p:nvCxnSpPr>
+            <p:cNvPr id="12" name="Straight Connector 11"/>
+            <p:cNvCxnSpPr/>
+            <p:nvPr/>
+          </p:nvCxnSpPr>
+          <p:spPr>
+            <a:xfrm>
+              <a:off x="-3765" y="4880373"/>
+              <a:ext cx="9147765" cy="839943"/>
+            </a:xfrm>
+            <a:prstGeom prst="line">
+              <a:avLst/>
+            </a:prstGeom>
+            <a:noFill/>
+            <a:ln w="12065" cap="flat" cmpd="sng" algn="ctr">
+              <a:gradFill>
+                <a:gsLst>
+                  <a:gs pos="45000">
+                    <a:schemeClr val="accent1">
+                      <a:tint val="70000"/>
+                      <a:satMod val="110000"/>
+                    </a:schemeClr>
+                  </a:gs>
+                  <a:gs pos="15000">
+                    <a:schemeClr val="accent1">
+                      <a:shade val="40000"/>
+                      <a:satMod val="110000"/>
+                    </a:schemeClr>
+                  </a:gs>
+                </a:gsLst>
+                <a:lin ang="5400000" scaled="1"/>
+              </a:gradFill>
+              <a:prstDash val="solid"/>
+              <a:miter lim="800000"/>
+            </a:ln>
+            <a:effectLst/>
+          </p:spPr>
+          <p:style>
+            <a:lnRef idx="2">
+              <a:schemeClr val="accent1"/>
+            </a:lnRef>
+            <a:fillRef idx="0">
+              <a:schemeClr val="accent1"/>
+            </a:fillRef>
+            <a:effectRef idx="1">
+              <a:schemeClr val="accent1"/>
+            </a:effectRef>
+            <a:fontRef idx="minor">
+              <a:schemeClr val="tx1"/>
+            </a:fontRef>
+          </p:style>
+        </p:cxnSp>
+      </p:grpSp>
+      <p:sp>
+        <p:nvSpPr>
+          <p:cNvPr id="30" name="Date Placeholder 29"/>
           <p:cNvSpPr>
             <a:spLocks noGrp="1"/>
           </p:cNvSpPr>
@@ -247,10 +732,20 @@
         <p:spPr/>
         <p:txBody>
           <a:bodyPr/>
-          <a:lstStyle/>
+          <a:lstStyle>
+            <a:lvl1pPr>
+              <a:defRPr>
+                <a:solidFill>
+                  <a:srgbClr val="FFFFFF"/>
+                </a:solidFill>
+              </a:defRPr>
+            </a:lvl1pPr>
+            <a:extLst/>
+          </a:lstStyle>
           <a:p>
             <a:fld id="{D369F928-0021-4585-8B49-56F1E2F712E8}" type="datetimeFigureOut">
               <a:rPr lang="en-US" smtClean="0"/>
+              <a:pPr/>
               <a:t>10/6/2015</a:t>
             </a:fld>
             <a:endParaRPr lang="en-US"/>
@@ -259,7 +754,7 @@
       </p:sp>
       <p:sp>
         <p:nvSpPr>
-          <p:cNvPr id="5" name="Footer Placeholder 4"/>
+          <p:cNvPr id="19" name="Footer Placeholder 18"/>
           <p:cNvSpPr>
             <a:spLocks noGrp="1"/>
           </p:cNvSpPr>
@@ -270,7 +765,18 @@
         <p:spPr/>
         <p:txBody>
           <a:bodyPr/>
-          <a:lstStyle/>
+          <a:lstStyle>
+            <a:lvl1pPr>
+              <a:defRPr>
+                <a:solidFill>
+                  <a:schemeClr val="accent1">
+                    <a:tint val="20000"/>
+                  </a:schemeClr>
+                </a:solidFill>
+              </a:defRPr>
+            </a:lvl1pPr>
+            <a:extLst/>
+          </a:lstStyle>
           <a:p>
             <a:endParaRPr lang="en-US"/>
           </a:p>
@@ -278,7 +784,7 @@
       </p:sp>
       <p:sp>
         <p:nvSpPr>
-          <p:cNvPr id="6" name="Slide Number Placeholder 5"/>
+          <p:cNvPr id="27" name="Slide Number Placeholder 26"/>
           <p:cNvSpPr>
             <a:spLocks noGrp="1"/>
           </p:cNvSpPr>
@@ -289,10 +795,20 @@
         <p:spPr/>
         <p:txBody>
           <a:bodyPr/>
-          <a:lstStyle/>
+          <a:lstStyle>
+            <a:lvl1pPr>
+              <a:defRPr>
+                <a:solidFill>
+                  <a:srgbClr val="FFFFFF"/>
+                </a:solidFill>
+              </a:defRPr>
+            </a:lvl1pPr>
+            <a:extLst/>
+          </a:lstStyle>
           <a:p>
             <a:fld id="{DA02FF60-D5CD-4E36-8A9C-5C835F2F2D21}" type="slidenum">
               <a:rPr lang="en-US" smtClean="0"/>
+              <a:pPr/>
               <a:t>‹#›</a:t>
             </a:fld>
             <a:endParaRPr lang="en-US"/>
@@ -300,11 +816,6 @@
         </p:txBody>
       </p:sp>
     </p:spTree>
-    <p:extLst>
-      <p:ext uri="{BB962C8B-B14F-4D97-AF65-F5344CB8AC3E}">
-        <p14:creationId xmlns:p14="http://schemas.microsoft.com/office/powerpoint/2010/main" val="4187484915"/>
-      </p:ext>
-    </p:extLst>
   </p:cSld>
   <p:clrMapOvr>
     <a:masterClrMapping/>
@@ -342,13 +853,15 @@
         <p:spPr/>
         <p:txBody>
           <a:bodyPr/>
-          <a:lstStyle/>
-          <a:p>
-            <a:r>
-              <a:rPr lang="en-US" smtClean="0"/>
+          <a:lstStyle>
+            <a:extLst/>
+          </a:lstStyle>
+          <a:p>
+            <a:r>
+              <a:rPr kumimoji="0" lang="en-US" smtClean="0"/>
               <a:t>Click to edit Master title style</a:t>
             </a:r>
-            <a:endParaRPr lang="en-US"/>
+            <a:endParaRPr kumimoji="0" lang="en-US"/>
           </a:p>
         </p:txBody>
       </p:sp>
@@ -362,65 +875,75 @@
             <p:ph type="body" orient="vert" idx="1"/>
           </p:nvPr>
         </p:nvSpPr>
+        <p:spPr>
+          <a:xfrm>
+            <a:off x="609600" y="1481330"/>
+            <a:ext cx="10972800" cy="4386071"/>
+          </a:xfrm>
+        </p:spPr>
+        <p:txBody>
+          <a:bodyPr vert="eaVert"/>
+          <a:lstStyle>
+            <a:extLst/>
+          </a:lstStyle>
+          <a:p>
+            <a:pPr lvl="0" eaLnBrk="1" latinLnBrk="0" hangingPunct="1"/>
+            <a:r>
+              <a:rPr lang="en-US" smtClean="0"/>
+              <a:t>Click to edit Master text styles</a:t>
+            </a:r>
+          </a:p>
+          <a:p>
+            <a:pPr lvl="1" eaLnBrk="1" latinLnBrk="0" hangingPunct="1"/>
+            <a:r>
+              <a:rPr lang="en-US" smtClean="0"/>
+              <a:t>Second level</a:t>
+            </a:r>
+          </a:p>
+          <a:p>
+            <a:pPr lvl="2" eaLnBrk="1" latinLnBrk="0" hangingPunct="1"/>
+            <a:r>
+              <a:rPr lang="en-US" smtClean="0"/>
+              <a:t>Third level</a:t>
+            </a:r>
+          </a:p>
+          <a:p>
+            <a:pPr lvl="3" eaLnBrk="1" latinLnBrk="0" hangingPunct="1"/>
+            <a:r>
+              <a:rPr lang="en-US" smtClean="0"/>
+              <a:t>Fourth level</a:t>
+            </a:r>
+          </a:p>
+          <a:p>
+            <a:pPr lvl="4" eaLnBrk="1" latinLnBrk="0" hangingPunct="1"/>
+            <a:r>
+              <a:rPr lang="en-US" smtClean="0"/>
+              <a:t>Fifth level</a:t>
+            </a:r>
+            <a:endParaRPr kumimoji="0" lang="en-US"/>
+          </a:p>
+        </p:txBody>
+      </p:sp>
+      <p:sp>
+        <p:nvSpPr>
+          <p:cNvPr id="4" name="Date Placeholder 3"/>
+          <p:cNvSpPr>
+            <a:spLocks noGrp="1"/>
+          </p:cNvSpPr>
+          <p:nvPr>
+            <p:ph type="dt" sz="half" idx="10"/>
+          </p:nvPr>
+        </p:nvSpPr>
         <p:spPr/>
         <p:txBody>
-          <a:bodyPr vert="eaVert"/>
-          <a:lstStyle/>
-          <a:p>
-            <a:pPr lvl="0"/>
-            <a:r>
-              <a:rPr lang="en-US" smtClean="0"/>
-              <a:t>Click to edit Master text styles</a:t>
-            </a:r>
-          </a:p>
-          <a:p>
-            <a:pPr lvl="1"/>
-            <a:r>
-              <a:rPr lang="en-US" smtClean="0"/>
-              <a:t>Second level</a:t>
-            </a:r>
-          </a:p>
-          <a:p>
-            <a:pPr lvl="2"/>
-            <a:r>
-              <a:rPr lang="en-US" smtClean="0"/>
-              <a:t>Third level</a:t>
-            </a:r>
-          </a:p>
-          <a:p>
-            <a:pPr lvl="3"/>
-            <a:r>
-              <a:rPr lang="en-US" smtClean="0"/>
-              <a:t>Fourth level</a:t>
-            </a:r>
-          </a:p>
-          <a:p>
-            <a:pPr lvl="4"/>
-            <a:r>
-              <a:rPr lang="en-US" smtClean="0"/>
-              <a:t>Fifth level</a:t>
-            </a:r>
-            <a:endParaRPr lang="en-US"/>
-          </a:p>
-        </p:txBody>
-      </p:sp>
-      <p:sp>
-        <p:nvSpPr>
-          <p:cNvPr id="4" name="Date Placeholder 3"/>
-          <p:cNvSpPr>
-            <a:spLocks noGrp="1"/>
-          </p:cNvSpPr>
-          <p:nvPr>
-            <p:ph type="dt" sz="half" idx="10"/>
-          </p:nvPr>
-        </p:nvSpPr>
-        <p:spPr/>
-        <p:txBody>
           <a:bodyPr/>
-          <a:lstStyle/>
+          <a:lstStyle>
+            <a:extLst/>
+          </a:lstStyle>
           <a:p>
             <a:fld id="{D369F928-0021-4585-8B49-56F1E2F712E8}" type="datetimeFigureOut">
               <a:rPr lang="en-US" smtClean="0"/>
+              <a:pPr/>
               <a:t>10/6/2015</a:t>
             </a:fld>
             <a:endParaRPr lang="en-US"/>
@@ -440,7 +963,9 @@
         <p:spPr/>
         <p:txBody>
           <a:bodyPr/>
-          <a:lstStyle/>
+          <a:lstStyle>
+            <a:extLst/>
+          </a:lstStyle>
           <a:p>
             <a:endParaRPr lang="en-US"/>
           </a:p>
@@ -459,10 +984,13 @@
         <p:spPr/>
         <p:txBody>
           <a:bodyPr/>
-          <a:lstStyle/>
+          <a:lstStyle>
+            <a:extLst/>
+          </a:lstStyle>
           <a:p>
             <a:fld id="{DA02FF60-D5CD-4E36-8A9C-5C835F2F2D21}" type="slidenum">
               <a:rPr lang="en-US" smtClean="0"/>
+              <a:pPr/>
               <a:t>‹#›</a:t>
             </a:fld>
             <a:endParaRPr lang="en-US"/>
@@ -470,11 +998,6 @@
         </p:txBody>
       </p:sp>
     </p:spTree>
-    <p:extLst>
-      <p:ext uri="{BB962C8B-B14F-4D97-AF65-F5344CB8AC3E}">
-        <p14:creationId xmlns:p14="http://schemas.microsoft.com/office/powerpoint/2010/main" val="504015269"/>
-      </p:ext>
-    </p:extLst>
   </p:cSld>
   <p:clrMapOvr>
     <a:masterClrMapping/>
@@ -511,19 +1034,21 @@
         </p:nvSpPr>
         <p:spPr>
           <a:xfrm>
-            <a:off x="8724900" y="365125"/>
-            <a:ext cx="2628900" cy="5811838"/>
+            <a:off x="9125351" y="274641"/>
+            <a:ext cx="2369960" cy="5592761"/>
           </a:xfrm>
         </p:spPr>
         <p:txBody>
           <a:bodyPr vert="eaVert"/>
-          <a:lstStyle/>
-          <a:p>
-            <a:r>
-              <a:rPr lang="en-US" smtClean="0"/>
+          <a:lstStyle>
+            <a:extLst/>
+          </a:lstStyle>
+          <a:p>
+            <a:r>
+              <a:rPr kumimoji="0" lang="en-US" smtClean="0"/>
               <a:t>Click to edit Master title style</a:t>
             </a:r>
-            <a:endParaRPr lang="en-US"/>
+            <a:endParaRPr kumimoji="0" lang="en-US"/>
           </a:p>
         </p:txBody>
       </p:sp>
@@ -539,48 +1064,50 @@
         </p:nvSpPr>
         <p:spPr>
           <a:xfrm>
-            <a:off x="838200" y="365125"/>
-            <a:ext cx="7734300" cy="5811838"/>
+            <a:off x="609600" y="274641"/>
+            <a:ext cx="8432800" cy="5592760"/>
           </a:xfrm>
         </p:spPr>
         <p:txBody>
           <a:bodyPr vert="eaVert"/>
-          <a:lstStyle/>
-          <a:p>
-            <a:pPr lvl="0"/>
+          <a:lstStyle>
+            <a:extLst/>
+          </a:lstStyle>
+          <a:p>
+            <a:pPr lvl="0" eaLnBrk="1" latinLnBrk="0" hangingPunct="1"/>
             <a:r>
               <a:rPr lang="en-US" smtClean="0"/>
               <a:t>Click to edit Master text styles</a:t>
             </a:r>
           </a:p>
           <a:p>
-            <a:pPr lvl="1"/>
+            <a:pPr lvl="1" eaLnBrk="1" latinLnBrk="0" hangingPunct="1"/>
             <a:r>
               <a:rPr lang="en-US" smtClean="0"/>
               <a:t>Second level</a:t>
             </a:r>
           </a:p>
           <a:p>
-            <a:pPr lvl="2"/>
+            <a:pPr lvl="2" eaLnBrk="1" latinLnBrk="0" hangingPunct="1"/>
             <a:r>
               <a:rPr lang="en-US" smtClean="0"/>
               <a:t>Third level</a:t>
             </a:r>
           </a:p>
           <a:p>
-            <a:pPr lvl="3"/>
+            <a:pPr lvl="3" eaLnBrk="1" latinLnBrk="0" hangingPunct="1"/>
             <a:r>
               <a:rPr lang="en-US" smtClean="0"/>
               <a:t>Fourth level</a:t>
             </a:r>
           </a:p>
           <a:p>
-            <a:pPr lvl="4"/>
+            <a:pPr lvl="4" eaLnBrk="1" latinLnBrk="0" hangingPunct="1"/>
             <a:r>
               <a:rPr lang="en-US" smtClean="0"/>
               <a:t>Fifth level</a:t>
             </a:r>
-            <a:endParaRPr lang="en-US"/>
+            <a:endParaRPr kumimoji="0" lang="en-US"/>
           </a:p>
         </p:txBody>
       </p:sp>
@@ -597,10 +1124,13 @@
         <p:spPr/>
         <p:txBody>
           <a:bodyPr/>
-          <a:lstStyle/>
+          <a:lstStyle>
+            <a:extLst/>
+          </a:lstStyle>
           <a:p>
             <a:fld id="{D369F928-0021-4585-8B49-56F1E2F712E8}" type="datetimeFigureOut">
               <a:rPr lang="en-US" smtClean="0"/>
+              <a:pPr/>
               <a:t>10/6/2015</a:t>
             </a:fld>
             <a:endParaRPr lang="en-US"/>
@@ -620,7 +1150,9 @@
         <p:spPr/>
         <p:txBody>
           <a:bodyPr/>
-          <a:lstStyle/>
+          <a:lstStyle>
+            <a:extLst/>
+          </a:lstStyle>
           <a:p>
             <a:endParaRPr lang="en-US"/>
           </a:p>
@@ -639,10 +1171,13 @@
         <p:spPr/>
         <p:txBody>
           <a:bodyPr/>
-          <a:lstStyle/>
+          <a:lstStyle>
+            <a:extLst/>
+          </a:lstStyle>
           <a:p>
             <a:fld id="{DA02FF60-D5CD-4E36-8A9C-5C835F2F2D21}" type="slidenum">
               <a:rPr lang="en-US" smtClean="0"/>
+              <a:pPr/>
               <a:t>‹#›</a:t>
             </a:fld>
             <a:endParaRPr lang="en-US"/>
@@ -650,11 +1185,6 @@
         </p:txBody>
       </p:sp>
     </p:spTree>
-    <p:extLst>
-      <p:ext uri="{BB962C8B-B14F-4D97-AF65-F5344CB8AC3E}">
-        <p14:creationId xmlns:p14="http://schemas.microsoft.com/office/powerpoint/2010/main" val="4103672766"/>
-      </p:ext>
-    </p:extLst>
   </p:cSld>
   <p:clrMapOvr>
     <a:masterClrMapping/>
@@ -681,96 +1211,78 @@
       </p:grpSpPr>
       <p:sp>
         <p:nvSpPr>
-          <p:cNvPr id="2" name="Title 1"/>
-          <p:cNvSpPr>
-            <a:spLocks noGrp="1"/>
-          </p:cNvSpPr>
-          <p:nvPr>
-            <p:ph type="title"/>
+          <p:cNvPr id="3" name="Content Placeholder 2"/>
+          <p:cNvSpPr>
+            <a:spLocks noGrp="1"/>
+          </p:cNvSpPr>
+          <p:nvPr>
+            <p:ph idx="1"/>
           </p:nvPr>
         </p:nvSpPr>
         <p:spPr/>
         <p:txBody>
           <a:bodyPr/>
-          <a:lstStyle/>
-          <a:p>
-            <a:r>
-              <a:rPr lang="en-US" smtClean="0"/>
-              <a:t>Click to edit Master title style</a:t>
-            </a:r>
-            <a:endParaRPr lang="en-US"/>
-          </a:p>
-        </p:txBody>
-      </p:sp>
-      <p:sp>
-        <p:nvSpPr>
-          <p:cNvPr id="3" name="Content Placeholder 2"/>
-          <p:cNvSpPr>
-            <a:spLocks noGrp="1"/>
-          </p:cNvSpPr>
-          <p:nvPr>
-            <p:ph idx="1"/>
+          <a:lstStyle>
+            <a:extLst/>
+          </a:lstStyle>
+          <a:p>
+            <a:pPr lvl="0" eaLnBrk="1" latinLnBrk="0" hangingPunct="1"/>
+            <a:r>
+              <a:rPr lang="en-US" smtClean="0"/>
+              <a:t>Click to edit Master text styles</a:t>
+            </a:r>
+          </a:p>
+          <a:p>
+            <a:pPr lvl="1" eaLnBrk="1" latinLnBrk="0" hangingPunct="1"/>
+            <a:r>
+              <a:rPr lang="en-US" smtClean="0"/>
+              <a:t>Second level</a:t>
+            </a:r>
+          </a:p>
+          <a:p>
+            <a:pPr lvl="2" eaLnBrk="1" latinLnBrk="0" hangingPunct="1"/>
+            <a:r>
+              <a:rPr lang="en-US" smtClean="0"/>
+              <a:t>Third level</a:t>
+            </a:r>
+          </a:p>
+          <a:p>
+            <a:pPr lvl="3" eaLnBrk="1" latinLnBrk="0" hangingPunct="1"/>
+            <a:r>
+              <a:rPr lang="en-US" smtClean="0"/>
+              <a:t>Fourth level</a:t>
+            </a:r>
+          </a:p>
+          <a:p>
+            <a:pPr lvl="4" eaLnBrk="1" latinLnBrk="0" hangingPunct="1"/>
+            <a:r>
+              <a:rPr lang="en-US" smtClean="0"/>
+              <a:t>Fifth level</a:t>
+            </a:r>
+            <a:endParaRPr kumimoji="0" lang="en-US"/>
+          </a:p>
+        </p:txBody>
+      </p:sp>
+      <p:sp>
+        <p:nvSpPr>
+          <p:cNvPr id="4" name="Date Placeholder 3"/>
+          <p:cNvSpPr>
+            <a:spLocks noGrp="1"/>
+          </p:cNvSpPr>
+          <p:nvPr>
+            <p:ph type="dt" sz="half" idx="10"/>
           </p:nvPr>
         </p:nvSpPr>
         <p:spPr/>
         <p:txBody>
           <a:bodyPr/>
-          <a:lstStyle/>
-          <a:p>
-            <a:pPr lvl="0"/>
-            <a:r>
-              <a:rPr lang="en-US" smtClean="0"/>
-              <a:t>Click to edit Master text styles</a:t>
-            </a:r>
-          </a:p>
-          <a:p>
-            <a:pPr lvl="1"/>
-            <a:r>
-              <a:rPr lang="en-US" smtClean="0"/>
-              <a:t>Second level</a:t>
-            </a:r>
-          </a:p>
-          <a:p>
-            <a:pPr lvl="2"/>
-            <a:r>
-              <a:rPr lang="en-US" smtClean="0"/>
-              <a:t>Third level</a:t>
-            </a:r>
-          </a:p>
-          <a:p>
-            <a:pPr lvl="3"/>
-            <a:r>
-              <a:rPr lang="en-US" smtClean="0"/>
-              <a:t>Fourth level</a:t>
-            </a:r>
-          </a:p>
-          <a:p>
-            <a:pPr lvl="4"/>
-            <a:r>
-              <a:rPr lang="en-US" smtClean="0"/>
-              <a:t>Fifth level</a:t>
-            </a:r>
-            <a:endParaRPr lang="en-US"/>
-          </a:p>
-        </p:txBody>
-      </p:sp>
-      <p:sp>
-        <p:nvSpPr>
-          <p:cNvPr id="4" name="Date Placeholder 3"/>
-          <p:cNvSpPr>
-            <a:spLocks noGrp="1"/>
-          </p:cNvSpPr>
-          <p:nvPr>
-            <p:ph type="dt" sz="half" idx="10"/>
-          </p:nvPr>
-        </p:nvSpPr>
-        <p:spPr/>
-        <p:txBody>
-          <a:bodyPr/>
-          <a:lstStyle/>
+          <a:lstStyle>
+            <a:extLst/>
+          </a:lstStyle>
           <a:p>
             <a:fld id="{D369F928-0021-4585-8B49-56F1E2F712E8}" type="datetimeFigureOut">
               <a:rPr lang="en-US" smtClean="0"/>
+              <a:pPr/>
               <a:t>10/6/2015</a:t>
             </a:fld>
             <a:endParaRPr lang="en-US"/>
@@ -790,7 +1302,9 @@
         <p:spPr/>
         <p:txBody>
           <a:bodyPr/>
-          <a:lstStyle/>
+          <a:lstStyle>
+            <a:extLst/>
+          </a:lstStyle>
           <a:p>
             <a:endParaRPr lang="en-US"/>
           </a:p>
@@ -809,22 +1323,45 @@
         <p:spPr/>
         <p:txBody>
           <a:bodyPr/>
-          <a:lstStyle/>
+          <a:lstStyle>
+            <a:extLst/>
+          </a:lstStyle>
           <a:p>
             <a:fld id="{DA02FF60-D5CD-4E36-8A9C-5C835F2F2D21}" type="slidenum">
               <a:rPr lang="en-US" smtClean="0"/>
+              <a:pPr/>
               <a:t>‹#›</a:t>
             </a:fld>
             <a:endParaRPr lang="en-US"/>
           </a:p>
         </p:txBody>
       </p:sp>
+      <p:sp>
+        <p:nvSpPr>
+          <p:cNvPr id="7" name="Title 6"/>
+          <p:cNvSpPr>
+            <a:spLocks noGrp="1"/>
+          </p:cNvSpPr>
+          <p:nvPr>
+            <p:ph type="title"/>
+          </p:nvPr>
+        </p:nvSpPr>
+        <p:spPr/>
+        <p:txBody>
+          <a:bodyPr rtlCol="0"/>
+          <a:lstStyle>
+            <a:extLst/>
+          </a:lstStyle>
+          <a:p>
+            <a:r>
+              <a:rPr kumimoji="0" lang="en-US" smtClean="0"/>
+              <a:t>Click to edit Master title style</a:t>
+            </a:r>
+            <a:endParaRPr kumimoji="0" lang="en-US"/>
+          </a:p>
+        </p:txBody>
+      </p:sp>
     </p:spTree>
-    <p:extLst>
-      <p:ext uri="{BB962C8B-B14F-4D97-AF65-F5344CB8AC3E}">
-        <p14:creationId xmlns:p14="http://schemas.microsoft.com/office/powerpoint/2010/main" val="679858034"/>
-      </p:ext>
-    </p:extLst>
   </p:cSld>
   <p:clrMapOvr>
     <a:masterClrMapping/>
@@ -835,6 +1372,11 @@
 <file path=ppt/slideLayouts/slideLayout3.xml><?xml version="1.0" encoding="utf-8"?>
 <p:sldLayout xmlns:a="http://schemas.openxmlformats.org/drawingml/2006/main" xmlns:r="http://schemas.openxmlformats.org/officeDocument/2006/relationships" xmlns:p="http://schemas.openxmlformats.org/presentationml/2006/main" type="secHead" preserve="1">
   <p:cSld name="Section Header">
+    <p:bg>
+      <p:bgRef idx="1002">
+        <a:schemeClr val="bg1"/>
+      </p:bgRef>
+    </p:bg>
     <p:spTree>
       <p:nvGrpSpPr>
         <p:cNvPr id="1" name=""/>
@@ -861,23 +1403,42 @@
         </p:nvSpPr>
         <p:spPr>
           <a:xfrm>
-            <a:off x="831850" y="1709738"/>
-            <a:ext cx="10515600" cy="2852737"/>
+            <a:off x="963168" y="1059712"/>
+            <a:ext cx="10363200" cy="1828800"/>
           </a:xfrm>
         </p:spPr>
         <p:txBody>
-          <a:bodyPr anchor="b"/>
-          <a:lstStyle>
-            <a:lvl1pPr>
-              <a:defRPr sz="6000"/>
+          <a:bodyPr vert="horz" anchor="b">
+            <a:normAutofit/>
+            <a:scene3d>
+              <a:camera prst="orthographicFront"/>
+              <a:lightRig rig="soft" dir="t"/>
+            </a:scene3d>
+            <a:sp3d prstMaterial="softEdge">
+              <a:bevelT w="25400" h="25400"/>
+            </a:sp3d>
+          </a:bodyPr>
+          <a:lstStyle>
+            <a:lvl1pPr algn="r">
+              <a:buNone/>
+              <a:defRPr sz="4800" b="1" cap="none" baseline="0">
+                <a:effectLst>
+                  <a:outerShdw blurRad="31750" dist="25400" dir="5400000" algn="tl" rotWithShape="0">
+                    <a:srgbClr val="000000">
+                      <a:alpha val="25000"/>
+                    </a:srgbClr>
+                  </a:outerShdw>
+                </a:effectLst>
+              </a:defRPr>
             </a:lvl1pPr>
-          </a:lstStyle>
-          <a:p>
-            <a:r>
-              <a:rPr lang="en-US" smtClean="0"/>
+            <a:extLst/>
+          </a:lstStyle>
+          <a:p>
+            <a:r>
+              <a:rPr kumimoji="0" lang="en-US" smtClean="0"/>
               <a:t>Click to edit Master title style</a:t>
             </a:r>
-            <a:endParaRPr lang="en-US"/>
+            <a:endParaRPr kumimoji="0" lang="en-US"/>
           </a:p>
         </p:txBody>
       </p:sp>
@@ -893,34 +1454,22 @@
         </p:nvSpPr>
         <p:spPr>
           <a:xfrm>
-            <a:off x="831850" y="4589463"/>
-            <a:ext cx="10515600" cy="1500187"/>
+            <a:off x="5230284" y="2931712"/>
+            <a:ext cx="6096000" cy="1454888"/>
           </a:xfrm>
         </p:spPr>
         <p:txBody>
-          <a:bodyPr/>
-          <a:lstStyle>
-            <a:lvl1pPr marL="0" indent="0">
+          <a:bodyPr lIns="91440" rIns="91440" anchor="t"/>
+          <a:lstStyle>
+            <a:lvl1pPr marL="0" indent="0" algn="l">
               <a:buNone/>
-              <a:defRPr sz="2400">
+              <a:defRPr sz="2300">
                 <a:solidFill>
-                  <a:schemeClr val="tx1">
-                    <a:tint val="75000"/>
-                  </a:schemeClr>
+                  <a:schemeClr val="tx1"/>
                 </a:solidFill>
               </a:defRPr>
             </a:lvl1pPr>
-            <a:lvl2pPr marL="457200" indent="0">
-              <a:buNone/>
-              <a:defRPr sz="2000">
-                <a:solidFill>
-                  <a:schemeClr val="tx1">
-                    <a:tint val="75000"/>
-                  </a:schemeClr>
-                </a:solidFill>
-              </a:defRPr>
-            </a:lvl2pPr>
-            <a:lvl3pPr marL="914400" indent="0">
+            <a:lvl2pPr>
               <a:buNone/>
               <a:defRPr sz="1800">
                 <a:solidFill>
@@ -929,8 +1478,8 @@
                   </a:schemeClr>
                 </a:solidFill>
               </a:defRPr>
-            </a:lvl3pPr>
-            <a:lvl4pPr marL="1371600" indent="0">
+            </a:lvl2pPr>
+            <a:lvl3pPr>
               <a:buNone/>
               <a:defRPr sz="1600">
                 <a:solidFill>
@@ -939,10 +1488,20 @@
                   </a:schemeClr>
                 </a:solidFill>
               </a:defRPr>
+            </a:lvl3pPr>
+            <a:lvl4pPr>
+              <a:buNone/>
+              <a:defRPr sz="1400">
+                <a:solidFill>
+                  <a:schemeClr val="tx1">
+                    <a:tint val="75000"/>
+                  </a:schemeClr>
+                </a:solidFill>
+              </a:defRPr>
             </a:lvl4pPr>
-            <a:lvl5pPr marL="1828800" indent="0">
+            <a:lvl5pPr>
               <a:buNone/>
-              <a:defRPr sz="1600">
+              <a:defRPr sz="1400">
                 <a:solidFill>
                   <a:schemeClr val="tx1">
                     <a:tint val="75000"/>
@@ -950,51 +1509,12 @@
                 </a:solidFill>
               </a:defRPr>
             </a:lvl5pPr>
-            <a:lvl6pPr marL="2286000" indent="0">
-              <a:buNone/>
-              <a:defRPr sz="1600">
-                <a:solidFill>
-                  <a:schemeClr val="tx1">
-                    <a:tint val="75000"/>
-                  </a:schemeClr>
-                </a:solidFill>
-              </a:defRPr>
-            </a:lvl6pPr>
-            <a:lvl7pPr marL="2743200" indent="0">
-              <a:buNone/>
-              <a:defRPr sz="1600">
-                <a:solidFill>
-                  <a:schemeClr val="tx1">
-                    <a:tint val="75000"/>
-                  </a:schemeClr>
-                </a:solidFill>
-              </a:defRPr>
-            </a:lvl7pPr>
-            <a:lvl8pPr marL="3200400" indent="0">
-              <a:buNone/>
-              <a:defRPr sz="1600">
-                <a:solidFill>
-                  <a:schemeClr val="tx1">
-                    <a:tint val="75000"/>
-                  </a:schemeClr>
-                </a:solidFill>
-              </a:defRPr>
-            </a:lvl8pPr>
-            <a:lvl9pPr marL="3657600" indent="0">
-              <a:buNone/>
-              <a:defRPr sz="1600">
-                <a:solidFill>
-                  <a:schemeClr val="tx1">
-                    <a:tint val="75000"/>
-                  </a:schemeClr>
-                </a:solidFill>
-              </a:defRPr>
-            </a:lvl9pPr>
-          </a:lstStyle>
-          <a:p>
-            <a:pPr lvl="0"/>
-            <a:r>
-              <a:rPr lang="en-US" smtClean="0"/>
+            <a:extLst/>
+          </a:lstStyle>
+          <a:p>
+            <a:pPr lvl="0" eaLnBrk="1" latinLnBrk="0" hangingPunct="1"/>
+            <a:r>
+              <a:rPr kumimoji="0" lang="en-US" smtClean="0"/>
               <a:t>Click to edit Master text styles</a:t>
             </a:r>
           </a:p>
@@ -1013,10 +1533,13 @@
         <p:spPr/>
         <p:txBody>
           <a:bodyPr/>
-          <a:lstStyle/>
+          <a:lstStyle>
+            <a:extLst/>
+          </a:lstStyle>
           <a:p>
             <a:fld id="{D369F928-0021-4585-8B49-56F1E2F712E8}" type="datetimeFigureOut">
               <a:rPr lang="en-US" smtClean="0"/>
+              <a:pPr/>
               <a:t>10/6/2015</a:t>
             </a:fld>
             <a:endParaRPr lang="en-US"/>
@@ -1036,7 +1559,9 @@
         <p:spPr/>
         <p:txBody>
           <a:bodyPr/>
-          <a:lstStyle/>
+          <a:lstStyle>
+            <a:extLst/>
+          </a:lstStyle>
           <a:p>
             <a:endParaRPr lang="en-US"/>
           </a:p>
@@ -1055,25 +1580,183 @@
         <p:spPr/>
         <p:txBody>
           <a:bodyPr/>
-          <a:lstStyle/>
+          <a:lstStyle>
+            <a:extLst/>
+          </a:lstStyle>
           <a:p>
             <a:fld id="{DA02FF60-D5CD-4E36-8A9C-5C835F2F2D21}" type="slidenum">
               <a:rPr lang="en-US" smtClean="0"/>
+              <a:pPr/>
               <a:t>‹#›</a:t>
             </a:fld>
             <a:endParaRPr lang="en-US"/>
           </a:p>
         </p:txBody>
       </p:sp>
+      <p:sp>
+        <p:nvSpPr>
+          <p:cNvPr id="7" name="Chevron 6"/>
+          <p:cNvSpPr/>
+          <p:nvPr/>
+        </p:nvSpPr>
+        <p:spPr>
+          <a:xfrm>
+            <a:off x="4848907" y="3005472"/>
+            <a:ext cx="243840" cy="228600"/>
+          </a:xfrm>
+          <a:prstGeom prst="chevron">
+            <a:avLst>
+              <a:gd name="adj" fmla="val 50000"/>
+            </a:avLst>
+          </a:prstGeom>
+          <a:gradFill flip="none" rotWithShape="1">
+            <a:gsLst>
+              <a:gs pos="0">
+                <a:schemeClr val="accent1">
+                  <a:shade val="60000"/>
+                  <a:satMod val="125000"/>
+                </a:schemeClr>
+              </a:gs>
+              <a:gs pos="72000">
+                <a:schemeClr val="accent1">
+                  <a:tint val="90000"/>
+                  <a:satMod val="138000"/>
+                </a:schemeClr>
+              </a:gs>
+              <a:gs pos="100000">
+                <a:schemeClr val="accent1">
+                  <a:tint val="76000"/>
+                  <a:satMod val="136000"/>
+                </a:schemeClr>
+              </a:gs>
+            </a:gsLst>
+            <a:lin ang="16200000" scaled="0"/>
+          </a:gradFill>
+          <a:ln w="3175" cap="rnd" cmpd="sng" algn="ctr">
+            <a:solidFill>
+              <a:schemeClr val="accent1">
+                <a:shade val="50000"/>
+              </a:schemeClr>
+            </a:solidFill>
+            <a:prstDash val="solid"/>
+          </a:ln>
+          <a:effectLst>
+            <a:outerShdw blurRad="50800" dist="25400" dir="5400000">
+              <a:srgbClr val="000000">
+                <a:alpha val="46000"/>
+              </a:srgbClr>
+            </a:outerShdw>
+          </a:effectLst>
+        </p:spPr>
+        <p:style>
+          <a:lnRef idx="1">
+            <a:schemeClr val="accent1"/>
+          </a:lnRef>
+          <a:fillRef idx="3">
+            <a:schemeClr val="accent1"/>
+          </a:fillRef>
+          <a:effectRef idx="2">
+            <a:schemeClr val="accent1"/>
+          </a:effectRef>
+          <a:fontRef idx="minor">
+            <a:schemeClr val="lt1"/>
+          </a:fontRef>
+        </p:style>
+        <p:txBody>
+          <a:bodyPr anchor="ctr"/>
+          <a:lstStyle>
+            <a:extLst/>
+          </a:lstStyle>
+          <a:p>
+            <a:pPr algn="l" eaLnBrk="1" latinLnBrk="0" hangingPunct="1"/>
+            <a:endParaRPr kumimoji="0" lang="en-US"/>
+          </a:p>
+        </p:txBody>
+      </p:sp>
+      <p:sp>
+        <p:nvSpPr>
+          <p:cNvPr id="8" name="Chevron 7"/>
+          <p:cNvSpPr/>
+          <p:nvPr/>
+        </p:nvSpPr>
+        <p:spPr>
+          <a:xfrm>
+            <a:off x="4600352" y="3005472"/>
+            <a:ext cx="243840" cy="228600"/>
+          </a:xfrm>
+          <a:prstGeom prst="chevron">
+            <a:avLst>
+              <a:gd name="adj" fmla="val 50000"/>
+            </a:avLst>
+          </a:prstGeom>
+          <a:gradFill flip="none" rotWithShape="1">
+            <a:gsLst>
+              <a:gs pos="0">
+                <a:schemeClr val="accent1">
+                  <a:shade val="60000"/>
+                  <a:satMod val="125000"/>
+                </a:schemeClr>
+              </a:gs>
+              <a:gs pos="72000">
+                <a:schemeClr val="accent1">
+                  <a:tint val="90000"/>
+                  <a:satMod val="138000"/>
+                </a:schemeClr>
+              </a:gs>
+              <a:gs pos="100000">
+                <a:schemeClr val="accent1">
+                  <a:tint val="76000"/>
+                  <a:satMod val="136000"/>
+                </a:schemeClr>
+              </a:gs>
+            </a:gsLst>
+            <a:lin ang="16200000" scaled="0"/>
+          </a:gradFill>
+          <a:ln w="3175" cap="rnd" cmpd="sng" algn="ctr">
+            <a:solidFill>
+              <a:schemeClr val="accent1">
+                <a:shade val="50000"/>
+              </a:schemeClr>
+            </a:solidFill>
+            <a:prstDash val="solid"/>
+          </a:ln>
+          <a:effectLst>
+            <a:outerShdw blurRad="50800" dist="25400" dir="5400000">
+              <a:srgbClr val="000000">
+                <a:alpha val="46000"/>
+              </a:srgbClr>
+            </a:outerShdw>
+          </a:effectLst>
+        </p:spPr>
+        <p:style>
+          <a:lnRef idx="1">
+            <a:schemeClr val="accent1"/>
+          </a:lnRef>
+          <a:fillRef idx="3">
+            <a:schemeClr val="accent1"/>
+          </a:fillRef>
+          <a:effectRef idx="2">
+            <a:schemeClr val="accent1"/>
+          </a:effectRef>
+          <a:fontRef idx="minor">
+            <a:schemeClr val="lt1"/>
+          </a:fontRef>
+        </p:style>
+        <p:txBody>
+          <a:bodyPr anchor="ctr"/>
+          <a:lstStyle>
+            <a:extLst/>
+          </a:lstStyle>
+          <a:p>
+            <a:pPr algn="l" eaLnBrk="1" latinLnBrk="0" hangingPunct="1"/>
+            <a:endParaRPr kumimoji="0" lang="en-US"/>
+          </a:p>
+        </p:txBody>
+      </p:sp>
     </p:spTree>
-    <p:extLst>
-      <p:ext uri="{BB962C8B-B14F-4D97-AF65-F5344CB8AC3E}">
-        <p14:creationId xmlns:p14="http://schemas.microsoft.com/office/powerpoint/2010/main" val="3862646900"/>
-      </p:ext>
-    </p:extLst>
   </p:cSld>
   <p:clrMapOvr>
-    <a:masterClrMapping/>
+    <a:overrideClrMapping bg1="dk1" tx1="lt1" bg2="dk2" tx2="lt2" accent1="accent1" accent2="accent2" accent3="accent3" accent4="accent4" accent5="accent5" accent6="accent6" hlink="hlink" folHlink="folHlink"/>
   </p:clrMapOvr>
 </p:sldLayout>
 </file>
@@ -1081,6 +1764,11 @@
 <file path=ppt/slideLayouts/slideLayout4.xml><?xml version="1.0" encoding="utf-8"?>
 <p:sldLayout xmlns:a="http://schemas.openxmlformats.org/drawingml/2006/main" xmlns:r="http://schemas.openxmlformats.org/officeDocument/2006/relationships" xmlns:p="http://schemas.openxmlformats.org/presentationml/2006/main" type="twoObj" preserve="1">
   <p:cSld name="Two Content">
+    <p:bg>
+      <p:bgRef idx="1002">
+        <a:schemeClr val="bg1"/>
+      </p:bgRef>
+    </p:bg>
     <p:spTree>
       <p:nvGrpSpPr>
         <p:cNvPr id="1" name=""/>
@@ -1097,29 +1785,6 @@
       </p:grpSpPr>
       <p:sp>
         <p:nvSpPr>
-          <p:cNvPr id="2" name="Title 1"/>
-          <p:cNvSpPr>
-            <a:spLocks noGrp="1"/>
-          </p:cNvSpPr>
-          <p:nvPr>
-            <p:ph type="title"/>
-          </p:nvPr>
-        </p:nvSpPr>
-        <p:spPr/>
-        <p:txBody>
-          <a:bodyPr/>
-          <a:lstStyle/>
-          <a:p>
-            <a:r>
-              <a:rPr lang="en-US" smtClean="0"/>
-              <a:t>Click to edit Master title style</a:t>
-            </a:r>
-            <a:endParaRPr lang="en-US"/>
-          </a:p>
-        </p:txBody>
-      </p:sp>
-      <p:sp>
-        <p:nvSpPr>
           <p:cNvPr id="3" name="Content Placeholder 2"/>
           <p:cNvSpPr>
             <a:spLocks noGrp="1"/>
@@ -1130,48 +1795,65 @@
         </p:nvSpPr>
         <p:spPr>
           <a:xfrm>
-            <a:off x="838200" y="1825625"/>
-            <a:ext cx="5181600" cy="4351338"/>
+            <a:off x="609600" y="1481329"/>
+            <a:ext cx="5384800" cy="4525963"/>
           </a:xfrm>
         </p:spPr>
         <p:txBody>
           <a:bodyPr/>
-          <a:lstStyle/>
-          <a:p>
-            <a:pPr lvl="0"/>
+          <a:lstStyle>
+            <a:lvl1pPr>
+              <a:defRPr sz="2800"/>
+            </a:lvl1pPr>
+            <a:lvl2pPr>
+              <a:defRPr sz="2400"/>
+            </a:lvl2pPr>
+            <a:lvl3pPr>
+              <a:defRPr sz="2000"/>
+            </a:lvl3pPr>
+            <a:lvl4pPr>
+              <a:defRPr sz="1800"/>
+            </a:lvl4pPr>
+            <a:lvl5pPr>
+              <a:defRPr sz="1800"/>
+            </a:lvl5pPr>
+            <a:extLst/>
+          </a:lstStyle>
+          <a:p>
+            <a:pPr lvl="0" eaLnBrk="1" latinLnBrk="0" hangingPunct="1"/>
             <a:r>
               <a:rPr lang="en-US" smtClean="0"/>
               <a:t>Click to edit Master text styles</a:t>
             </a:r>
           </a:p>
           <a:p>
-            <a:pPr lvl="1"/>
+            <a:pPr lvl="1" eaLnBrk="1" latinLnBrk="0" hangingPunct="1"/>
             <a:r>
               <a:rPr lang="en-US" smtClean="0"/>
               <a:t>Second level</a:t>
             </a:r>
           </a:p>
           <a:p>
-            <a:pPr lvl="2"/>
+            <a:pPr lvl="2" eaLnBrk="1" latinLnBrk="0" hangingPunct="1"/>
             <a:r>
               <a:rPr lang="en-US" smtClean="0"/>
               <a:t>Third level</a:t>
             </a:r>
           </a:p>
           <a:p>
-            <a:pPr lvl="3"/>
+            <a:pPr lvl="3" eaLnBrk="1" latinLnBrk="0" hangingPunct="1"/>
             <a:r>
               <a:rPr lang="en-US" smtClean="0"/>
               <a:t>Fourth level</a:t>
             </a:r>
           </a:p>
           <a:p>
-            <a:pPr lvl="4"/>
+            <a:pPr lvl="4" eaLnBrk="1" latinLnBrk="0" hangingPunct="1"/>
             <a:r>
               <a:rPr lang="en-US" smtClean="0"/>
               <a:t>Fifth level</a:t>
             </a:r>
-            <a:endParaRPr lang="en-US"/>
+            <a:endParaRPr kumimoji="0" lang="en-US"/>
           </a:p>
         </p:txBody>
       </p:sp>
@@ -1187,48 +1869,65 @@
         </p:nvSpPr>
         <p:spPr>
           <a:xfrm>
-            <a:off x="6172200" y="1825625"/>
-            <a:ext cx="5181600" cy="4351338"/>
+            <a:off x="6197600" y="1481329"/>
+            <a:ext cx="5384800" cy="4525963"/>
           </a:xfrm>
         </p:spPr>
         <p:txBody>
           <a:bodyPr/>
-          <a:lstStyle/>
-          <a:p>
-            <a:pPr lvl="0"/>
+          <a:lstStyle>
+            <a:lvl1pPr>
+              <a:defRPr sz="2800"/>
+            </a:lvl1pPr>
+            <a:lvl2pPr>
+              <a:defRPr sz="2400"/>
+            </a:lvl2pPr>
+            <a:lvl3pPr>
+              <a:defRPr sz="2000"/>
+            </a:lvl3pPr>
+            <a:lvl4pPr>
+              <a:defRPr sz="1800"/>
+            </a:lvl4pPr>
+            <a:lvl5pPr>
+              <a:defRPr sz="1800"/>
+            </a:lvl5pPr>
+            <a:extLst/>
+          </a:lstStyle>
+          <a:p>
+            <a:pPr lvl="0" eaLnBrk="1" latinLnBrk="0" hangingPunct="1"/>
             <a:r>
               <a:rPr lang="en-US" smtClean="0"/>
               <a:t>Click to edit Master text styles</a:t>
             </a:r>
           </a:p>
           <a:p>
-            <a:pPr lvl="1"/>
+            <a:pPr lvl="1" eaLnBrk="1" latinLnBrk="0" hangingPunct="1"/>
             <a:r>
               <a:rPr lang="en-US" smtClean="0"/>
               <a:t>Second level</a:t>
             </a:r>
           </a:p>
           <a:p>
-            <a:pPr lvl="2"/>
+            <a:pPr lvl="2" eaLnBrk="1" latinLnBrk="0" hangingPunct="1"/>
             <a:r>
               <a:rPr lang="en-US" smtClean="0"/>
               <a:t>Third level</a:t>
             </a:r>
           </a:p>
           <a:p>
-            <a:pPr lvl="3"/>
+            <a:pPr lvl="3" eaLnBrk="1" latinLnBrk="0" hangingPunct="1"/>
             <a:r>
               <a:rPr lang="en-US" smtClean="0"/>
               <a:t>Fourth level</a:t>
             </a:r>
           </a:p>
           <a:p>
-            <a:pPr lvl="4"/>
+            <a:pPr lvl="4" eaLnBrk="1" latinLnBrk="0" hangingPunct="1"/>
             <a:r>
               <a:rPr lang="en-US" smtClean="0"/>
               <a:t>Fifth level</a:t>
             </a:r>
-            <a:endParaRPr lang="en-US"/>
+            <a:endParaRPr kumimoji="0" lang="en-US"/>
           </a:p>
         </p:txBody>
       </p:sp>
@@ -1245,10 +1944,13 @@
         <p:spPr/>
         <p:txBody>
           <a:bodyPr/>
-          <a:lstStyle/>
+          <a:lstStyle>
+            <a:extLst/>
+          </a:lstStyle>
           <a:p>
             <a:fld id="{D369F928-0021-4585-8B49-56F1E2F712E8}" type="datetimeFigureOut">
               <a:rPr lang="en-US" smtClean="0"/>
+              <a:pPr/>
               <a:t>10/6/2015</a:t>
             </a:fld>
             <a:endParaRPr lang="en-US"/>
@@ -1268,7 +1970,9 @@
         <p:spPr/>
         <p:txBody>
           <a:bodyPr/>
-          <a:lstStyle/>
+          <a:lstStyle>
+            <a:extLst/>
+          </a:lstStyle>
           <a:p>
             <a:endParaRPr lang="en-US"/>
           </a:p>
@@ -1287,32 +1991,60 @@
         <p:spPr/>
         <p:txBody>
           <a:bodyPr/>
-          <a:lstStyle/>
+          <a:lstStyle>
+            <a:extLst/>
+          </a:lstStyle>
           <a:p>
             <a:fld id="{DA02FF60-D5CD-4E36-8A9C-5C835F2F2D21}" type="slidenum">
               <a:rPr lang="en-US" smtClean="0"/>
+              <a:pPr/>
               <a:t>‹#›</a:t>
             </a:fld>
             <a:endParaRPr lang="en-US"/>
           </a:p>
         </p:txBody>
       </p:sp>
+      <p:sp>
+        <p:nvSpPr>
+          <p:cNvPr id="8" name="Title 7"/>
+          <p:cNvSpPr>
+            <a:spLocks noGrp="1"/>
+          </p:cNvSpPr>
+          <p:nvPr>
+            <p:ph type="title"/>
+          </p:nvPr>
+        </p:nvSpPr>
+        <p:spPr/>
+        <p:txBody>
+          <a:bodyPr rtlCol="0"/>
+          <a:lstStyle>
+            <a:extLst/>
+          </a:lstStyle>
+          <a:p>
+            <a:r>
+              <a:rPr kumimoji="0" lang="en-US" smtClean="0"/>
+              <a:t>Click to edit Master title style</a:t>
+            </a:r>
+            <a:endParaRPr kumimoji="0" lang="en-US"/>
+          </a:p>
+        </p:txBody>
+      </p:sp>
     </p:spTree>
-    <p:extLst>
-      <p:ext uri="{BB962C8B-B14F-4D97-AF65-F5344CB8AC3E}">
-        <p14:creationId xmlns:p14="http://schemas.microsoft.com/office/powerpoint/2010/main" val="3720070659"/>
-      </p:ext>
-    </p:extLst>
   </p:cSld>
   <p:clrMapOvr>
-    <a:masterClrMapping/>
+    <a:overrideClrMapping bg1="dk1" tx1="lt1" bg2="dk2" tx2="lt2" accent1="accent1" accent2="accent2" accent3="accent3" accent4="accent4" accent5="accent5" accent6="accent6" hlink="hlink" folHlink="folHlink"/>
   </p:clrMapOvr>
 </p:sldLayout>
 </file>
 
 <file path=ppt/slideLayouts/slideLayout5.xml><?xml version="1.0" encoding="utf-8"?>
-<p:sldLayout xmlns:a="http://schemas.openxmlformats.org/drawingml/2006/main" xmlns:r="http://schemas.openxmlformats.org/officeDocument/2006/relationships" xmlns:p="http://schemas.openxmlformats.org/presentationml/2006/main" type="twoTxTwoObj" preserve="1">
+<p:sldLayout xmlns:a="http://schemas.openxmlformats.org/drawingml/2006/main" xmlns:r="http://schemas.openxmlformats.org/officeDocument/2006/relationships" xmlns:p="http://schemas.openxmlformats.org/presentationml/2006/main" showMasterSp="0" type="twoTxTwoObj" preserve="1">
   <p:cSld name="Comparison">
+    <p:bg>
+      <p:bgRef idx="1003">
+        <a:schemeClr val="bg1"/>
+      </p:bgRef>
+    </p:bg>
     <p:spTree>
       <p:nvGrpSpPr>
         <p:cNvPr id="1" name=""/>
@@ -1339,19 +2071,24 @@
         </p:nvSpPr>
         <p:spPr>
           <a:xfrm>
-            <a:off x="839788" y="365125"/>
-            <a:ext cx="10515600" cy="1325563"/>
+            <a:off x="609600" y="273050"/>
+            <a:ext cx="10972800" cy="1143000"/>
           </a:xfrm>
         </p:spPr>
         <p:txBody>
-          <a:bodyPr/>
-          <a:lstStyle/>
-          <a:p>
-            <a:r>
-              <a:rPr lang="en-US" smtClean="0"/>
+          <a:bodyPr anchor="ctr"/>
+          <a:lstStyle>
+            <a:lvl1pPr>
+              <a:defRPr/>
+            </a:lvl1pPr>
+            <a:extLst/>
+          </a:lstStyle>
+          <a:p>
+            <a:r>
+              <a:rPr kumimoji="0" lang="en-US" smtClean="0"/>
               <a:t>Click to edit Master title style</a:t>
             </a:r>
-            <a:endParaRPr lang="en-US"/>
+            <a:endParaRPr kumimoji="0" lang="en-US"/>
           </a:p>
         </p:txBody>
       </p:sp>
@@ -1367,54 +2104,52 @@
         </p:nvSpPr>
         <p:spPr>
           <a:xfrm>
-            <a:off x="839788" y="1681163"/>
-            <a:ext cx="5157787" cy="823912"/>
+            <a:off x="609600" y="5410200"/>
+            <a:ext cx="5386917" cy="762000"/>
           </a:xfrm>
+          <a:solidFill>
+            <a:schemeClr val="accent1"/>
+          </a:solidFill>
+          <a:ln w="9652">
+            <a:solidFill>
+              <a:schemeClr val="accent1"/>
+            </a:solidFill>
+            <a:miter lim="800000"/>
+          </a:ln>
         </p:spPr>
         <p:txBody>
-          <a:bodyPr anchor="b"/>
+          <a:bodyPr lIns="182880" anchor="ctr"/>
           <a:lstStyle>
             <a:lvl1pPr marL="0" indent="0">
               <a:buNone/>
-              <a:defRPr sz="2400" b="1"/>
+              <a:defRPr sz="2400" b="0">
+                <a:solidFill>
+                  <a:schemeClr val="bg1"/>
+                </a:solidFill>
+              </a:defRPr>
             </a:lvl1pPr>
-            <a:lvl2pPr marL="457200" indent="0">
+            <a:lvl2pPr>
               <a:buNone/>
               <a:defRPr sz="2000" b="1"/>
             </a:lvl2pPr>
-            <a:lvl3pPr marL="914400" indent="0">
+            <a:lvl3pPr>
               <a:buNone/>
               <a:defRPr sz="1800" b="1"/>
             </a:lvl3pPr>
-            <a:lvl4pPr marL="1371600" indent="0">
+            <a:lvl4pPr>
               <a:buNone/>
               <a:defRPr sz="1600" b="1"/>
             </a:lvl4pPr>
-            <a:lvl5pPr marL="1828800" indent="0">
+            <a:lvl5pPr>
               <a:buNone/>
               <a:defRPr sz="1600" b="1"/>
             </a:lvl5pPr>
-            <a:lvl6pPr marL="2286000" indent="0">
-              <a:buNone/>
-              <a:defRPr sz="1600" b="1"/>
-            </a:lvl6pPr>
-            <a:lvl7pPr marL="2743200" indent="0">
-              <a:buNone/>
-              <a:defRPr sz="1600" b="1"/>
-            </a:lvl7pPr>
-            <a:lvl8pPr marL="3200400" indent="0">
-              <a:buNone/>
-              <a:defRPr sz="1600" b="1"/>
-            </a:lvl8pPr>
-            <a:lvl9pPr marL="3657600" indent="0">
-              <a:buNone/>
-              <a:defRPr sz="1600" b="1"/>
-            </a:lvl9pPr>
-          </a:lstStyle>
-          <a:p>
-            <a:pPr lvl="0"/>
-            <a:r>
-              <a:rPr lang="en-US" smtClean="0"/>
+            <a:extLst/>
+          </a:lstStyle>
+          <a:p>
+            <a:pPr lvl="0" eaLnBrk="1" latinLnBrk="0" hangingPunct="1"/>
+            <a:r>
+              <a:rPr kumimoji="0" lang="en-US" smtClean="0"/>
               <a:t>Click to edit Master text styles</a:t>
             </a:r>
           </a:p>
@@ -1422,121 +2157,62 @@
       </p:sp>
       <p:sp>
         <p:nvSpPr>
-          <p:cNvPr id="4" name="Content Placeholder 3"/>
-          <p:cNvSpPr>
-            <a:spLocks noGrp="1"/>
-          </p:cNvSpPr>
-          <p:nvPr>
-            <p:ph sz="half" idx="2"/>
+          <p:cNvPr id="4" name="Text Placeholder 3"/>
+          <p:cNvSpPr>
+            <a:spLocks noGrp="1"/>
+          </p:cNvSpPr>
+          <p:nvPr>
+            <p:ph type="body" sz="half" idx="3"/>
           </p:nvPr>
         </p:nvSpPr>
         <p:spPr>
           <a:xfrm>
-            <a:off x="839788" y="2505075"/>
-            <a:ext cx="5157787" cy="3684588"/>
+            <a:off x="6193369" y="5410200"/>
+            <a:ext cx="5389033" cy="762000"/>
           </a:xfrm>
+          <a:solidFill>
+            <a:schemeClr val="accent1"/>
+          </a:solidFill>
+          <a:ln w="9652">
+            <a:solidFill>
+              <a:schemeClr val="accent1"/>
+            </a:solidFill>
+            <a:miter lim="800000"/>
+          </a:ln>
         </p:spPr>
         <p:txBody>
-          <a:bodyPr/>
-          <a:lstStyle/>
-          <a:p>
-            <a:pPr lvl="0"/>
-            <a:r>
-              <a:rPr lang="en-US" smtClean="0"/>
-              <a:t>Click to edit Master text styles</a:t>
-            </a:r>
-          </a:p>
-          <a:p>
-            <a:pPr lvl="1"/>
-            <a:r>
-              <a:rPr lang="en-US" smtClean="0"/>
-              <a:t>Second level</a:t>
-            </a:r>
-          </a:p>
-          <a:p>
-            <a:pPr lvl="2"/>
-            <a:r>
-              <a:rPr lang="en-US" smtClean="0"/>
-              <a:t>Third level</a:t>
-            </a:r>
-          </a:p>
-          <a:p>
-            <a:pPr lvl="3"/>
-            <a:r>
-              <a:rPr lang="en-US" smtClean="0"/>
-              <a:t>Fourth level</a:t>
-            </a:r>
-          </a:p>
-          <a:p>
-            <a:pPr lvl="4"/>
-            <a:r>
-              <a:rPr lang="en-US" smtClean="0"/>
-              <a:t>Fifth level</a:t>
-            </a:r>
-            <a:endParaRPr lang="en-US"/>
-          </a:p>
-        </p:txBody>
-      </p:sp>
-      <p:sp>
-        <p:nvSpPr>
-          <p:cNvPr id="5" name="Text Placeholder 4"/>
-          <p:cNvSpPr>
-            <a:spLocks noGrp="1"/>
-          </p:cNvSpPr>
-          <p:nvPr>
-            <p:ph type="body" sz="quarter" idx="3"/>
-          </p:nvPr>
-        </p:nvSpPr>
-        <p:spPr>
-          <a:xfrm>
-            <a:off x="6172200" y="1681163"/>
-            <a:ext cx="5183188" cy="823912"/>
-          </a:xfrm>
-        </p:spPr>
-        <p:txBody>
-          <a:bodyPr anchor="b"/>
+          <a:bodyPr lIns="182880" anchor="ctr"/>
           <a:lstStyle>
             <a:lvl1pPr marL="0" indent="0">
               <a:buNone/>
-              <a:defRPr sz="2400" b="1"/>
+              <a:defRPr sz="2400" b="0">
+                <a:solidFill>
+                  <a:schemeClr val="bg1"/>
+                </a:solidFill>
+              </a:defRPr>
             </a:lvl1pPr>
-            <a:lvl2pPr marL="457200" indent="0">
+            <a:lvl2pPr>
               <a:buNone/>
               <a:defRPr sz="2000" b="1"/>
             </a:lvl2pPr>
-            <a:lvl3pPr marL="914400" indent="0">
+            <a:lvl3pPr>
               <a:buNone/>
               <a:defRPr sz="1800" b="1"/>
             </a:lvl3pPr>
-            <a:lvl4pPr marL="1371600" indent="0">
+            <a:lvl4pPr>
               <a:buNone/>
               <a:defRPr sz="1600" b="1"/>
             </a:lvl4pPr>
-            <a:lvl5pPr marL="1828800" indent="0">
+            <a:lvl5pPr>
               <a:buNone/>
               <a:defRPr sz="1600" b="1"/>
             </a:lvl5pPr>
-            <a:lvl6pPr marL="2286000" indent="0">
-              <a:buNone/>
-              <a:defRPr sz="1600" b="1"/>
-            </a:lvl6pPr>
-            <a:lvl7pPr marL="2743200" indent="0">
-              <a:buNone/>
-              <a:defRPr sz="1600" b="1"/>
-            </a:lvl7pPr>
-            <a:lvl8pPr marL="3200400" indent="0">
-              <a:buNone/>
-              <a:defRPr sz="1600" b="1"/>
-            </a:lvl8pPr>
-            <a:lvl9pPr marL="3657600" indent="0">
-              <a:buNone/>
-              <a:defRPr sz="1600" b="1"/>
-            </a:lvl9pPr>
-          </a:lstStyle>
-          <a:p>
-            <a:pPr lvl="0"/>
-            <a:r>
-              <a:rPr lang="en-US" smtClean="0"/>
+            <a:extLst/>
+          </a:lstStyle>
+          <a:p>
+            <a:pPr lvl="0" eaLnBrk="1" latinLnBrk="0" hangingPunct="1"/>
+            <a:r>
+              <a:rPr kumimoji="0" lang="en-US" smtClean="0"/>
               <a:t>Click to edit Master text styles</a:t>
             </a:r>
           </a:p>
@@ -1544,58 +2220,162 @@
       </p:sp>
       <p:sp>
         <p:nvSpPr>
-          <p:cNvPr id="6" name="Content Placeholder 5"/>
-          <p:cNvSpPr>
-            <a:spLocks noGrp="1"/>
-          </p:cNvSpPr>
-          <p:nvPr>
-            <p:ph sz="quarter" idx="4"/>
+          <p:cNvPr id="5" name="Content Placeholder 4"/>
+          <p:cNvSpPr>
+            <a:spLocks noGrp="1"/>
+          </p:cNvSpPr>
+          <p:nvPr>
+            <p:ph sz="quarter" idx="2"/>
           </p:nvPr>
         </p:nvSpPr>
         <p:spPr>
           <a:xfrm>
-            <a:off x="6172200" y="2505075"/>
-            <a:ext cx="5183188" cy="3684588"/>
+            <a:off x="609600" y="1444295"/>
+            <a:ext cx="5386917" cy="3941763"/>
           </a:xfrm>
+          <a:ln>
+            <a:noFill/>
+            <a:prstDash val="sysDash"/>
+            <a:miter lim="800000"/>
+          </a:ln>
         </p:spPr>
         <p:txBody>
           <a:bodyPr/>
-          <a:lstStyle/>
-          <a:p>
-            <a:pPr lvl="0"/>
+          <a:lstStyle>
+            <a:lvl1pPr>
+              <a:defRPr sz="2400"/>
+            </a:lvl1pPr>
+            <a:lvl2pPr>
+              <a:defRPr sz="2000"/>
+            </a:lvl2pPr>
+            <a:lvl3pPr>
+              <a:defRPr sz="1800"/>
+            </a:lvl3pPr>
+            <a:lvl4pPr>
+              <a:defRPr sz="1600"/>
+            </a:lvl4pPr>
+            <a:lvl5pPr>
+              <a:defRPr sz="1600"/>
+            </a:lvl5pPr>
+            <a:extLst/>
+          </a:lstStyle>
+          <a:p>
+            <a:pPr lvl="0" eaLnBrk="1" latinLnBrk="0" hangingPunct="1"/>
             <a:r>
               <a:rPr lang="en-US" smtClean="0"/>
               <a:t>Click to edit Master text styles</a:t>
             </a:r>
           </a:p>
           <a:p>
-            <a:pPr lvl="1"/>
+            <a:pPr lvl="1" eaLnBrk="1" latinLnBrk="0" hangingPunct="1"/>
             <a:r>
               <a:rPr lang="en-US" smtClean="0"/>
               <a:t>Second level</a:t>
             </a:r>
           </a:p>
           <a:p>
-            <a:pPr lvl="2"/>
+            <a:pPr lvl="2" eaLnBrk="1" latinLnBrk="0" hangingPunct="1"/>
             <a:r>
               <a:rPr lang="en-US" smtClean="0"/>
               <a:t>Third level</a:t>
             </a:r>
           </a:p>
           <a:p>
-            <a:pPr lvl="3"/>
+            <a:pPr lvl="3" eaLnBrk="1" latinLnBrk="0" hangingPunct="1"/>
             <a:r>
               <a:rPr lang="en-US" smtClean="0"/>
               <a:t>Fourth level</a:t>
             </a:r>
           </a:p>
           <a:p>
-            <a:pPr lvl="4"/>
+            <a:pPr lvl="4" eaLnBrk="1" latinLnBrk="0" hangingPunct="1"/>
             <a:r>
               <a:rPr lang="en-US" smtClean="0"/>
               <a:t>Fifth level</a:t>
             </a:r>
-            <a:endParaRPr lang="en-US"/>
+            <a:endParaRPr kumimoji="0" lang="en-US"/>
+          </a:p>
+        </p:txBody>
+      </p:sp>
+      <p:sp>
+        <p:nvSpPr>
+          <p:cNvPr id="6" name="Content Placeholder 5"/>
+          <p:cNvSpPr>
+            <a:spLocks noGrp="1"/>
+          </p:cNvSpPr>
+          <p:nvPr>
+            <p:ph sz="quarter" idx="4"/>
+          </p:nvPr>
+        </p:nvSpPr>
+        <p:spPr>
+          <a:xfrm>
+            <a:off x="6193368" y="1444295"/>
+            <a:ext cx="5389033" cy="3941763"/>
+          </a:xfrm>
+          <a:ln>
+            <a:noFill/>
+            <a:prstDash val="sysDash"/>
+            <a:miter lim="800000"/>
+          </a:ln>
+        </p:spPr>
+        <p:txBody>
+          <a:bodyPr/>
+          <a:lstStyle>
+            <a:lvl1pPr>
+              <a:spcBef>
+                <a:spcPts val="0"/>
+              </a:spcBef>
+              <a:defRPr sz="2400"/>
+            </a:lvl1pPr>
+            <a:lvl2pPr>
+              <a:defRPr sz="2000"/>
+            </a:lvl2pPr>
+            <a:lvl3pPr>
+              <a:defRPr sz="1800"/>
+            </a:lvl3pPr>
+            <a:lvl4pPr>
+              <a:defRPr sz="1600"/>
+            </a:lvl4pPr>
+            <a:lvl5pPr>
+              <a:defRPr sz="1600"/>
+            </a:lvl5pPr>
+            <a:extLst/>
+          </a:lstStyle>
+          <a:p>
+            <a:pPr lvl="0" eaLnBrk="1" latinLnBrk="0" hangingPunct="1"/>
+            <a:r>
+              <a:rPr lang="en-US" smtClean="0"/>
+              <a:t>Click to edit Master text styles</a:t>
+            </a:r>
+          </a:p>
+          <a:p>
+            <a:pPr lvl="1" eaLnBrk="1" latinLnBrk="0" hangingPunct="1"/>
+            <a:r>
+              <a:rPr lang="en-US" smtClean="0"/>
+              <a:t>Second level</a:t>
+            </a:r>
+          </a:p>
+          <a:p>
+            <a:pPr lvl="2" eaLnBrk="1" latinLnBrk="0" hangingPunct="1"/>
+            <a:r>
+              <a:rPr lang="en-US" smtClean="0"/>
+              <a:t>Third level</a:t>
+            </a:r>
+          </a:p>
+          <a:p>
+            <a:pPr lvl="3" eaLnBrk="1" latinLnBrk="0" hangingPunct="1"/>
+            <a:r>
+              <a:rPr lang="en-US" smtClean="0"/>
+              <a:t>Fourth level</a:t>
+            </a:r>
+          </a:p>
+          <a:p>
+            <a:pPr lvl="4" eaLnBrk="1" latinLnBrk="0" hangingPunct="1"/>
+            <a:r>
+              <a:rPr lang="en-US" smtClean="0"/>
+              <a:t>Fifth level</a:t>
+            </a:r>
+            <a:endParaRPr kumimoji="0" lang="en-US"/>
           </a:p>
         </p:txBody>
       </p:sp>
@@ -1612,10 +2392,13 @@
         <p:spPr/>
         <p:txBody>
           <a:bodyPr/>
-          <a:lstStyle/>
+          <a:lstStyle>
+            <a:extLst/>
+          </a:lstStyle>
           <a:p>
             <a:fld id="{D369F928-0021-4585-8B49-56F1E2F712E8}" type="datetimeFigureOut">
               <a:rPr lang="en-US" smtClean="0"/>
+              <a:pPr/>
               <a:t>10/6/2015</a:t>
             </a:fld>
             <a:endParaRPr lang="en-US"/>
@@ -1635,7 +2418,9 @@
         <p:spPr/>
         <p:txBody>
           <a:bodyPr/>
-          <a:lstStyle/>
+          <a:lstStyle>
+            <a:extLst/>
+          </a:lstStyle>
           <a:p>
             <a:endParaRPr lang="en-US"/>
           </a:p>
@@ -1654,10 +2439,13 @@
         <p:spPr/>
         <p:txBody>
           <a:bodyPr/>
-          <a:lstStyle/>
+          <a:lstStyle>
+            <a:extLst/>
+          </a:lstStyle>
           <a:p>
             <a:fld id="{DA02FF60-D5CD-4E36-8A9C-5C835F2F2D21}" type="slidenum">
               <a:rPr lang="en-US" smtClean="0"/>
+              <a:pPr/>
               <a:t>‹#›</a:t>
             </a:fld>
             <a:endParaRPr lang="en-US"/>
@@ -1665,14 +2453,9 @@
         </p:txBody>
       </p:sp>
     </p:spTree>
-    <p:extLst>
-      <p:ext uri="{BB962C8B-B14F-4D97-AF65-F5344CB8AC3E}">
-        <p14:creationId xmlns:p14="http://schemas.microsoft.com/office/powerpoint/2010/main" val="3653534005"/>
-      </p:ext>
-    </p:extLst>
   </p:cSld>
   <p:clrMapOvr>
-    <a:masterClrMapping/>
+    <a:overrideClrMapping bg1="lt1" tx1="dk1" bg2="lt2" tx2="dk2" accent1="accent1" accent2="accent2" accent3="accent3" accent4="accent4" accent5="accent5" accent6="accent6" hlink="hlink" folHlink="folHlink"/>
   </p:clrMapOvr>
 </p:sldLayout>
 </file>
@@ -1680,6 +2463,11 @@
 <file path=ppt/slideLayouts/slideLayout6.xml><?xml version="1.0" encoding="utf-8"?>
 <p:sldLayout xmlns:a="http://schemas.openxmlformats.org/drawingml/2006/main" xmlns:r="http://schemas.openxmlformats.org/officeDocument/2006/relationships" xmlns:p="http://schemas.openxmlformats.org/presentationml/2006/main" type="titleOnly" preserve="1">
   <p:cSld name="Title Only">
+    <p:bg>
+      <p:bgRef idx="1002">
+        <a:schemeClr val="bg1"/>
+      </p:bgRef>
+    </p:bg>
     <p:spTree>
       <p:nvGrpSpPr>
         <p:cNvPr id="1" name=""/>
@@ -1696,44 +2484,24 @@
       </p:grpSpPr>
       <p:sp>
         <p:nvSpPr>
-          <p:cNvPr id="2" name="Title 1"/>
-          <p:cNvSpPr>
-            <a:spLocks noGrp="1"/>
-          </p:cNvSpPr>
-          <p:nvPr>
-            <p:ph type="title"/>
+          <p:cNvPr id="3" name="Date Placeholder 2"/>
+          <p:cNvSpPr>
+            <a:spLocks noGrp="1"/>
+          </p:cNvSpPr>
+          <p:nvPr>
+            <p:ph type="dt" sz="half" idx="10"/>
           </p:nvPr>
         </p:nvSpPr>
         <p:spPr/>
         <p:txBody>
           <a:bodyPr/>
-          <a:lstStyle/>
-          <a:p>
-            <a:r>
-              <a:rPr lang="en-US" smtClean="0"/>
-              <a:t>Click to edit Master title style</a:t>
-            </a:r>
-            <a:endParaRPr lang="en-US"/>
-          </a:p>
-        </p:txBody>
-      </p:sp>
-      <p:sp>
-        <p:nvSpPr>
-          <p:cNvPr id="3" name="Date Placeholder 2"/>
-          <p:cNvSpPr>
-            <a:spLocks noGrp="1"/>
-          </p:cNvSpPr>
-          <p:nvPr>
-            <p:ph type="dt" sz="half" idx="10"/>
-          </p:nvPr>
-        </p:nvSpPr>
-        <p:spPr/>
-        <p:txBody>
-          <a:bodyPr/>
-          <a:lstStyle/>
+          <a:lstStyle>
+            <a:extLst/>
+          </a:lstStyle>
           <a:p>
             <a:fld id="{D369F928-0021-4585-8B49-56F1E2F712E8}" type="datetimeFigureOut">
               <a:rPr lang="en-US" smtClean="0"/>
+              <a:pPr/>
               <a:t>10/6/2015</a:t>
             </a:fld>
             <a:endParaRPr lang="en-US"/>
@@ -1753,7 +2521,9 @@
         <p:spPr/>
         <p:txBody>
           <a:bodyPr/>
-          <a:lstStyle/>
+          <a:lstStyle>
+            <a:extLst/>
+          </a:lstStyle>
           <a:p>
             <a:endParaRPr lang="en-US"/>
           </a:p>
@@ -1772,25 +2542,48 @@
         <p:spPr/>
         <p:txBody>
           <a:bodyPr/>
-          <a:lstStyle/>
+          <a:lstStyle>
+            <a:extLst/>
+          </a:lstStyle>
           <a:p>
             <a:fld id="{DA02FF60-D5CD-4E36-8A9C-5C835F2F2D21}" type="slidenum">
               <a:rPr lang="en-US" smtClean="0"/>
+              <a:pPr/>
               <a:t>‹#›</a:t>
             </a:fld>
             <a:endParaRPr lang="en-US"/>
           </a:p>
         </p:txBody>
       </p:sp>
+      <p:sp>
+        <p:nvSpPr>
+          <p:cNvPr id="6" name="Title 5"/>
+          <p:cNvSpPr>
+            <a:spLocks noGrp="1"/>
+          </p:cNvSpPr>
+          <p:nvPr>
+            <p:ph type="title"/>
+          </p:nvPr>
+        </p:nvSpPr>
+        <p:spPr/>
+        <p:txBody>
+          <a:bodyPr rtlCol="0"/>
+          <a:lstStyle>
+            <a:extLst/>
+          </a:lstStyle>
+          <a:p>
+            <a:r>
+              <a:rPr kumimoji="0" lang="en-US" smtClean="0"/>
+              <a:t>Click to edit Master title style</a:t>
+            </a:r>
+            <a:endParaRPr kumimoji="0" lang="en-US"/>
+          </a:p>
+        </p:txBody>
+      </p:sp>
     </p:spTree>
-    <p:extLst>
-      <p:ext uri="{BB962C8B-B14F-4D97-AF65-F5344CB8AC3E}">
-        <p14:creationId xmlns:p14="http://schemas.microsoft.com/office/powerpoint/2010/main" val="1060953280"/>
-      </p:ext>
-    </p:extLst>
   </p:cSld>
   <p:clrMapOvr>
-    <a:masterClrMapping/>
+    <a:overrideClrMapping bg1="dk1" tx1="lt1" bg2="dk2" tx2="lt2" accent1="accent1" accent2="accent2" accent3="accent3" accent4="accent4" accent5="accent5" accent6="accent6" hlink="hlink" folHlink="folHlink"/>
   </p:clrMapOvr>
 </p:sldLayout>
 </file>
@@ -1825,10 +2618,13 @@
         <p:spPr/>
         <p:txBody>
           <a:bodyPr/>
-          <a:lstStyle/>
+          <a:lstStyle>
+            <a:extLst/>
+          </a:lstStyle>
           <a:p>
             <a:fld id="{D369F928-0021-4585-8B49-56F1E2F712E8}" type="datetimeFigureOut">
               <a:rPr lang="en-US" smtClean="0"/>
+              <a:pPr/>
               <a:t>10/6/2015</a:t>
             </a:fld>
             <a:endParaRPr lang="en-US"/>
@@ -1848,7 +2644,9 @@
         <p:spPr/>
         <p:txBody>
           <a:bodyPr/>
-          <a:lstStyle/>
+          <a:lstStyle>
+            <a:extLst/>
+          </a:lstStyle>
           <a:p>
             <a:endParaRPr lang="en-US"/>
           </a:p>
@@ -1867,10 +2665,13 @@
         <p:spPr/>
         <p:txBody>
           <a:bodyPr/>
-          <a:lstStyle/>
+          <a:lstStyle>
+            <a:extLst/>
+          </a:lstStyle>
           <a:p>
             <a:fld id="{DA02FF60-D5CD-4E36-8A9C-5C835F2F2D21}" type="slidenum">
               <a:rPr lang="en-US" smtClean="0"/>
+              <a:pPr/>
               <a:t>‹#›</a:t>
             </a:fld>
             <a:endParaRPr lang="en-US"/>
@@ -1878,11 +2679,6 @@
         </p:txBody>
       </p:sp>
     </p:spTree>
-    <p:extLst>
-      <p:ext uri="{BB962C8B-B14F-4D97-AF65-F5344CB8AC3E}">
-        <p14:creationId xmlns:p14="http://schemas.microsoft.com/office/powerpoint/2010/main" val="3740485036"/>
-      </p:ext>
-    </p:extLst>
   </p:cSld>
   <p:clrMapOvr>
     <a:masterClrMapping/>
@@ -1891,8 +2687,13 @@
 </file>
 
 <file path=ppt/slideLayouts/slideLayout8.xml><?xml version="1.0" encoding="utf-8"?>
-<p:sldLayout xmlns:a="http://schemas.openxmlformats.org/drawingml/2006/main" xmlns:r="http://schemas.openxmlformats.org/officeDocument/2006/relationships" xmlns:p="http://schemas.openxmlformats.org/presentationml/2006/main" type="objTx" preserve="1">
+<p:sldLayout xmlns:a="http://schemas.openxmlformats.org/drawingml/2006/main" xmlns:r="http://schemas.openxmlformats.org/officeDocument/2006/relationships" xmlns:p="http://schemas.openxmlformats.org/presentationml/2006/main" showMasterSp="0" type="objTx" preserve="1">
   <p:cSld name="Content with Caption">
+    <p:bg>
+      <p:bgRef idx="1003">
+        <a:schemeClr val="bg1"/>
+      </p:bgRef>
+    </p:bg>
     <p:spTree>
       <p:nvGrpSpPr>
         <p:cNvPr id="1" name=""/>
@@ -1919,40 +2720,102 @@
         </p:nvSpPr>
         <p:spPr>
           <a:xfrm>
-            <a:off x="839788" y="457200"/>
-            <a:ext cx="3932237" cy="1600200"/>
+            <a:off x="1219200" y="4876800"/>
+            <a:ext cx="9975701" cy="457200"/>
           </a:xfrm>
         </p:spPr>
         <p:txBody>
-          <a:bodyPr anchor="b"/>
-          <a:lstStyle>
-            <a:lvl1pPr>
-              <a:defRPr sz="3200"/>
+          <a:bodyPr vert="horz" anchor="t">
+            <a:noAutofit/>
+            <a:sp3d prstMaterial="softEdge">
+              <a:bevelT w="0" h="0"/>
+            </a:sp3d>
+          </a:bodyPr>
+          <a:lstStyle>
+            <a:lvl1pPr algn="r">
+              <a:buNone/>
+              <a:defRPr sz="2500" b="0">
+                <a:solidFill>
+                  <a:schemeClr val="accent1"/>
+                </a:solidFill>
+                <a:effectLst/>
+              </a:defRPr>
             </a:lvl1pPr>
-          </a:lstStyle>
-          <a:p>
-            <a:r>
-              <a:rPr lang="en-US" smtClean="0"/>
+            <a:extLst/>
+          </a:lstStyle>
+          <a:p>
+            <a:r>
+              <a:rPr kumimoji="0" lang="en-US" smtClean="0"/>
               <a:t>Click to edit Master title style</a:t>
             </a:r>
-            <a:endParaRPr lang="en-US"/>
-          </a:p>
-        </p:txBody>
-      </p:sp>
-      <p:sp>
-        <p:nvSpPr>
-          <p:cNvPr id="3" name="Content Placeholder 2"/>
-          <p:cNvSpPr>
-            <a:spLocks noGrp="1"/>
-          </p:cNvSpPr>
-          <p:nvPr>
-            <p:ph idx="1"/>
+            <a:endParaRPr kumimoji="0" lang="en-US"/>
+          </a:p>
+        </p:txBody>
+      </p:sp>
+      <p:sp>
+        <p:nvSpPr>
+          <p:cNvPr id="3" name="Text Placeholder 2"/>
+          <p:cNvSpPr>
+            <a:spLocks noGrp="1"/>
+          </p:cNvSpPr>
+          <p:nvPr>
+            <p:ph type="body" idx="2"/>
           </p:nvPr>
         </p:nvSpPr>
         <p:spPr>
           <a:xfrm>
-            <a:off x="5183188" y="987425"/>
-            <a:ext cx="6172200" cy="4873625"/>
+            <a:off x="5892800" y="5355102"/>
+            <a:ext cx="5299456" cy="914400"/>
+          </a:xfrm>
+        </p:spPr>
+        <p:txBody>
+          <a:bodyPr/>
+          <a:lstStyle>
+            <a:lvl1pPr marL="0" indent="0" algn="r">
+              <a:buNone/>
+              <a:defRPr sz="1600"/>
+            </a:lvl1pPr>
+            <a:lvl2pPr>
+              <a:buNone/>
+              <a:defRPr sz="1200"/>
+            </a:lvl2pPr>
+            <a:lvl3pPr>
+              <a:buNone/>
+              <a:defRPr sz="1000"/>
+            </a:lvl3pPr>
+            <a:lvl4pPr>
+              <a:buNone/>
+              <a:defRPr sz="900"/>
+            </a:lvl4pPr>
+            <a:lvl5pPr>
+              <a:buNone/>
+              <a:defRPr sz="900"/>
+            </a:lvl5pPr>
+            <a:extLst/>
+          </a:lstStyle>
+          <a:p>
+            <a:pPr lvl="0" eaLnBrk="1" latinLnBrk="0" hangingPunct="1"/>
+            <a:r>
+              <a:rPr kumimoji="0" lang="en-US" smtClean="0"/>
+              <a:t>Click to edit Master text styles</a:t>
+            </a:r>
+          </a:p>
+        </p:txBody>
+      </p:sp>
+      <p:sp>
+        <p:nvSpPr>
+          <p:cNvPr id="4" name="Content Placeholder 3"/>
+          <p:cNvSpPr>
+            <a:spLocks noGrp="1"/>
+          </p:cNvSpPr>
+          <p:nvPr>
+            <p:ph sz="half" idx="1"/>
+          </p:nvPr>
+        </p:nvSpPr>
+        <p:spPr>
+          <a:xfrm>
+            <a:off x="1219200" y="274320"/>
+            <a:ext cx="9973056" cy="4572000"/>
           </a:xfrm>
         </p:spPr>
         <p:txBody>
@@ -1973,139 +2836,71 @@
             <a:lvl5pPr>
               <a:defRPr sz="2000"/>
             </a:lvl5pPr>
-            <a:lvl6pPr>
-              <a:defRPr sz="2000"/>
-            </a:lvl6pPr>
-            <a:lvl7pPr>
-              <a:defRPr sz="2000"/>
-            </a:lvl7pPr>
-            <a:lvl8pPr>
-              <a:defRPr sz="2000"/>
-            </a:lvl8pPr>
-            <a:lvl9pPr>
-              <a:defRPr sz="2000"/>
-            </a:lvl9pPr>
-          </a:lstStyle>
-          <a:p>
-            <a:pPr lvl="0"/>
+            <a:extLst/>
+          </a:lstStyle>
+          <a:p>
+            <a:pPr lvl="0" eaLnBrk="1" latinLnBrk="0" hangingPunct="1"/>
             <a:r>
               <a:rPr lang="en-US" smtClean="0"/>
               <a:t>Click to edit Master text styles</a:t>
             </a:r>
           </a:p>
           <a:p>
-            <a:pPr lvl="1"/>
+            <a:pPr lvl="1" eaLnBrk="1" latinLnBrk="0" hangingPunct="1"/>
             <a:r>
               <a:rPr lang="en-US" smtClean="0"/>
               <a:t>Second level</a:t>
             </a:r>
           </a:p>
           <a:p>
-            <a:pPr lvl="2"/>
+            <a:pPr lvl="2" eaLnBrk="1" latinLnBrk="0" hangingPunct="1"/>
             <a:r>
               <a:rPr lang="en-US" smtClean="0"/>
               <a:t>Third level</a:t>
             </a:r>
           </a:p>
           <a:p>
-            <a:pPr lvl="3"/>
+            <a:pPr lvl="3" eaLnBrk="1" latinLnBrk="0" hangingPunct="1"/>
             <a:r>
               <a:rPr lang="en-US" smtClean="0"/>
               <a:t>Fourth level</a:t>
             </a:r>
           </a:p>
           <a:p>
-            <a:pPr lvl="4"/>
+            <a:pPr lvl="4" eaLnBrk="1" latinLnBrk="0" hangingPunct="1"/>
             <a:r>
               <a:rPr lang="en-US" smtClean="0"/>
               <a:t>Fifth level</a:t>
             </a:r>
-            <a:endParaRPr lang="en-US"/>
-          </a:p>
-        </p:txBody>
-      </p:sp>
-      <p:sp>
-        <p:nvSpPr>
-          <p:cNvPr id="4" name="Text Placeholder 3"/>
-          <p:cNvSpPr>
-            <a:spLocks noGrp="1"/>
-          </p:cNvSpPr>
-          <p:nvPr>
-            <p:ph type="body" sz="half" idx="2"/>
+            <a:endParaRPr kumimoji="0" lang="en-US"/>
+          </a:p>
+        </p:txBody>
+      </p:sp>
+      <p:sp>
+        <p:nvSpPr>
+          <p:cNvPr id="5" name="Date Placeholder 4"/>
+          <p:cNvSpPr>
+            <a:spLocks noGrp="1"/>
+          </p:cNvSpPr>
+          <p:nvPr>
+            <p:ph type="dt" sz="half" idx="10"/>
           </p:nvPr>
         </p:nvSpPr>
         <p:spPr>
           <a:xfrm>
-            <a:off x="839788" y="2057400"/>
-            <a:ext cx="3932237" cy="3811588"/>
+            <a:off x="8969376" y="6407944"/>
+            <a:ext cx="2560320" cy="365760"/>
           </a:xfrm>
         </p:spPr>
         <p:txBody>
           <a:bodyPr/>
           <a:lstStyle>
-            <a:lvl1pPr marL="0" indent="0">
-              <a:buNone/>
-              <a:defRPr sz="1600"/>
-            </a:lvl1pPr>
-            <a:lvl2pPr marL="457200" indent="0">
-              <a:buNone/>
-              <a:defRPr sz="1400"/>
-            </a:lvl2pPr>
-            <a:lvl3pPr marL="914400" indent="0">
-              <a:buNone/>
-              <a:defRPr sz="1200"/>
-            </a:lvl3pPr>
-            <a:lvl4pPr marL="1371600" indent="0">
-              <a:buNone/>
-              <a:defRPr sz="1000"/>
-            </a:lvl4pPr>
-            <a:lvl5pPr marL="1828800" indent="0">
-              <a:buNone/>
-              <a:defRPr sz="1000"/>
-            </a:lvl5pPr>
-            <a:lvl6pPr marL="2286000" indent="0">
-              <a:buNone/>
-              <a:defRPr sz="1000"/>
-            </a:lvl6pPr>
-            <a:lvl7pPr marL="2743200" indent="0">
-              <a:buNone/>
-              <a:defRPr sz="1000"/>
-            </a:lvl7pPr>
-            <a:lvl8pPr marL="3200400" indent="0">
-              <a:buNone/>
-              <a:defRPr sz="1000"/>
-            </a:lvl8pPr>
-            <a:lvl9pPr marL="3657600" indent="0">
-              <a:buNone/>
-              <a:defRPr sz="1000"/>
-            </a:lvl9pPr>
-          </a:lstStyle>
-          <a:p>
-            <a:pPr lvl="0"/>
-            <a:r>
-              <a:rPr lang="en-US" smtClean="0"/>
-              <a:t>Click to edit Master text styles</a:t>
-            </a:r>
-          </a:p>
-        </p:txBody>
-      </p:sp>
-      <p:sp>
-        <p:nvSpPr>
-          <p:cNvPr id="5" name="Date Placeholder 4"/>
-          <p:cNvSpPr>
-            <a:spLocks noGrp="1"/>
-          </p:cNvSpPr>
-          <p:nvPr>
-            <p:ph type="dt" sz="half" idx="10"/>
-          </p:nvPr>
-        </p:nvSpPr>
-        <p:spPr/>
-        <p:txBody>
-          <a:bodyPr/>
-          <a:lstStyle/>
+            <a:extLst/>
+          </a:lstStyle>
           <a:p>
             <a:fld id="{D369F928-0021-4585-8B49-56F1E2F712E8}" type="datetimeFigureOut">
               <a:rPr lang="en-US" smtClean="0"/>
+              <a:pPr/>
               <a:t>10/6/2015</a:t>
             </a:fld>
             <a:endParaRPr lang="en-US"/>
@@ -2125,7 +2920,9 @@
         <p:spPr/>
         <p:txBody>
           <a:bodyPr/>
-          <a:lstStyle/>
+          <a:lstStyle>
+            <a:extLst/>
+          </a:lstStyle>
           <a:p>
             <a:endParaRPr lang="en-US"/>
           </a:p>
@@ -2144,10 +2941,13 @@
         <p:spPr/>
         <p:txBody>
           <a:bodyPr/>
-          <a:lstStyle/>
+          <a:lstStyle>
+            <a:extLst/>
+          </a:lstStyle>
           <a:p>
             <a:fld id="{DA02FF60-D5CD-4E36-8A9C-5C835F2F2D21}" type="slidenum">
               <a:rPr lang="en-US" smtClean="0"/>
+              <a:pPr/>
               <a:t>‹#›</a:t>
             </a:fld>
             <a:endParaRPr lang="en-US"/>
@@ -2155,21 +2955,21 @@
         </p:txBody>
       </p:sp>
     </p:spTree>
-    <p:extLst>
-      <p:ext uri="{BB962C8B-B14F-4D97-AF65-F5344CB8AC3E}">
-        <p14:creationId xmlns:p14="http://schemas.microsoft.com/office/powerpoint/2010/main" val="2112268328"/>
-      </p:ext>
-    </p:extLst>
   </p:cSld>
   <p:clrMapOvr>
-    <a:masterClrMapping/>
+    <a:overrideClrMapping bg1="lt1" tx1="dk1" bg2="lt2" tx2="dk2" accent1="accent1" accent2="accent2" accent3="accent3" accent4="accent4" accent5="accent5" accent6="accent6" hlink="hlink" folHlink="folHlink"/>
   </p:clrMapOvr>
 </p:sldLayout>
 </file>
 
 <file path=ppt/slideLayouts/slideLayout9.xml><?xml version="1.0" encoding="utf-8"?>
-<p:sldLayout xmlns:a="http://schemas.openxmlformats.org/drawingml/2006/main" xmlns:r="http://schemas.openxmlformats.org/officeDocument/2006/relationships" xmlns:p="http://schemas.openxmlformats.org/presentationml/2006/main" type="picTx" preserve="1">
+<p:sldLayout xmlns:a="http://schemas.openxmlformats.org/drawingml/2006/main" xmlns:r="http://schemas.openxmlformats.org/officeDocument/2006/relationships" xmlns:p="http://schemas.openxmlformats.org/presentationml/2006/main" showMasterSp="0" type="picTx" preserve="1">
   <p:cSld name="Picture with Caption">
+    <p:bg>
+      <p:bgRef idx="1002">
+        <a:schemeClr val="bg1"/>
+      </p:bgRef>
+    </p:bg>
     <p:spTree>
       <p:nvGrpSpPr>
         <p:cNvPr id="1" name=""/>
@@ -2186,33 +2986,48 @@
       </p:grpSpPr>
       <p:sp>
         <p:nvSpPr>
-          <p:cNvPr id="2" name="Title 1"/>
-          <p:cNvSpPr>
-            <a:spLocks noGrp="1"/>
-          </p:cNvSpPr>
-          <p:nvPr>
-            <p:ph type="title"/>
+          <p:cNvPr id="4" name="Text Placeholder 3"/>
+          <p:cNvSpPr>
+            <a:spLocks noGrp="1"/>
+          </p:cNvSpPr>
+          <p:nvPr>
+            <p:ph type="body" sz="half" idx="2"/>
           </p:nvPr>
         </p:nvSpPr>
         <p:spPr>
           <a:xfrm>
-            <a:off x="839788" y="457200"/>
-            <a:ext cx="3932237" cy="1600200"/>
+            <a:off x="1521643" y="5443402"/>
+            <a:ext cx="9550400" cy="648232"/>
           </a:xfrm>
+          <a:noFill/>
         </p:spPr>
         <p:txBody>
-          <a:bodyPr anchor="b"/>
-          <a:lstStyle>
-            <a:lvl1pPr>
-              <a:defRPr sz="3200"/>
+          <a:bodyPr lIns="91440" tIns="0" rIns="91440" anchor="t"/>
+          <a:lstStyle>
+            <a:lvl1pPr marL="0" marR="18288" indent="0" algn="r">
+              <a:buNone/>
+              <a:defRPr sz="1400"/>
             </a:lvl1pPr>
-          </a:lstStyle>
-          <a:p>
-            <a:r>
-              <a:rPr lang="en-US" smtClean="0"/>
-              <a:t>Click to edit Master title style</a:t>
-            </a:r>
-            <a:endParaRPr lang="en-US"/>
+            <a:lvl2pPr>
+              <a:defRPr sz="1200"/>
+            </a:lvl2pPr>
+            <a:lvl3pPr>
+              <a:defRPr sz="1000"/>
+            </a:lvl3pPr>
+            <a:lvl4pPr>
+              <a:defRPr sz="900"/>
+            </a:lvl4pPr>
+            <a:lvl5pPr>
+              <a:defRPr sz="900"/>
+            </a:lvl5pPr>
+            <a:extLst/>
+          </a:lstStyle>
+          <a:p>
+            <a:pPr lvl="0" eaLnBrk="1" latinLnBrk="0" hangingPunct="1"/>
+            <a:r>
+              <a:rPr kumimoji="0" lang="en-US" smtClean="0"/>
+              <a:t>Click to edit Master text styles</a:t>
+            </a:r>
           </a:p>
         </p:txBody>
       </p:sp>
@@ -2228,9 +3043,25 @@
         </p:nvSpPr>
         <p:spPr>
           <a:xfrm>
-            <a:off x="5183188" y="987425"/>
-            <a:ext cx="6172200" cy="4873625"/>
+            <a:off x="304800" y="189968"/>
+            <a:ext cx="11582400" cy="4389120"/>
           </a:xfrm>
+          <a:prstGeom prst="rect">
+            <a:avLst/>
+          </a:prstGeom>
+          <a:solidFill>
+            <a:schemeClr val="bg2"/>
+          </a:solidFill>
+          <a:ln>
+            <a:solidFill>
+              <a:schemeClr val="bg1"/>
+            </a:solidFill>
+          </a:ln>
+          <a:effectLst>
+            <a:innerShdw blurRad="95250">
+              <a:srgbClr val="000000"/>
+            </a:innerShdw>
+          </a:effectLst>
         </p:spPr>
         <p:txBody>
           <a:bodyPr/>
@@ -2239,126 +3070,44 @@
               <a:buNone/>
               <a:defRPr sz="3200"/>
             </a:lvl1pPr>
-            <a:lvl2pPr marL="457200" indent="0">
-              <a:buNone/>
-              <a:defRPr sz="2800"/>
-            </a:lvl2pPr>
-            <a:lvl3pPr marL="914400" indent="0">
-              <a:buNone/>
-              <a:defRPr sz="2400"/>
-            </a:lvl3pPr>
-            <a:lvl4pPr marL="1371600" indent="0">
-              <a:buNone/>
-              <a:defRPr sz="2000"/>
-            </a:lvl4pPr>
-            <a:lvl5pPr marL="1828800" indent="0">
-              <a:buNone/>
-              <a:defRPr sz="2000"/>
-            </a:lvl5pPr>
-            <a:lvl6pPr marL="2286000" indent="0">
-              <a:buNone/>
-              <a:defRPr sz="2000"/>
-            </a:lvl6pPr>
-            <a:lvl7pPr marL="2743200" indent="0">
-              <a:buNone/>
-              <a:defRPr sz="2000"/>
-            </a:lvl7pPr>
-            <a:lvl8pPr marL="3200400" indent="0">
-              <a:buNone/>
-              <a:defRPr sz="2000"/>
-            </a:lvl8pPr>
-            <a:lvl9pPr marL="3657600" indent="0">
-              <a:buNone/>
-              <a:defRPr sz="2000"/>
-            </a:lvl9pPr>
-          </a:lstStyle>
-          <a:p>
-            <a:endParaRPr lang="en-US"/>
-          </a:p>
-        </p:txBody>
-      </p:sp>
-      <p:sp>
-        <p:nvSpPr>
-          <p:cNvPr id="4" name="Text Placeholder 3"/>
-          <p:cNvSpPr>
-            <a:spLocks noGrp="1"/>
-          </p:cNvSpPr>
-          <p:nvPr>
-            <p:ph type="body" sz="half" idx="2"/>
-          </p:nvPr>
-        </p:nvSpPr>
-        <p:spPr>
-          <a:xfrm>
-            <a:off x="839788" y="2057400"/>
-            <a:ext cx="3932237" cy="3811588"/>
-          </a:xfrm>
-        </p:spPr>
+            <a:extLst/>
+          </a:lstStyle>
+          <a:p>
+            <a:r>
+              <a:rPr kumimoji="0" lang="en-US" smtClean="0"/>
+              <a:t>Click icon to add picture</a:t>
+            </a:r>
+            <a:endParaRPr kumimoji="0" lang="en-US" dirty="0"/>
+          </a:p>
+        </p:txBody>
+      </p:sp>
+      <p:sp>
+        <p:nvSpPr>
+          <p:cNvPr id="5" name="Date Placeholder 4"/>
+          <p:cNvSpPr>
+            <a:spLocks noGrp="1"/>
+          </p:cNvSpPr>
+          <p:nvPr>
+            <p:ph type="dt" sz="half" idx="10"/>
+          </p:nvPr>
+        </p:nvSpPr>
+        <p:spPr/>
         <p:txBody>
           <a:bodyPr/>
           <a:lstStyle>
-            <a:lvl1pPr marL="0" indent="0">
-              <a:buNone/>
-              <a:defRPr sz="1600"/>
+            <a:lvl1pPr>
+              <a:defRPr>
+                <a:solidFill>
+                  <a:schemeClr val="tx1"/>
+                </a:solidFill>
+              </a:defRPr>
             </a:lvl1pPr>
-            <a:lvl2pPr marL="457200" indent="0">
-              <a:buNone/>
-              <a:defRPr sz="1400"/>
-            </a:lvl2pPr>
-            <a:lvl3pPr marL="914400" indent="0">
-              <a:buNone/>
-              <a:defRPr sz="1200"/>
-            </a:lvl3pPr>
-            <a:lvl4pPr marL="1371600" indent="0">
-              <a:buNone/>
-              <a:defRPr sz="1000"/>
-            </a:lvl4pPr>
-            <a:lvl5pPr marL="1828800" indent="0">
-              <a:buNone/>
-              <a:defRPr sz="1000"/>
-            </a:lvl5pPr>
-            <a:lvl6pPr marL="2286000" indent="0">
-              <a:buNone/>
-              <a:defRPr sz="1000"/>
-            </a:lvl6pPr>
-            <a:lvl7pPr marL="2743200" indent="0">
-              <a:buNone/>
-              <a:defRPr sz="1000"/>
-            </a:lvl7pPr>
-            <a:lvl8pPr marL="3200400" indent="0">
-              <a:buNone/>
-              <a:defRPr sz="1000"/>
-            </a:lvl8pPr>
-            <a:lvl9pPr marL="3657600" indent="0">
-              <a:buNone/>
-              <a:defRPr sz="1000"/>
-            </a:lvl9pPr>
-          </a:lstStyle>
-          <a:p>
-            <a:pPr lvl="0"/>
-            <a:r>
-              <a:rPr lang="en-US" smtClean="0"/>
-              <a:t>Click to edit Master text styles</a:t>
-            </a:r>
-          </a:p>
-        </p:txBody>
-      </p:sp>
-      <p:sp>
-        <p:nvSpPr>
-          <p:cNvPr id="5" name="Date Placeholder 4"/>
-          <p:cNvSpPr>
-            <a:spLocks noGrp="1"/>
-          </p:cNvSpPr>
-          <p:nvPr>
-            <p:ph type="dt" sz="half" idx="10"/>
-          </p:nvPr>
-        </p:nvSpPr>
-        <p:spPr/>
-        <p:txBody>
-          <a:bodyPr/>
-          <a:lstStyle/>
+            <a:extLst/>
+          </a:lstStyle>
           <a:p>
             <a:fld id="{D369F928-0021-4585-8B49-56F1E2F712E8}" type="datetimeFigureOut">
               <a:rPr lang="en-US" smtClean="0"/>
+              <a:pPr/>
               <a:t>10/6/2015</a:t>
             </a:fld>
             <a:endParaRPr lang="en-US"/>
@@ -2375,47 +3124,604 @@
             <p:ph type="ftr" sz="quarter" idx="11"/>
           </p:nvPr>
         </p:nvSpPr>
+        <p:spPr>
+          <a:xfrm>
+            <a:off x="5840097" y="6407945"/>
+            <a:ext cx="3134241" cy="365125"/>
+          </a:xfrm>
+        </p:spPr>
+        <p:txBody>
+          <a:bodyPr/>
+          <a:lstStyle>
+            <a:lvl1pPr>
+              <a:defRPr>
+                <a:solidFill>
+                  <a:schemeClr val="tx1"/>
+                </a:solidFill>
+              </a:defRPr>
+            </a:lvl1pPr>
+            <a:extLst/>
+          </a:lstStyle>
+          <a:p>
+            <a:endParaRPr lang="en-US"/>
+          </a:p>
+        </p:txBody>
+      </p:sp>
+      <p:sp>
+        <p:nvSpPr>
+          <p:cNvPr id="7" name="Slide Number Placeholder 6"/>
+          <p:cNvSpPr>
+            <a:spLocks noGrp="1"/>
+          </p:cNvSpPr>
+          <p:nvPr>
+            <p:ph type="sldNum" sz="quarter" idx="12"/>
+          </p:nvPr>
+        </p:nvSpPr>
         <p:spPr/>
         <p:txBody>
           <a:bodyPr/>
-          <a:lstStyle/>
-          <a:p>
-            <a:endParaRPr lang="en-US"/>
-          </a:p>
-        </p:txBody>
-      </p:sp>
-      <p:sp>
-        <p:nvSpPr>
-          <p:cNvPr id="7" name="Slide Number Placeholder 6"/>
-          <p:cNvSpPr>
-            <a:spLocks noGrp="1"/>
-          </p:cNvSpPr>
-          <p:nvPr>
-            <p:ph type="sldNum" sz="quarter" idx="12"/>
-          </p:nvPr>
-        </p:nvSpPr>
-        <p:spPr/>
-        <p:txBody>
-          <a:bodyPr/>
-          <a:lstStyle/>
+          <a:lstStyle>
+            <a:lvl1pPr>
+              <a:defRPr>
+                <a:solidFill>
+                  <a:schemeClr val="tx1"/>
+                </a:solidFill>
+              </a:defRPr>
+            </a:lvl1pPr>
+            <a:extLst/>
+          </a:lstStyle>
           <a:p>
             <a:fld id="{DA02FF60-D5CD-4E36-8A9C-5C835F2F2D21}" type="slidenum">
               <a:rPr lang="en-US" smtClean="0"/>
+              <a:pPr/>
               <a:t>‹#›</a:t>
             </a:fld>
             <a:endParaRPr lang="en-US"/>
           </a:p>
         </p:txBody>
       </p:sp>
+      <p:sp>
+        <p:nvSpPr>
+          <p:cNvPr id="2" name="Title 1"/>
+          <p:cNvSpPr>
+            <a:spLocks noGrp="1"/>
+          </p:cNvSpPr>
+          <p:nvPr>
+            <p:ph type="title"/>
+          </p:nvPr>
+        </p:nvSpPr>
+        <p:spPr>
+          <a:xfrm>
+            <a:off x="304800" y="4865122"/>
+            <a:ext cx="10767243" cy="562672"/>
+          </a:xfrm>
+          <a:noFill/>
+        </p:spPr>
+        <p:txBody>
+          <a:bodyPr anchor="t">
+            <a:sp3d prstMaterial="softEdge"/>
+          </a:bodyPr>
+          <a:lstStyle>
+            <a:lvl1pPr marR="0" algn="r">
+              <a:buNone/>
+              <a:defRPr sz="3000" b="0">
+                <a:solidFill>
+                  <a:schemeClr val="accent1"/>
+                </a:solidFill>
+                <a:effectLst>
+                  <a:outerShdw blurRad="50800" dist="25000" dir="5400000" algn="t" rotWithShape="0">
+                    <a:prstClr val="black">
+                      <a:alpha val="45000"/>
+                    </a:prstClr>
+                  </a:outerShdw>
+                </a:effectLst>
+              </a:defRPr>
+            </a:lvl1pPr>
+            <a:extLst/>
+          </a:lstStyle>
+          <a:p>
+            <a:r>
+              <a:rPr kumimoji="0" lang="en-US" smtClean="0"/>
+              <a:t>Click to edit Master title style</a:t>
+            </a:r>
+            <a:endParaRPr kumimoji="0" lang="en-US"/>
+          </a:p>
+        </p:txBody>
+      </p:sp>
+      <p:sp>
+        <p:nvSpPr>
+          <p:cNvPr id="8" name="Freeform 7"/>
+          <p:cNvSpPr>
+            <a:spLocks/>
+          </p:cNvSpPr>
+          <p:nvPr/>
+        </p:nvSpPr>
+        <p:spPr bwMode="auto">
+          <a:xfrm>
+            <a:off x="665697" y="5944936"/>
+            <a:ext cx="6587499" cy="921076"/>
+          </a:xfrm>
+          <a:custGeom>
+            <a:avLst>
+              <a:gd name="A1" fmla="val 0"/>
+              <a:gd name="A2" fmla="val 0"/>
+              <a:gd name="A3" fmla="val 0"/>
+              <a:gd name="A4" fmla="val 0"/>
+              <a:gd name="A5" fmla="val 0"/>
+              <a:gd name="A6" fmla="val 0"/>
+              <a:gd name="A7" fmla="val 0"/>
+              <a:gd name="A8" fmla="val 0"/>
+            </a:avLst>
+            <a:gdLst/>
+            <a:ahLst/>
+            <a:cxnLst>
+              <a:cxn ang="0">
+                <a:pos x="0" y="0"/>
+              </a:cxn>
+              <a:cxn ang="0">
+                <a:pos x="5760" y="0"/>
+              </a:cxn>
+              <a:cxn ang="0">
+                <a:pos x="5760" y="528"/>
+              </a:cxn>
+              <a:cxn ang="0">
+                <a:pos x="48" y="0"/>
+              </a:cxn>
+            </a:cxnLst>
+            <a:rect l="0" t="0" r="0" b="0"/>
+            <a:pathLst>
+              <a:path w="7485" h="337">
+                <a:moveTo>
+                  <a:pt x="0" y="2"/>
+                </a:moveTo>
+                <a:lnTo>
+                  <a:pt x="7485" y="337"/>
+                </a:lnTo>
+                <a:lnTo>
+                  <a:pt x="5558" y="337"/>
+                </a:lnTo>
+                <a:lnTo>
+                  <a:pt x="1" y="0"/>
+                </a:lnTo>
+              </a:path>
+            </a:pathLst>
+          </a:custGeom>
+          <a:solidFill>
+            <a:schemeClr val="accent1">
+              <a:tint val="65000"/>
+              <a:satMod val="115000"/>
+              <a:alpha val="40000"/>
+            </a:schemeClr>
+          </a:solidFill>
+          <a:ln w="9525" cap="flat" cmpd="sng" algn="ctr">
+            <a:noFill/>
+            <a:prstDash val="solid"/>
+            <a:round/>
+            <a:headEnd type="none" w="med" len="med"/>
+            <a:tailEnd type="none" w="med" len="med"/>
+          </a:ln>
+          <a:effectLst/>
+        </p:spPr>
+        <p:txBody>
+          <a:bodyPr vert="horz" wrap="square" lIns="91440" tIns="45720" rIns="91440" bIns="45720" anchor="t" compatLnSpc="1"/>
+          <a:lstStyle>
+            <a:extLst/>
+          </a:lstStyle>
+          <a:p>
+            <a:endParaRPr kumimoji="0" lang="en-US"/>
+          </a:p>
+        </p:txBody>
+      </p:sp>
+      <p:sp>
+        <p:nvSpPr>
+          <p:cNvPr id="9" name="Freeform 8"/>
+          <p:cNvSpPr>
+            <a:spLocks/>
+          </p:cNvSpPr>
+          <p:nvPr/>
+        </p:nvSpPr>
+        <p:spPr bwMode="auto">
+          <a:xfrm>
+            <a:off x="647623" y="5939011"/>
+            <a:ext cx="4920601" cy="933450"/>
+          </a:xfrm>
+          <a:custGeom>
+            <a:avLst>
+              <a:gd name="A1" fmla="val 0"/>
+              <a:gd name="A2" fmla="val 0"/>
+              <a:gd name="A3" fmla="val 0"/>
+              <a:gd name="A4" fmla="val 0"/>
+              <a:gd name="A5" fmla="val 0"/>
+              <a:gd name="A6" fmla="val 0"/>
+              <a:gd name="A7" fmla="val 0"/>
+              <a:gd name="A8" fmla="val 0"/>
+            </a:avLst>
+            <a:gdLst/>
+            <a:ahLst/>
+            <a:cxnLst>
+              <a:cxn ang="0">
+                <a:pos x="0" y="0"/>
+              </a:cxn>
+              <a:cxn ang="0">
+                <a:pos x="5760" y="0"/>
+              </a:cxn>
+              <a:cxn ang="0">
+                <a:pos x="5760" y="528"/>
+              </a:cxn>
+              <a:cxn ang="0">
+                <a:pos x="48" y="0"/>
+              </a:cxn>
+            </a:cxnLst>
+            <a:rect l="0" t="0" r="0" b="0"/>
+            <a:pathLst>
+              <a:path w="5591" h="588">
+                <a:moveTo>
+                  <a:pt x="0" y="0"/>
+                </a:moveTo>
+                <a:lnTo>
+                  <a:pt x="5591" y="585"/>
+                </a:lnTo>
+                <a:lnTo>
+                  <a:pt x="4415" y="588"/>
+                </a:lnTo>
+                <a:lnTo>
+                  <a:pt x="12" y="4"/>
+                </a:lnTo>
+              </a:path>
+            </a:pathLst>
+          </a:custGeom>
+          <a:solidFill>
+            <a:srgbClr val="000000">
+              <a:alpha val="100000"/>
+            </a:srgbClr>
+          </a:solidFill>
+          <a:ln w="9525" cap="flat" cmpd="sng" algn="ctr">
+            <a:noFill/>
+            <a:prstDash val="solid"/>
+            <a:round/>
+            <a:headEnd type="none" w="med" len="med"/>
+            <a:tailEnd type="none" w="med" len="med"/>
+          </a:ln>
+          <a:effectLst/>
+        </p:spPr>
+        <p:txBody>
+          <a:bodyPr vert="horz" wrap="square" lIns="91440" tIns="45720" rIns="91440" bIns="45720" anchor="t" compatLnSpc="1"/>
+          <a:lstStyle>
+            <a:extLst/>
+          </a:lstStyle>
+          <a:p>
+            <a:endParaRPr kumimoji="0" lang="en-US"/>
+          </a:p>
+        </p:txBody>
+      </p:sp>
+      <p:sp>
+        <p:nvSpPr>
+          <p:cNvPr id="10" name="Right Triangle 9"/>
+          <p:cNvSpPr>
+            <a:spLocks/>
+          </p:cNvSpPr>
+          <p:nvPr/>
+        </p:nvSpPr>
+        <p:spPr bwMode="auto">
+          <a:xfrm>
+            <a:off x="-8056" y="5791253"/>
+            <a:ext cx="4536419" cy="1080868"/>
+          </a:xfrm>
+          <a:prstGeom prst="rtTriangle">
+            <a:avLst/>
+          </a:prstGeom>
+          <a:blipFill>
+            <a:blip r:embed="rId2" cstate="print">
+              <a:alphaModFix amt="50000"/>
+            </a:blip>
+            <a:tile tx="0" ty="0" sx="50000" sy="50000" flip="none" algn="t"/>
+          </a:blipFill>
+          <a:ln w="12700" cap="rnd" cmpd="thickThin" algn="ctr">
+            <a:noFill/>
+            <a:prstDash val="solid"/>
+          </a:ln>
+          <a:effectLst>
+            <a:fillOverlay blend="mult">
+              <a:gradFill flip="none" rotWithShape="1">
+                <a:gsLst>
+                  <a:gs pos="0">
+                    <a:schemeClr val="accent1">
+                      <a:shade val="20000"/>
+                      <a:satMod val="176000"/>
+                      <a:alpha val="100000"/>
+                    </a:schemeClr>
+                  </a:gs>
+                  <a:gs pos="18000">
+                    <a:schemeClr val="accent1">
+                      <a:shade val="48000"/>
+                      <a:satMod val="153000"/>
+                      <a:alpha val="100000"/>
+                    </a:schemeClr>
+                  </a:gs>
+                  <a:gs pos="43000">
+                    <a:schemeClr val="accent1">
+                      <a:tint val="86000"/>
+                      <a:satMod val="149000"/>
+                      <a:alpha val="100000"/>
+                    </a:schemeClr>
+                  </a:gs>
+                  <a:gs pos="45000">
+                    <a:schemeClr val="accent1">
+                      <a:tint val="85000"/>
+                      <a:satMod val="150000"/>
+                      <a:alpha val="100000"/>
+                    </a:schemeClr>
+                  </a:gs>
+                  <a:gs pos="50000">
+                    <a:schemeClr val="accent1">
+                      <a:tint val="86000"/>
+                      <a:satMod val="149000"/>
+                      <a:alpha val="100000"/>
+                    </a:schemeClr>
+                  </a:gs>
+                  <a:gs pos="79000">
+                    <a:schemeClr val="accent1">
+                      <a:shade val="53000"/>
+                      <a:satMod val="150000"/>
+                      <a:alpha val="100000"/>
+                    </a:schemeClr>
+                  </a:gs>
+                  <a:gs pos="100000">
+                    <a:schemeClr val="accent1">
+                      <a:shade val="25000"/>
+                      <a:satMod val="170000"/>
+                      <a:alpha val="100000"/>
+                    </a:schemeClr>
+                  </a:gs>
+                </a:gsLst>
+                <a:lin ang="450000" scaled="1"/>
+                <a:tileRect/>
+              </a:gradFill>
+            </a:fillOverlay>
+          </a:effectLst>
+        </p:spPr>
+        <p:style>
+          <a:lnRef idx="3">
+            <a:schemeClr val="lt1"/>
+          </a:lnRef>
+          <a:fillRef idx="1">
+            <a:schemeClr val="accent1"/>
+          </a:fillRef>
+          <a:effectRef idx="1">
+            <a:schemeClr val="accent1"/>
+          </a:effectRef>
+          <a:fontRef idx="minor">
+            <a:schemeClr val="lt1"/>
+          </a:fontRef>
+        </p:style>
+        <p:txBody>
+          <a:bodyPr vert="horz" wrap="square" lIns="91440" tIns="45720" rIns="91440" bIns="45720" anchor="ctr" compatLnSpc="1"/>
+          <a:lstStyle>
+            <a:extLst/>
+          </a:lstStyle>
+          <a:p>
+            <a:pPr algn="ctr" eaLnBrk="1" latinLnBrk="0" hangingPunct="1"/>
+            <a:endParaRPr kumimoji="0" lang="en-US"/>
+          </a:p>
+        </p:txBody>
+      </p:sp>
+      <p:cxnSp>
+        <p:nvCxnSpPr>
+          <p:cNvPr id="11" name="Straight Connector 10"/>
+          <p:cNvCxnSpPr/>
+          <p:nvPr/>
+        </p:nvCxnSpPr>
+        <p:spPr>
+          <a:xfrm>
+            <a:off x="-12316" y="5787739"/>
+            <a:ext cx="4540679" cy="1084383"/>
+          </a:xfrm>
+          <a:prstGeom prst="line">
+            <a:avLst/>
+          </a:prstGeom>
+          <a:noFill/>
+          <a:ln w="12065" cap="flat" cmpd="sng" algn="ctr">
+            <a:gradFill>
+              <a:gsLst>
+                <a:gs pos="45000">
+                  <a:schemeClr val="accent1">
+                    <a:tint val="70000"/>
+                    <a:satMod val="110000"/>
+                  </a:schemeClr>
+                </a:gs>
+                <a:gs pos="15000">
+                  <a:schemeClr val="accent1">
+                    <a:shade val="40000"/>
+                    <a:satMod val="110000"/>
+                  </a:schemeClr>
+                </a:gs>
+              </a:gsLst>
+              <a:lin ang="5400000" scaled="1"/>
+            </a:gradFill>
+            <a:prstDash val="solid"/>
+            <a:miter lim="800000"/>
+          </a:ln>
+          <a:effectLst/>
+        </p:spPr>
+        <p:style>
+          <a:lnRef idx="2">
+            <a:schemeClr val="accent1"/>
+          </a:lnRef>
+          <a:fillRef idx="0">
+            <a:schemeClr val="accent1"/>
+          </a:fillRef>
+          <a:effectRef idx="1">
+            <a:schemeClr val="accent1"/>
+          </a:effectRef>
+          <a:fontRef idx="minor">
+            <a:schemeClr val="tx1"/>
+          </a:fontRef>
+        </p:style>
+      </p:cxnSp>
+      <p:sp>
+        <p:nvSpPr>
+          <p:cNvPr id="12" name="Chevron 11"/>
+          <p:cNvSpPr/>
+          <p:nvPr/>
+        </p:nvSpPr>
+        <p:spPr>
+          <a:xfrm>
+            <a:off x="11552149" y="4988440"/>
+            <a:ext cx="243840" cy="228600"/>
+          </a:xfrm>
+          <a:prstGeom prst="chevron">
+            <a:avLst>
+              <a:gd name="adj" fmla="val 50000"/>
+            </a:avLst>
+          </a:prstGeom>
+          <a:gradFill flip="none" rotWithShape="1">
+            <a:gsLst>
+              <a:gs pos="0">
+                <a:schemeClr val="accent1">
+                  <a:shade val="60000"/>
+                  <a:satMod val="125000"/>
+                </a:schemeClr>
+              </a:gs>
+              <a:gs pos="72000">
+                <a:schemeClr val="accent1">
+                  <a:tint val="90000"/>
+                  <a:satMod val="138000"/>
+                </a:schemeClr>
+              </a:gs>
+              <a:gs pos="100000">
+                <a:schemeClr val="accent1">
+                  <a:tint val="76000"/>
+                  <a:satMod val="136000"/>
+                </a:schemeClr>
+              </a:gs>
+            </a:gsLst>
+            <a:lin ang="16200000" scaled="0"/>
+          </a:gradFill>
+          <a:ln w="3175" cap="rnd" cmpd="sng" algn="ctr">
+            <a:solidFill>
+              <a:schemeClr val="accent1">
+                <a:shade val="50000"/>
+              </a:schemeClr>
+            </a:solidFill>
+            <a:prstDash val="solid"/>
+          </a:ln>
+          <a:effectLst>
+            <a:outerShdw blurRad="50800" dist="25400" dir="5400000">
+              <a:srgbClr val="000000">
+                <a:alpha val="46000"/>
+              </a:srgbClr>
+            </a:outerShdw>
+          </a:effectLst>
+        </p:spPr>
+        <p:style>
+          <a:lnRef idx="1">
+            <a:schemeClr val="accent1"/>
+          </a:lnRef>
+          <a:fillRef idx="3">
+            <a:schemeClr val="accent1"/>
+          </a:fillRef>
+          <a:effectRef idx="2">
+            <a:schemeClr val="accent1"/>
+          </a:effectRef>
+          <a:fontRef idx="minor">
+            <a:schemeClr val="lt1"/>
+          </a:fontRef>
+        </p:style>
+        <p:txBody>
+          <a:bodyPr anchor="ctr"/>
+          <a:lstStyle>
+            <a:extLst/>
+          </a:lstStyle>
+          <a:p>
+            <a:pPr algn="l" eaLnBrk="1" latinLnBrk="0" hangingPunct="1"/>
+            <a:endParaRPr kumimoji="0" lang="en-US"/>
+          </a:p>
+        </p:txBody>
+      </p:sp>
+      <p:sp>
+        <p:nvSpPr>
+          <p:cNvPr id="13" name="Chevron 12"/>
+          <p:cNvSpPr/>
+          <p:nvPr/>
+        </p:nvSpPr>
+        <p:spPr>
+          <a:xfrm>
+            <a:off x="11303595" y="4988440"/>
+            <a:ext cx="243840" cy="228600"/>
+          </a:xfrm>
+          <a:prstGeom prst="chevron">
+            <a:avLst>
+              <a:gd name="adj" fmla="val 50000"/>
+            </a:avLst>
+          </a:prstGeom>
+          <a:gradFill flip="none" rotWithShape="1">
+            <a:gsLst>
+              <a:gs pos="0">
+                <a:schemeClr val="accent1">
+                  <a:shade val="60000"/>
+                  <a:satMod val="125000"/>
+                </a:schemeClr>
+              </a:gs>
+              <a:gs pos="72000">
+                <a:schemeClr val="accent1">
+                  <a:tint val="90000"/>
+                  <a:satMod val="138000"/>
+                </a:schemeClr>
+              </a:gs>
+              <a:gs pos="100000">
+                <a:schemeClr val="accent1">
+                  <a:tint val="76000"/>
+                  <a:satMod val="136000"/>
+                </a:schemeClr>
+              </a:gs>
+            </a:gsLst>
+            <a:lin ang="16200000" scaled="0"/>
+          </a:gradFill>
+          <a:ln w="3175" cap="rnd" cmpd="sng" algn="ctr">
+            <a:solidFill>
+              <a:schemeClr val="accent1">
+                <a:shade val="50000"/>
+              </a:schemeClr>
+            </a:solidFill>
+            <a:prstDash val="solid"/>
+          </a:ln>
+          <a:effectLst>
+            <a:outerShdw blurRad="50800" dist="25400" dir="5400000">
+              <a:srgbClr val="000000">
+                <a:alpha val="46000"/>
+              </a:srgbClr>
+            </a:outerShdw>
+          </a:effectLst>
+        </p:spPr>
+        <p:style>
+          <a:lnRef idx="1">
+            <a:schemeClr val="accent1"/>
+          </a:lnRef>
+          <a:fillRef idx="3">
+            <a:schemeClr val="accent1"/>
+          </a:fillRef>
+          <a:effectRef idx="2">
+            <a:schemeClr val="accent1"/>
+          </a:effectRef>
+          <a:fontRef idx="minor">
+            <a:schemeClr val="lt1"/>
+          </a:fontRef>
+        </p:style>
+        <p:txBody>
+          <a:bodyPr anchor="ctr"/>
+          <a:lstStyle>
+            <a:extLst/>
+          </a:lstStyle>
+          <a:p>
+            <a:pPr algn="l" eaLnBrk="1" latinLnBrk="0" hangingPunct="1"/>
+            <a:endParaRPr kumimoji="0" lang="en-US"/>
+          </a:p>
+        </p:txBody>
+      </p:sp>
     </p:spTree>
-    <p:extLst>
-      <p:ext uri="{BB962C8B-B14F-4D97-AF65-F5344CB8AC3E}">
-        <p14:creationId xmlns:p14="http://schemas.microsoft.com/office/powerpoint/2010/main" val="2398577754"/>
-      </p:ext>
-    </p:extLst>
   </p:cSld>
   <p:clrMapOvr>
-    <a:masterClrMapping/>
+    <a:overrideClrMapping bg1="dk1" tx1="lt1" bg2="dk2" tx2="lt2" accent1="accent1" accent2="accent2" accent3="accent3" accent4="accent4" accent5="accent5" accent6="accent6" hlink="hlink" folHlink="folHlink"/>
   </p:clrMapOvr>
 </p:sldLayout>
 </file>
@@ -2444,40 +3750,379 @@
       </p:grpSpPr>
       <p:sp>
         <p:nvSpPr>
-          <p:cNvPr id="2" name="Title Placeholder 1"/>
-          <p:cNvSpPr>
-            <a:spLocks noGrp="1"/>
-          </p:cNvSpPr>
-          <p:nvPr>
-            <p:ph type="title"/>
-          </p:nvPr>
-        </p:nvSpPr>
+          <p:cNvPr id="13" name="Freeform 12"/>
+          <p:cNvSpPr>
+            <a:spLocks/>
+          </p:cNvSpPr>
+          <p:nvPr/>
+        </p:nvSpPr>
+        <p:spPr bwMode="auto">
+          <a:xfrm>
+            <a:off x="665697" y="5944936"/>
+            <a:ext cx="6587499" cy="921076"/>
+          </a:xfrm>
+          <a:custGeom>
+            <a:avLst>
+              <a:gd name="A1" fmla="val 0"/>
+              <a:gd name="A2" fmla="val 0"/>
+              <a:gd name="A3" fmla="val 0"/>
+              <a:gd name="A4" fmla="val 0"/>
+              <a:gd name="A5" fmla="val 0"/>
+              <a:gd name="A6" fmla="val 0"/>
+              <a:gd name="A7" fmla="val 0"/>
+              <a:gd name="A8" fmla="val 0"/>
+            </a:avLst>
+            <a:gdLst/>
+            <a:ahLst/>
+            <a:cxnLst>
+              <a:cxn ang="0">
+                <a:pos x="0" y="0"/>
+              </a:cxn>
+              <a:cxn ang="0">
+                <a:pos x="5760" y="0"/>
+              </a:cxn>
+              <a:cxn ang="0">
+                <a:pos x="5760" y="528"/>
+              </a:cxn>
+              <a:cxn ang="0">
+                <a:pos x="48" y="0"/>
+              </a:cxn>
+            </a:cxnLst>
+            <a:rect l="0" t="0" r="0" b="0"/>
+            <a:pathLst>
+              <a:path w="7485" h="337">
+                <a:moveTo>
+                  <a:pt x="0" y="2"/>
+                </a:moveTo>
+                <a:lnTo>
+                  <a:pt x="7485" y="337"/>
+                </a:lnTo>
+                <a:lnTo>
+                  <a:pt x="5558" y="337"/>
+                </a:lnTo>
+                <a:lnTo>
+                  <a:pt x="1" y="0"/>
+                </a:lnTo>
+              </a:path>
+            </a:pathLst>
+          </a:custGeom>
+          <a:solidFill>
+            <a:schemeClr val="accent1">
+              <a:tint val="65000"/>
+              <a:satMod val="115000"/>
+              <a:alpha val="40000"/>
+            </a:schemeClr>
+          </a:solidFill>
+          <a:ln w="9525" cap="flat" cmpd="sng" algn="ctr">
+            <a:noFill/>
+            <a:prstDash val="solid"/>
+            <a:round/>
+            <a:headEnd type="none" w="med" len="med"/>
+            <a:tailEnd type="none" w="med" len="med"/>
+          </a:ln>
+          <a:effectLst/>
+        </p:spPr>
+        <p:txBody>
+          <a:bodyPr vert="horz" wrap="square" lIns="91440" tIns="45720" rIns="91440" bIns="45720" anchor="t" compatLnSpc="1"/>
+          <a:lstStyle>
+            <a:extLst/>
+          </a:lstStyle>
+          <a:p>
+            <a:endParaRPr kumimoji="0" lang="en-US"/>
+          </a:p>
+        </p:txBody>
+      </p:sp>
+      <p:sp>
+        <p:nvSpPr>
+          <p:cNvPr id="12" name="Freeform 11"/>
+          <p:cNvSpPr>
+            <a:spLocks/>
+          </p:cNvSpPr>
+          <p:nvPr/>
+        </p:nvSpPr>
+        <p:spPr bwMode="auto">
+          <a:xfrm>
+            <a:off x="647623" y="5939011"/>
+            <a:ext cx="4920601" cy="933450"/>
+          </a:xfrm>
+          <a:custGeom>
+            <a:avLst>
+              <a:gd name="A1" fmla="val 0"/>
+              <a:gd name="A2" fmla="val 0"/>
+              <a:gd name="A3" fmla="val 0"/>
+              <a:gd name="A4" fmla="val 0"/>
+              <a:gd name="A5" fmla="val 0"/>
+              <a:gd name="A6" fmla="val 0"/>
+              <a:gd name="A7" fmla="val 0"/>
+              <a:gd name="A8" fmla="val 0"/>
+            </a:avLst>
+            <a:gdLst/>
+            <a:ahLst/>
+            <a:cxnLst>
+              <a:cxn ang="0">
+                <a:pos x="0" y="0"/>
+              </a:cxn>
+              <a:cxn ang="0">
+                <a:pos x="5760" y="0"/>
+              </a:cxn>
+              <a:cxn ang="0">
+                <a:pos x="5760" y="528"/>
+              </a:cxn>
+              <a:cxn ang="0">
+                <a:pos x="48" y="0"/>
+              </a:cxn>
+            </a:cxnLst>
+            <a:rect l="0" t="0" r="0" b="0"/>
+            <a:pathLst>
+              <a:path w="5591" h="588">
+                <a:moveTo>
+                  <a:pt x="0" y="0"/>
+                </a:moveTo>
+                <a:lnTo>
+                  <a:pt x="5591" y="585"/>
+                </a:lnTo>
+                <a:lnTo>
+                  <a:pt x="4415" y="588"/>
+                </a:lnTo>
+                <a:lnTo>
+                  <a:pt x="12" y="4"/>
+                </a:lnTo>
+              </a:path>
+            </a:pathLst>
+          </a:custGeom>
+          <a:solidFill>
+            <a:srgbClr val="000000">
+              <a:alpha val="100000"/>
+            </a:srgbClr>
+          </a:solidFill>
+          <a:ln w="9525" cap="flat" cmpd="sng" algn="ctr">
+            <a:noFill/>
+            <a:prstDash val="solid"/>
+            <a:round/>
+            <a:headEnd type="none" w="med" len="med"/>
+            <a:tailEnd type="none" w="med" len="med"/>
+          </a:ln>
+          <a:effectLst/>
+        </p:spPr>
+        <p:txBody>
+          <a:bodyPr vert="horz" wrap="square" lIns="91440" tIns="45720" rIns="91440" bIns="45720" anchor="t" compatLnSpc="1"/>
+          <a:lstStyle>
+            <a:extLst/>
+          </a:lstStyle>
+          <a:p>
+            <a:endParaRPr kumimoji="0" lang="en-US"/>
+          </a:p>
+        </p:txBody>
+      </p:sp>
+      <p:sp>
+        <p:nvSpPr>
+          <p:cNvPr id="14" name="Right Triangle 13"/>
+          <p:cNvSpPr>
+            <a:spLocks/>
+          </p:cNvSpPr>
+          <p:nvPr/>
+        </p:nvSpPr>
+        <p:spPr bwMode="auto">
+          <a:xfrm>
+            <a:off x="-8056" y="5791253"/>
+            <a:ext cx="4536419" cy="1080868"/>
+          </a:xfrm>
+          <a:prstGeom prst="rtTriangle">
+            <a:avLst/>
+          </a:prstGeom>
+          <a:blipFill>
+            <a:blip r:embed="rId13" cstate="print">
+              <a:alphaModFix amt="50000"/>
+            </a:blip>
+            <a:tile tx="0" ty="0" sx="50000" sy="50000" flip="none" algn="t"/>
+          </a:blipFill>
+          <a:ln w="12700" cap="rnd" cmpd="thickThin" algn="ctr">
+            <a:noFill/>
+            <a:prstDash val="solid"/>
+          </a:ln>
+          <a:effectLst>
+            <a:fillOverlay blend="mult">
+              <a:gradFill flip="none" rotWithShape="1">
+                <a:gsLst>
+                  <a:gs pos="0">
+                    <a:schemeClr val="accent1">
+                      <a:shade val="20000"/>
+                      <a:satMod val="176000"/>
+                      <a:alpha val="100000"/>
+                    </a:schemeClr>
+                  </a:gs>
+                  <a:gs pos="18000">
+                    <a:schemeClr val="accent1">
+                      <a:shade val="48000"/>
+                      <a:satMod val="153000"/>
+                      <a:alpha val="100000"/>
+                    </a:schemeClr>
+                  </a:gs>
+                  <a:gs pos="43000">
+                    <a:schemeClr val="accent1">
+                      <a:tint val="86000"/>
+                      <a:satMod val="149000"/>
+                      <a:alpha val="100000"/>
+                    </a:schemeClr>
+                  </a:gs>
+                  <a:gs pos="45000">
+                    <a:schemeClr val="accent1">
+                      <a:tint val="85000"/>
+                      <a:satMod val="150000"/>
+                      <a:alpha val="100000"/>
+                    </a:schemeClr>
+                  </a:gs>
+                  <a:gs pos="50000">
+                    <a:schemeClr val="accent1">
+                      <a:tint val="86000"/>
+                      <a:satMod val="149000"/>
+                      <a:alpha val="100000"/>
+                    </a:schemeClr>
+                  </a:gs>
+                  <a:gs pos="79000">
+                    <a:schemeClr val="accent1">
+                      <a:shade val="53000"/>
+                      <a:satMod val="150000"/>
+                      <a:alpha val="100000"/>
+                    </a:schemeClr>
+                  </a:gs>
+                  <a:gs pos="100000">
+                    <a:schemeClr val="accent1">
+                      <a:shade val="25000"/>
+                      <a:satMod val="170000"/>
+                      <a:alpha val="100000"/>
+                    </a:schemeClr>
+                  </a:gs>
+                </a:gsLst>
+                <a:lin ang="450000" scaled="1"/>
+                <a:tileRect/>
+              </a:gradFill>
+            </a:fillOverlay>
+          </a:effectLst>
+        </p:spPr>
+        <p:style>
+          <a:lnRef idx="3">
+            <a:schemeClr val="lt1"/>
+          </a:lnRef>
+          <a:fillRef idx="1">
+            <a:schemeClr val="accent1"/>
+          </a:fillRef>
+          <a:effectRef idx="1">
+            <a:schemeClr val="accent1"/>
+          </a:effectRef>
+          <a:fontRef idx="minor">
+            <a:schemeClr val="lt1"/>
+          </a:fontRef>
+        </p:style>
+        <p:txBody>
+          <a:bodyPr vert="horz" wrap="square" lIns="91440" tIns="45720" rIns="91440" bIns="45720" anchor="ctr" compatLnSpc="1"/>
+          <a:lstStyle>
+            <a:extLst/>
+          </a:lstStyle>
+          <a:p>
+            <a:pPr algn="ctr" eaLnBrk="1" latinLnBrk="0" hangingPunct="1"/>
+            <a:endParaRPr kumimoji="0" lang="en-US"/>
+          </a:p>
+        </p:txBody>
+      </p:sp>
+      <p:cxnSp>
+        <p:nvCxnSpPr>
+          <p:cNvPr id="15" name="Straight Connector 14"/>
+          <p:cNvCxnSpPr/>
+          <p:nvPr/>
+        </p:nvCxnSpPr>
         <p:spPr>
           <a:xfrm>
-            <a:off x="838200" y="365125"/>
-            <a:ext cx="10515600" cy="1325563"/>
+            <a:off x="-12316" y="5787739"/>
+            <a:ext cx="4540679" cy="1084383"/>
+          </a:xfrm>
+          <a:prstGeom prst="line">
+            <a:avLst/>
+          </a:prstGeom>
+          <a:noFill/>
+          <a:ln w="12065" cap="flat" cmpd="sng" algn="ctr">
+            <a:gradFill>
+              <a:gsLst>
+                <a:gs pos="45000">
+                  <a:schemeClr val="accent1">
+                    <a:tint val="70000"/>
+                    <a:satMod val="110000"/>
+                  </a:schemeClr>
+                </a:gs>
+                <a:gs pos="15000">
+                  <a:schemeClr val="accent1">
+                    <a:shade val="40000"/>
+                    <a:satMod val="110000"/>
+                  </a:schemeClr>
+                </a:gs>
+              </a:gsLst>
+              <a:lin ang="5400000" scaled="1"/>
+            </a:gradFill>
+            <a:prstDash val="solid"/>
+            <a:miter lim="800000"/>
+          </a:ln>
+          <a:effectLst/>
+        </p:spPr>
+        <p:style>
+          <a:lnRef idx="2">
+            <a:schemeClr val="accent1"/>
+          </a:lnRef>
+          <a:fillRef idx="0">
+            <a:schemeClr val="accent1"/>
+          </a:fillRef>
+          <a:effectRef idx="1">
+            <a:schemeClr val="accent1"/>
+          </a:effectRef>
+          <a:fontRef idx="minor">
+            <a:schemeClr val="tx1"/>
+          </a:fontRef>
+        </p:style>
+      </p:cxnSp>
+      <p:sp>
+        <p:nvSpPr>
+          <p:cNvPr id="9" name="Title Placeholder 8"/>
+          <p:cNvSpPr>
+            <a:spLocks noGrp="1"/>
+          </p:cNvSpPr>
+          <p:nvPr>
+            <p:ph type="title"/>
+          </p:nvPr>
+        </p:nvSpPr>
+        <p:spPr>
+          <a:xfrm>
+            <a:off x="609600" y="274638"/>
+            <a:ext cx="10972800" cy="1143000"/>
           </a:xfrm>
           <a:prstGeom prst="rect">
             <a:avLst/>
           </a:prstGeom>
         </p:spPr>
         <p:txBody>
-          <a:bodyPr vert="horz" lIns="91440" tIns="45720" rIns="91440" bIns="45720" rtlCol="0" anchor="ctr">
+          <a:bodyPr vert="horz" anchor="ctr">
             <a:normAutofit/>
+            <a:scene3d>
+              <a:camera prst="orthographicFront"/>
+              <a:lightRig rig="soft" dir="t"/>
+            </a:scene3d>
+            <a:sp3d prstMaterial="softEdge">
+              <a:bevelT w="25400" h="25400"/>
+            </a:sp3d>
           </a:bodyPr>
-          <a:lstStyle/>
-          <a:p>
-            <a:r>
-              <a:rPr lang="en-US" smtClean="0"/>
+          <a:lstStyle>
+            <a:extLst/>
+          </a:lstStyle>
+          <a:p>
+            <a:r>
+              <a:rPr kumimoji="0" lang="en-US" smtClean="0"/>
               <a:t>Click to edit Master title style</a:t>
             </a:r>
-            <a:endParaRPr lang="en-US"/>
-          </a:p>
-        </p:txBody>
-      </p:sp>
-      <p:sp>
-        <p:nvSpPr>
-          <p:cNvPr id="3" name="Text Placeholder 2"/>
+            <a:endParaRPr kumimoji="0" lang="en-US"/>
+          </a:p>
+        </p:txBody>
+      </p:sp>
+      <p:sp>
+        <p:nvSpPr>
+          <p:cNvPr id="30" name="Text Placeholder 29"/>
           <p:cNvSpPr>
             <a:spLocks noGrp="1"/>
           </p:cNvSpPr>
@@ -2487,59 +4132,61 @@
         </p:nvSpPr>
         <p:spPr>
           <a:xfrm>
-            <a:off x="838200" y="1825625"/>
-            <a:ext cx="10515600" cy="4351338"/>
+            <a:off x="609600" y="1481329"/>
+            <a:ext cx="10972800" cy="4525963"/>
           </a:xfrm>
           <a:prstGeom prst="rect">
             <a:avLst/>
           </a:prstGeom>
         </p:spPr>
         <p:txBody>
-          <a:bodyPr vert="horz" lIns="91440" tIns="45720" rIns="91440" bIns="45720" rtlCol="0">
+          <a:bodyPr vert="horz">
             <a:normAutofit/>
           </a:bodyPr>
-          <a:lstStyle/>
-          <a:p>
-            <a:pPr lvl="0"/>
-            <a:r>
-              <a:rPr lang="en-US" smtClean="0"/>
+          <a:lstStyle>
+            <a:extLst/>
+          </a:lstStyle>
+          <a:p>
+            <a:pPr lvl="0" eaLnBrk="1" latinLnBrk="0" hangingPunct="1"/>
+            <a:r>
+              <a:rPr kumimoji="0" lang="en-US" smtClean="0"/>
               <a:t>Click to edit Master text styles</a:t>
             </a:r>
           </a:p>
           <a:p>
-            <a:pPr lvl="1"/>
-            <a:r>
-              <a:rPr lang="en-US" smtClean="0"/>
+            <a:pPr lvl="1" eaLnBrk="1" latinLnBrk="0" hangingPunct="1"/>
+            <a:r>
+              <a:rPr kumimoji="0" lang="en-US" smtClean="0"/>
               <a:t>Second level</a:t>
             </a:r>
           </a:p>
           <a:p>
-            <a:pPr lvl="2"/>
-            <a:r>
-              <a:rPr lang="en-US" smtClean="0"/>
+            <a:pPr lvl="2" eaLnBrk="1" latinLnBrk="0" hangingPunct="1"/>
+            <a:r>
+              <a:rPr kumimoji="0" lang="en-US" smtClean="0"/>
               <a:t>Third level</a:t>
             </a:r>
           </a:p>
           <a:p>
-            <a:pPr lvl="3"/>
-            <a:r>
-              <a:rPr lang="en-US" smtClean="0"/>
+            <a:pPr lvl="3" eaLnBrk="1" latinLnBrk="0" hangingPunct="1"/>
+            <a:r>
+              <a:rPr kumimoji="0" lang="en-US" smtClean="0"/>
               <a:t>Fourth level</a:t>
             </a:r>
           </a:p>
           <a:p>
-            <a:pPr lvl="4"/>
-            <a:r>
-              <a:rPr lang="en-US" smtClean="0"/>
+            <a:pPr lvl="4" eaLnBrk="1" latinLnBrk="0" hangingPunct="1"/>
+            <a:r>
+              <a:rPr kumimoji="0" lang="en-US" smtClean="0"/>
               <a:t>Fifth level</a:t>
             </a:r>
-            <a:endParaRPr lang="en-US"/>
-          </a:p>
-        </p:txBody>
-      </p:sp>
-      <p:sp>
-        <p:nvSpPr>
-          <p:cNvPr id="4" name="Date Placeholder 3"/>
+            <a:endParaRPr kumimoji="0" lang="en-US"/>
+          </a:p>
+        </p:txBody>
+      </p:sp>
+      <p:sp>
+        <p:nvSpPr>
+          <p:cNvPr id="10" name="Date Placeholder 9"/>
           <p:cNvSpPr>
             <a:spLocks noGrp="1"/>
           </p:cNvSpPr>
@@ -2549,29 +4196,29 @@
         </p:nvSpPr>
         <p:spPr>
           <a:xfrm>
-            <a:off x="838200" y="6356350"/>
-            <a:ext cx="2743200" cy="365125"/>
+            <a:off x="8969376" y="6407944"/>
+            <a:ext cx="2560320" cy="365760"/>
           </a:xfrm>
           <a:prstGeom prst="rect">
             <a:avLst/>
           </a:prstGeom>
         </p:spPr>
         <p:txBody>
-          <a:bodyPr vert="horz" lIns="91440" tIns="45720" rIns="91440" bIns="45720" rtlCol="0" anchor="ctr"/>
-          <a:lstStyle>
-            <a:lvl1pPr algn="l">
-              <a:defRPr sz="1200">
+          <a:bodyPr vert="horz" anchor="b"/>
+          <a:lstStyle>
+            <a:lvl1pPr algn="l" eaLnBrk="1" latinLnBrk="0" hangingPunct="1">
+              <a:defRPr kumimoji="0" sz="1000">
                 <a:solidFill>
-                  <a:schemeClr val="tx1">
-                    <a:tint val="75000"/>
-                  </a:schemeClr>
+                  <a:schemeClr val="tx1"/>
                 </a:solidFill>
               </a:defRPr>
             </a:lvl1pPr>
+            <a:extLst/>
           </a:lstStyle>
           <a:p>
             <a:fld id="{D369F928-0021-4585-8B49-56F1E2F712E8}" type="datetimeFigureOut">
               <a:rPr lang="en-US" smtClean="0"/>
+              <a:pPr/>
               <a:t>10/6/2015</a:t>
             </a:fld>
             <a:endParaRPr lang="en-US"/>
@@ -2580,7 +4227,7 @@
       </p:sp>
       <p:sp>
         <p:nvSpPr>
-          <p:cNvPr id="5" name="Footer Placeholder 4"/>
+          <p:cNvPr id="22" name="Footer Placeholder 21"/>
           <p:cNvSpPr>
             <a:spLocks noGrp="1"/>
           </p:cNvSpPr>
@@ -2590,25 +4237,24 @@
         </p:nvSpPr>
         <p:spPr>
           <a:xfrm>
-            <a:off x="4038600" y="6356350"/>
-            <a:ext cx="4114800" cy="365125"/>
+            <a:off x="5840097" y="6407945"/>
+            <a:ext cx="3134241" cy="365125"/>
           </a:xfrm>
           <a:prstGeom prst="rect">
             <a:avLst/>
           </a:prstGeom>
         </p:spPr>
         <p:txBody>
-          <a:bodyPr vert="horz" lIns="91440" tIns="45720" rIns="91440" bIns="45720" rtlCol="0" anchor="ctr"/>
-          <a:lstStyle>
-            <a:lvl1pPr algn="ctr">
-              <a:defRPr sz="1200">
+          <a:bodyPr vert="horz" anchor="b"/>
+          <a:lstStyle>
+            <a:lvl1pPr algn="r" eaLnBrk="1" latinLnBrk="0" hangingPunct="1">
+              <a:defRPr kumimoji="0" sz="1000">
                 <a:solidFill>
-                  <a:schemeClr val="tx1">
-                    <a:tint val="75000"/>
-                  </a:schemeClr>
+                  <a:schemeClr val="tx1"/>
                 </a:solidFill>
               </a:defRPr>
             </a:lvl1pPr>
+            <a:extLst/>
           </a:lstStyle>
           <a:p>
             <a:endParaRPr lang="en-US"/>
@@ -2617,7 +4263,7 @@
       </p:sp>
       <p:sp>
         <p:nvSpPr>
-          <p:cNvPr id="6" name="Slide Number Placeholder 5"/>
+          <p:cNvPr id="18" name="Slide Number Placeholder 17"/>
           <p:cNvSpPr>
             <a:spLocks noGrp="1"/>
           </p:cNvSpPr>
@@ -2627,29 +4273,29 @@
         </p:nvSpPr>
         <p:spPr>
           <a:xfrm>
-            <a:off x="8610600" y="6356350"/>
-            <a:ext cx="2743200" cy="365125"/>
+            <a:off x="11529696" y="6407945"/>
+            <a:ext cx="487680" cy="365125"/>
           </a:xfrm>
           <a:prstGeom prst="rect">
             <a:avLst/>
           </a:prstGeom>
         </p:spPr>
         <p:txBody>
-          <a:bodyPr vert="horz" lIns="91440" tIns="45720" rIns="91440" bIns="45720" rtlCol="0" anchor="ctr"/>
-          <a:lstStyle>
-            <a:lvl1pPr algn="r">
-              <a:defRPr sz="1200">
+          <a:bodyPr vert="horz" anchor="b"/>
+          <a:lstStyle>
+            <a:lvl1pPr algn="r" eaLnBrk="1" latinLnBrk="0" hangingPunct="1">
+              <a:defRPr kumimoji="0" sz="1000" b="0">
                 <a:solidFill>
-                  <a:schemeClr val="tx1">
-                    <a:tint val="75000"/>
-                  </a:schemeClr>
+                  <a:schemeClr val="tx1"/>
                 </a:solidFill>
               </a:defRPr>
             </a:lvl1pPr>
+            <a:extLst/>
           </a:lstStyle>
           <a:p>
             <a:fld id="{DA02FF60-D5CD-4E36-8A9C-5C835F2F2D21}" type="slidenum">
               <a:rPr lang="en-US" smtClean="0"/>
+              <a:pPr/>
               <a:t>‹#›</a:t>
             </a:fld>
             <a:endParaRPr lang="en-US"/>
@@ -2657,57 +4303,61 @@
         </p:txBody>
       </p:sp>
     </p:spTree>
-    <p:extLst>
-      <p:ext uri="{BB962C8B-B14F-4D97-AF65-F5344CB8AC3E}">
-        <p14:creationId xmlns:p14="http://schemas.microsoft.com/office/powerpoint/2010/main" val="3951266941"/>
-      </p:ext>
-    </p:extLst>
   </p:cSld>
   <p:clrMap bg1="lt1" tx1="dk1" bg2="lt2" tx2="dk2" accent1="accent1" accent2="accent2" accent3="accent3" accent4="accent4" accent5="accent5" accent6="accent6" hlink="hlink" folHlink="folHlink"/>
   <p:sldLayoutIdLst>
-    <p:sldLayoutId id="2147483679" r:id="rId1"/>
-    <p:sldLayoutId id="2147483680" r:id="rId2"/>
-    <p:sldLayoutId id="2147483681" r:id="rId3"/>
-    <p:sldLayoutId id="2147483682" r:id="rId4"/>
-    <p:sldLayoutId id="2147483683" r:id="rId5"/>
-    <p:sldLayoutId id="2147483684" r:id="rId6"/>
-    <p:sldLayoutId id="2147483685" r:id="rId7"/>
-    <p:sldLayoutId id="2147483686" r:id="rId8"/>
-    <p:sldLayoutId id="2147483687" r:id="rId9"/>
-    <p:sldLayoutId id="2147483688" r:id="rId10"/>
-    <p:sldLayoutId id="2147483689" r:id="rId11"/>
+    <p:sldLayoutId id="2147483703" r:id="rId1"/>
+    <p:sldLayoutId id="2147483704" r:id="rId2"/>
+    <p:sldLayoutId id="2147483705" r:id="rId3"/>
+    <p:sldLayoutId id="2147483706" r:id="rId4"/>
+    <p:sldLayoutId id="2147483707" r:id="rId5"/>
+    <p:sldLayoutId id="2147483708" r:id="rId6"/>
+    <p:sldLayoutId id="2147483709" r:id="rId7"/>
+    <p:sldLayoutId id="2147483710" r:id="rId8"/>
+    <p:sldLayoutId id="2147483711" r:id="rId9"/>
+    <p:sldLayoutId id="2147483712" r:id="rId10"/>
+    <p:sldLayoutId id="2147483713" r:id="rId11"/>
   </p:sldLayoutIdLst>
   <p:txStyles>
     <p:titleStyle>
-      <a:lvl1pPr algn="l" defTabSz="914400" rtl="0" eaLnBrk="1" latinLnBrk="0" hangingPunct="1">
-        <a:lnSpc>
-          <a:spcPct val="90000"/>
-        </a:lnSpc>
+      <a:lvl1pPr algn="l" rtl="0" eaLnBrk="1" latinLnBrk="0" hangingPunct="1">
         <a:spcBef>
           <a:spcPct val="0"/>
         </a:spcBef>
         <a:buNone/>
-        <a:defRPr sz="4400" kern="1200">
+        <a:defRPr kumimoji="0" sz="4100" b="1" kern="1200">
           <a:solidFill>
-            <a:schemeClr val="tx1"/>
+            <a:schemeClr val="tx2"/>
           </a:solidFill>
+          <a:effectLst>
+            <a:outerShdw blurRad="31750" dist="25400" dir="5400000" algn="tl" rotWithShape="0">
+              <a:srgbClr val="000000">
+                <a:alpha val="25000"/>
+              </a:srgbClr>
+            </a:outerShdw>
+          </a:effectLst>
           <a:latin typeface="+mj-lt"/>
           <a:ea typeface="+mj-ea"/>
           <a:cs typeface="+mj-cs"/>
         </a:defRPr>
       </a:lvl1pPr>
+      <a:extLst/>
     </p:titleStyle>
     <p:bodyStyle>
-      <a:lvl1pPr marL="228600" indent="-228600" algn="l" defTabSz="914400" rtl="0" eaLnBrk="1" latinLnBrk="0" hangingPunct="1">
-        <a:lnSpc>
-          <a:spcPct val="90000"/>
-        </a:lnSpc>
+      <a:lvl1pPr marL="365760" indent="-256032" algn="l" rtl="0" eaLnBrk="1" latinLnBrk="0" hangingPunct="1">
         <a:spcBef>
-          <a:spcPts val="1000"/>
+          <a:spcPts val="400"/>
         </a:spcBef>
-        <a:buFont typeface="Arial" panose="020B0604020202020204" pitchFamily="34" charset="0"/>
-        <a:buChar char="•"/>
-        <a:defRPr sz="2800" kern="1200">
+        <a:spcAft>
+          <a:spcPts val="0"/>
+        </a:spcAft>
+        <a:buClr>
+          <a:schemeClr val="accent1"/>
+        </a:buClr>
+        <a:buSzPct val="68000"/>
+        <a:buFont typeface="Wingdings 3"/>
+        <a:buChar char=""/>
+        <a:defRPr kumimoji="0" sz="2700" kern="1200">
           <a:solidFill>
             <a:schemeClr val="tx1"/>
           </a:solidFill>
@@ -2716,16 +4366,16 @@
           <a:cs typeface="+mn-cs"/>
         </a:defRPr>
       </a:lvl1pPr>
-      <a:lvl2pPr marL="685800" indent="-228600" algn="l" defTabSz="914400" rtl="0" eaLnBrk="1" latinLnBrk="0" hangingPunct="1">
-        <a:lnSpc>
-          <a:spcPct val="90000"/>
-        </a:lnSpc>
+      <a:lvl2pPr marL="621792" indent="-228600" algn="l" rtl="0" eaLnBrk="1" latinLnBrk="0" hangingPunct="1">
         <a:spcBef>
-          <a:spcPts val="500"/>
+          <a:spcPts val="324"/>
         </a:spcBef>
-        <a:buFont typeface="Arial" panose="020B0604020202020204" pitchFamily="34" charset="0"/>
-        <a:buChar char="•"/>
-        <a:defRPr sz="2400" kern="1200">
+        <a:buClr>
+          <a:schemeClr val="accent1"/>
+        </a:buClr>
+        <a:buFont typeface="Verdana"/>
+        <a:buChar char="◦"/>
+        <a:defRPr kumimoji="0" sz="2300" kern="1200">
           <a:solidFill>
             <a:schemeClr val="tx1"/>
           </a:solidFill>
@@ -2734,16 +4384,17 @@
           <a:cs typeface="+mn-cs"/>
         </a:defRPr>
       </a:lvl2pPr>
-      <a:lvl3pPr marL="1143000" indent="-228600" algn="l" defTabSz="914400" rtl="0" eaLnBrk="1" latinLnBrk="0" hangingPunct="1">
-        <a:lnSpc>
-          <a:spcPct val="90000"/>
-        </a:lnSpc>
+      <a:lvl3pPr marL="859536" indent="-228600" algn="l" rtl="0" eaLnBrk="1" latinLnBrk="0" hangingPunct="1">
         <a:spcBef>
-          <a:spcPts val="500"/>
+          <a:spcPts val="350"/>
         </a:spcBef>
-        <a:buFont typeface="Arial" panose="020B0604020202020204" pitchFamily="34" charset="0"/>
-        <a:buChar char="•"/>
-        <a:defRPr sz="2000" kern="1200">
+        <a:buClr>
+          <a:schemeClr val="accent2"/>
+        </a:buClr>
+        <a:buSzPct val="100000"/>
+        <a:buFont typeface="Wingdings 2"/>
+        <a:buChar char=""/>
+        <a:defRPr kumimoji="0" sz="2100" kern="1200">
           <a:solidFill>
             <a:schemeClr val="tx1"/>
           </a:solidFill>
@@ -2752,16 +4403,16 @@
           <a:cs typeface="+mn-cs"/>
         </a:defRPr>
       </a:lvl3pPr>
-      <a:lvl4pPr marL="1600200" indent="-228600" algn="l" defTabSz="914400" rtl="0" eaLnBrk="1" latinLnBrk="0" hangingPunct="1">
-        <a:lnSpc>
-          <a:spcPct val="90000"/>
-        </a:lnSpc>
+      <a:lvl4pPr marL="1143000" indent="-228600" algn="l" rtl="0" eaLnBrk="1" latinLnBrk="0" hangingPunct="1">
         <a:spcBef>
-          <a:spcPts val="500"/>
+          <a:spcPts val="350"/>
         </a:spcBef>
-        <a:buFont typeface="Arial" panose="020B0604020202020204" pitchFamily="34" charset="0"/>
-        <a:buChar char="•"/>
-        <a:defRPr sz="1800" kern="1200">
+        <a:buClr>
+          <a:schemeClr val="accent2"/>
+        </a:buClr>
+        <a:buFont typeface="Wingdings 2"/>
+        <a:buChar char=""/>
+        <a:defRPr kumimoji="0" sz="1900" kern="1200">
           <a:solidFill>
             <a:schemeClr val="tx1"/>
           </a:solidFill>
@@ -2770,16 +4421,16 @@
           <a:cs typeface="+mn-cs"/>
         </a:defRPr>
       </a:lvl4pPr>
-      <a:lvl5pPr marL="2057400" indent="-228600" algn="l" defTabSz="914400" rtl="0" eaLnBrk="1" latinLnBrk="0" hangingPunct="1">
-        <a:lnSpc>
-          <a:spcPct val="90000"/>
-        </a:lnSpc>
+      <a:lvl5pPr marL="1371600" indent="-228600" algn="l" rtl="0" eaLnBrk="1" latinLnBrk="0" hangingPunct="1">
         <a:spcBef>
-          <a:spcPts val="500"/>
+          <a:spcPts val="350"/>
         </a:spcBef>
-        <a:buFont typeface="Arial" panose="020B0604020202020204" pitchFamily="34" charset="0"/>
-        <a:buChar char="•"/>
-        <a:defRPr sz="1800" kern="1200">
+        <a:buClr>
+          <a:schemeClr val="accent2"/>
+        </a:buClr>
+        <a:buFont typeface="Wingdings 2"/>
+        <a:buChar char=""/>
+        <a:defRPr kumimoji="0" sz="1800" kern="1200">
           <a:solidFill>
             <a:schemeClr val="tx1"/>
           </a:solidFill>
@@ -2788,16 +4439,16 @@
           <a:cs typeface="+mn-cs"/>
         </a:defRPr>
       </a:lvl5pPr>
-      <a:lvl6pPr marL="2514600" indent="-228600" algn="l" defTabSz="914400" rtl="0" eaLnBrk="1" latinLnBrk="0" hangingPunct="1">
-        <a:lnSpc>
-          <a:spcPct val="90000"/>
-        </a:lnSpc>
+      <a:lvl6pPr marL="1600200" indent="-228600" algn="l" rtl="0" eaLnBrk="1" latinLnBrk="0" hangingPunct="1">
         <a:spcBef>
-          <a:spcPts val="500"/>
+          <a:spcPts val="350"/>
         </a:spcBef>
-        <a:buFont typeface="Arial" panose="020B0604020202020204" pitchFamily="34" charset="0"/>
-        <a:buChar char="•"/>
-        <a:defRPr sz="1800" kern="1200">
+        <a:buClr>
+          <a:schemeClr val="accent3"/>
+        </a:buClr>
+        <a:buFont typeface="Wingdings 2"/>
+        <a:buChar char=""/>
+        <a:defRPr kumimoji="0" sz="1800" kern="1200">
           <a:solidFill>
             <a:schemeClr val="tx1"/>
           </a:solidFill>
@@ -2806,16 +4457,16 @@
           <a:cs typeface="+mn-cs"/>
         </a:defRPr>
       </a:lvl6pPr>
-      <a:lvl7pPr marL="2971800" indent="-228600" algn="l" defTabSz="914400" rtl="0" eaLnBrk="1" latinLnBrk="0" hangingPunct="1">
-        <a:lnSpc>
-          <a:spcPct val="90000"/>
-        </a:lnSpc>
+      <a:lvl7pPr marL="1828800" indent="-228600" algn="l" rtl="0" eaLnBrk="1" latinLnBrk="0" hangingPunct="1">
         <a:spcBef>
-          <a:spcPts val="500"/>
+          <a:spcPts val="350"/>
         </a:spcBef>
-        <a:buFont typeface="Arial" panose="020B0604020202020204" pitchFamily="34" charset="0"/>
-        <a:buChar char="•"/>
-        <a:defRPr sz="1800" kern="1200">
+        <a:buClr>
+          <a:schemeClr val="accent3"/>
+        </a:buClr>
+        <a:buFont typeface="Wingdings 2"/>
+        <a:buChar char=""/>
+        <a:defRPr kumimoji="0" sz="1600" kern="1200">
           <a:solidFill>
             <a:schemeClr val="tx1"/>
           </a:solidFill>
@@ -2824,16 +4475,16 @@
           <a:cs typeface="+mn-cs"/>
         </a:defRPr>
       </a:lvl7pPr>
-      <a:lvl8pPr marL="3429000" indent="-228600" algn="l" defTabSz="914400" rtl="0" eaLnBrk="1" latinLnBrk="0" hangingPunct="1">
-        <a:lnSpc>
-          <a:spcPct val="90000"/>
-        </a:lnSpc>
+      <a:lvl8pPr marL="2057400" indent="-228600" algn="l" rtl="0" eaLnBrk="1" latinLnBrk="0" hangingPunct="1">
         <a:spcBef>
-          <a:spcPts val="500"/>
+          <a:spcPts val="350"/>
         </a:spcBef>
-        <a:buFont typeface="Arial" panose="020B0604020202020204" pitchFamily="34" charset="0"/>
-        <a:buChar char="•"/>
-        <a:defRPr sz="1800" kern="1200">
+        <a:buClr>
+          <a:schemeClr val="accent3"/>
+        </a:buClr>
+        <a:buFont typeface="Wingdings 2"/>
+        <a:buChar char=""/>
+        <a:defRPr kumimoji="0" sz="1600" kern="1200">
           <a:solidFill>
             <a:schemeClr val="tx1"/>
           </a:solidFill>
@@ -2842,16 +4493,16 @@
           <a:cs typeface="+mn-cs"/>
         </a:defRPr>
       </a:lvl8pPr>
-      <a:lvl9pPr marL="3886200" indent="-228600" algn="l" defTabSz="914400" rtl="0" eaLnBrk="1" latinLnBrk="0" hangingPunct="1">
-        <a:lnSpc>
-          <a:spcPct val="90000"/>
-        </a:lnSpc>
+      <a:lvl9pPr marL="2286000" indent="-228600" algn="l" rtl="0" eaLnBrk="1" latinLnBrk="0" hangingPunct="1">
         <a:spcBef>
-          <a:spcPts val="500"/>
+          <a:spcPts val="350"/>
         </a:spcBef>
-        <a:buFont typeface="Arial" panose="020B0604020202020204" pitchFamily="34" charset="0"/>
-        <a:buChar char="•"/>
-        <a:defRPr sz="1800" kern="1200">
+        <a:buClr>
+          <a:schemeClr val="accent3"/>
+        </a:buClr>
+        <a:buFont typeface="Wingdings 2"/>
+        <a:buChar char=""/>
+        <a:defRPr kumimoji="0" sz="1600" kern="1200" baseline="0">
           <a:solidFill>
             <a:schemeClr val="tx1"/>
           </a:solidFill>
@@ -2860,13 +4511,11 @@
           <a:cs typeface="+mn-cs"/>
         </a:defRPr>
       </a:lvl9pPr>
+      <a:extLst/>
     </p:bodyStyle>
     <p:otherStyle>
-      <a:defPPr>
-        <a:defRPr lang="en-US"/>
-      </a:defPPr>
-      <a:lvl1pPr marL="0" algn="l" defTabSz="914400" rtl="0" eaLnBrk="1" latinLnBrk="0" hangingPunct="1">
-        <a:defRPr sz="1800" kern="1200">
+      <a:lvl1pPr marL="0" algn="l" rtl="0" eaLnBrk="1" latinLnBrk="0" hangingPunct="1">
+        <a:defRPr kumimoji="0" kern="1200">
           <a:solidFill>
             <a:schemeClr val="tx1"/>
           </a:solidFill>
@@ -2875,8 +4524,8 @@
           <a:cs typeface="+mn-cs"/>
         </a:defRPr>
       </a:lvl1pPr>
-      <a:lvl2pPr marL="457200" algn="l" defTabSz="914400" rtl="0" eaLnBrk="1" latinLnBrk="0" hangingPunct="1">
-        <a:defRPr sz="1800" kern="1200">
+      <a:lvl2pPr marL="457200" algn="l" rtl="0" eaLnBrk="1" latinLnBrk="0" hangingPunct="1">
+        <a:defRPr kumimoji="0" kern="1200">
           <a:solidFill>
             <a:schemeClr val="tx1"/>
           </a:solidFill>
@@ -2885,8 +4534,8 @@
           <a:cs typeface="+mn-cs"/>
         </a:defRPr>
       </a:lvl2pPr>
-      <a:lvl3pPr marL="914400" algn="l" defTabSz="914400" rtl="0" eaLnBrk="1" latinLnBrk="0" hangingPunct="1">
-        <a:defRPr sz="1800" kern="1200">
+      <a:lvl3pPr marL="914400" algn="l" rtl="0" eaLnBrk="1" latinLnBrk="0" hangingPunct="1">
+        <a:defRPr kumimoji="0" kern="1200">
           <a:solidFill>
             <a:schemeClr val="tx1"/>
           </a:solidFill>
@@ -2895,8 +4544,8 @@
           <a:cs typeface="+mn-cs"/>
         </a:defRPr>
       </a:lvl3pPr>
-      <a:lvl4pPr marL="1371600" algn="l" defTabSz="914400" rtl="0" eaLnBrk="1" latinLnBrk="0" hangingPunct="1">
-        <a:defRPr sz="1800" kern="1200">
+      <a:lvl4pPr marL="1371600" algn="l" rtl="0" eaLnBrk="1" latinLnBrk="0" hangingPunct="1">
+        <a:defRPr kumimoji="0" kern="1200">
           <a:solidFill>
             <a:schemeClr val="tx1"/>
           </a:solidFill>
@@ -2905,8 +4554,8 @@
           <a:cs typeface="+mn-cs"/>
         </a:defRPr>
       </a:lvl4pPr>
-      <a:lvl5pPr marL="1828800" algn="l" defTabSz="914400" rtl="0" eaLnBrk="1" latinLnBrk="0" hangingPunct="1">
-        <a:defRPr sz="1800" kern="1200">
+      <a:lvl5pPr marL="1828800" algn="l" rtl="0" eaLnBrk="1" latinLnBrk="0" hangingPunct="1">
+        <a:defRPr kumimoji="0" kern="1200">
           <a:solidFill>
             <a:schemeClr val="tx1"/>
           </a:solidFill>
@@ -2915,8 +4564,8 @@
           <a:cs typeface="+mn-cs"/>
         </a:defRPr>
       </a:lvl5pPr>
-      <a:lvl6pPr marL="2286000" algn="l" defTabSz="914400" rtl="0" eaLnBrk="1" latinLnBrk="0" hangingPunct="1">
-        <a:defRPr sz="1800" kern="1200">
+      <a:lvl6pPr marL="2286000" algn="l" rtl="0" eaLnBrk="1" latinLnBrk="0" hangingPunct="1">
+        <a:defRPr kumimoji="0" kern="1200">
           <a:solidFill>
             <a:schemeClr val="tx1"/>
           </a:solidFill>
@@ -2925,8 +4574,8 @@
           <a:cs typeface="+mn-cs"/>
         </a:defRPr>
       </a:lvl6pPr>
-      <a:lvl7pPr marL="2743200" algn="l" defTabSz="914400" rtl="0" eaLnBrk="1" latinLnBrk="0" hangingPunct="1">
-        <a:defRPr sz="1800" kern="1200">
+      <a:lvl7pPr marL="2743200" algn="l" rtl="0" eaLnBrk="1" latinLnBrk="0" hangingPunct="1">
+        <a:defRPr kumimoji="0" kern="1200">
           <a:solidFill>
             <a:schemeClr val="tx1"/>
           </a:solidFill>
@@ -2935,8 +4584,8 @@
           <a:cs typeface="+mn-cs"/>
         </a:defRPr>
       </a:lvl7pPr>
-      <a:lvl8pPr marL="3200400" algn="l" defTabSz="914400" rtl="0" eaLnBrk="1" latinLnBrk="0" hangingPunct="1">
-        <a:defRPr sz="1800" kern="1200">
+      <a:lvl8pPr marL="3200400" algn="l" rtl="0" eaLnBrk="1" latinLnBrk="0" hangingPunct="1">
+        <a:defRPr kumimoji="0" kern="1200">
           <a:solidFill>
             <a:schemeClr val="tx1"/>
           </a:solidFill>
@@ -2945,8 +4594,8 @@
           <a:cs typeface="+mn-cs"/>
         </a:defRPr>
       </a:lvl8pPr>
-      <a:lvl9pPr marL="3657600" algn="l" defTabSz="914400" rtl="0" eaLnBrk="1" latinLnBrk="0" hangingPunct="1">
-        <a:defRPr sz="1800" kern="1200">
+      <a:lvl9pPr marL="3657600" algn="l" rtl="0" eaLnBrk="1" latinLnBrk="0" hangingPunct="1">
+        <a:defRPr kumimoji="0" kern="1200">
           <a:solidFill>
             <a:schemeClr val="tx1"/>
           </a:solidFill>
@@ -2955,6 +4604,7 @@
           <a:cs typeface="+mn-cs"/>
         </a:defRPr>
       </a:lvl9pPr>
+      <a:extLst/>
     </p:otherStyle>
   </p:txStyles>
 </p:sldMaster>
@@ -3012,7 +4662,9 @@
         </p:nvSpPr>
         <p:spPr/>
         <p:txBody>
-          <a:bodyPr/>
+          <a:bodyPr>
+            <a:normAutofit fontScale="92500" lnSpcReduction="20000"/>
+          </a:bodyPr>
           <a:lstStyle/>
           <a:p>
             <a:pPr algn="r"/>
@@ -3070,7 +4722,7 @@
     </p:spTree>
     <p:extLst>
       <p:ext uri="{BB962C8B-B14F-4D97-AF65-F5344CB8AC3E}">
-        <p14:creationId xmlns:p14="http://schemas.microsoft.com/office/powerpoint/2010/main" val="3169347930"/>
+        <p14:creationId xmlns:p14="http://schemas.microsoft.com/office/powerpoint/2010/main" xmlns="" val="3169347930"/>
       </p:ext>
     </p:extLst>
   </p:cSld>
@@ -3088,8 +4740,36 @@
 </file>
 
 <file path=ppt/slides/slide2.xml><?xml version="1.0" encoding="utf-8"?>
-<p:sld xmlns:a="http://schemas.openxmlformats.org/drawingml/2006/main" xmlns:r="http://schemas.openxmlformats.org/officeDocument/2006/relationships" xmlns:p="http://schemas.openxmlformats.org/presentationml/2006/main">
+<p:sld xmlns:a="http://schemas.openxmlformats.org/drawingml/2006/main" xmlns:r="http://schemas.openxmlformats.org/officeDocument/2006/relationships" xmlns:p="http://schemas.openxmlformats.org/presentationml/2006/main" showMasterSp="0">
   <p:cSld>
+    <p:bg>
+      <p:bgPr>
+        <a:gradFill>
+          <a:gsLst>
+            <a:gs pos="0">
+              <a:schemeClr val="accent1">
+                <a:tint val="66000"/>
+                <a:satMod val="160000"/>
+              </a:schemeClr>
+            </a:gs>
+            <a:gs pos="50000">
+              <a:schemeClr val="accent1">
+                <a:tint val="44500"/>
+                <a:satMod val="160000"/>
+              </a:schemeClr>
+            </a:gs>
+            <a:gs pos="100000">
+              <a:schemeClr val="accent1">
+                <a:tint val="23500"/>
+                <a:satMod val="160000"/>
+              </a:schemeClr>
+            </a:gs>
+          </a:gsLst>
+          <a:lin ang="5400000" scaled="0"/>
+        </a:gradFill>
+        <a:effectLst/>
+      </p:bgPr>
+    </p:bg>
     <p:spTree>
       <p:nvGrpSpPr>
         <p:cNvPr id="1" name=""/>
@@ -3106,12 +4786,12 @@
       </p:grpSpPr>
       <p:sp>
         <p:nvSpPr>
-          <p:cNvPr id="2" name="Title 1"/>
-          <p:cNvSpPr>
-            <a:spLocks noGrp="1"/>
-          </p:cNvSpPr>
-          <p:nvPr>
-            <p:ph type="title"/>
+          <p:cNvPr id="3" name="Content Placeholder 2"/>
+          <p:cNvSpPr>
+            <a:spLocks noGrp="1"/>
+          </p:cNvSpPr>
+          <p:nvPr>
+            <p:ph idx="1"/>
           </p:nvPr>
         </p:nvSpPr>
         <p:spPr/>
@@ -3121,7 +4801,38 @@
           <a:p>
             <a:r>
               <a:rPr lang="en-US" dirty="0" smtClean="0"/>
-              <a:t>Outline</a:t>
+              <a:t>Overview</a:t>
+            </a:r>
+            <a:endParaRPr lang="en-US" dirty="0" smtClean="0"/>
+          </a:p>
+          <a:p>
+            <a:r>
+              <a:rPr lang="en-US" dirty="0" smtClean="0"/>
+              <a:t>Table scheme</a:t>
+            </a:r>
+          </a:p>
+          <a:p>
+            <a:r>
+              <a:rPr lang="en-US" dirty="0" smtClean="0"/>
+              <a:t>Architecture</a:t>
+            </a:r>
+          </a:p>
+          <a:p>
+            <a:r>
+              <a:rPr lang="en-US" dirty="0" smtClean="0"/>
+              <a:t>Technical details</a:t>
+            </a:r>
+          </a:p>
+          <a:p>
+            <a:r>
+              <a:rPr lang="en-US" dirty="0" smtClean="0"/>
+              <a:t>Demo</a:t>
+            </a:r>
+          </a:p>
+          <a:p>
+            <a:r>
+              <a:rPr lang="en-US" dirty="0" smtClean="0"/>
+              <a:t>Future work</a:t>
             </a:r>
             <a:endParaRPr lang="en-US" dirty="0"/>
           </a:p>
@@ -3129,12 +4840,12 @@
       </p:sp>
       <p:sp>
         <p:nvSpPr>
-          <p:cNvPr id="3" name="Content Placeholder 2"/>
-          <p:cNvSpPr>
-            <a:spLocks noGrp="1"/>
-          </p:cNvSpPr>
-          <p:nvPr>
-            <p:ph idx="1"/>
+          <p:cNvPr id="2" name="Title 1"/>
+          <p:cNvSpPr>
+            <a:spLocks noGrp="1"/>
+          </p:cNvSpPr>
+          <p:nvPr>
+            <p:ph type="title"/>
           </p:nvPr>
         </p:nvSpPr>
         <p:spPr/>
@@ -3144,37 +4855,7 @@
           <a:p>
             <a:r>
               <a:rPr lang="en-US" dirty="0" smtClean="0"/>
-              <a:t>Overview</a:t>
-            </a:r>
-          </a:p>
-          <a:p>
-            <a:r>
-              <a:rPr lang="en-US" dirty="0" smtClean="0"/>
-              <a:t>Table scheme</a:t>
-            </a:r>
-          </a:p>
-          <a:p>
-            <a:r>
-              <a:rPr lang="en-US" dirty="0" smtClean="0"/>
-              <a:t>Architecture</a:t>
-            </a:r>
-          </a:p>
-          <a:p>
-            <a:r>
-              <a:rPr lang="en-US" dirty="0" smtClean="0"/>
-              <a:t>Technical details</a:t>
-            </a:r>
-          </a:p>
-          <a:p>
-            <a:r>
-              <a:rPr lang="en-US" dirty="0" smtClean="0"/>
-              <a:t>Demo</a:t>
-            </a:r>
-          </a:p>
-          <a:p>
-            <a:r>
-              <a:rPr lang="en-US" dirty="0" smtClean="0"/>
-              <a:t>Future work</a:t>
+              <a:t>Outline</a:t>
             </a:r>
             <a:endParaRPr lang="en-US" dirty="0"/>
           </a:p>
@@ -3183,7 +4864,7 @@
     </p:spTree>
     <p:extLst>
       <p:ext uri="{BB962C8B-B14F-4D97-AF65-F5344CB8AC3E}">
-        <p14:creationId xmlns:p14="http://schemas.microsoft.com/office/powerpoint/2010/main" val="3939865641"/>
+        <p14:creationId xmlns:p14="http://schemas.microsoft.com/office/powerpoint/2010/main" xmlns="" val="3939865641"/>
       </p:ext>
     </p:extLst>
   </p:cSld>
@@ -3219,12 +4900,12 @@
       </p:grpSpPr>
       <p:sp>
         <p:nvSpPr>
-          <p:cNvPr id="2" name="Title 1"/>
-          <p:cNvSpPr>
-            <a:spLocks noGrp="1"/>
-          </p:cNvSpPr>
-          <p:nvPr>
-            <p:ph type="title"/>
+          <p:cNvPr id="3" name="Content Placeholder 2"/>
+          <p:cNvSpPr>
+            <a:spLocks noGrp="1"/>
+          </p:cNvSpPr>
+          <p:nvPr>
+            <p:ph idx="1"/>
           </p:nvPr>
         </p:nvSpPr>
         <p:spPr/>
@@ -3234,7 +4915,31 @@
           <a:p>
             <a:r>
               <a:rPr lang="en-US" dirty="0" smtClean="0"/>
-              <a:t>Overview</a:t>
+              <a:t>Trading system</a:t>
+            </a:r>
+          </a:p>
+          <a:p>
+            <a:r>
+              <a:rPr lang="en-US" dirty="0" smtClean="0"/>
+              <a:t>Watch real time market data</a:t>
+            </a:r>
+          </a:p>
+          <a:p>
+            <a:r>
+              <a:rPr lang="en-US" dirty="0" smtClean="0"/>
+              <a:t>Buy and sell stocks</a:t>
+            </a:r>
+          </a:p>
+          <a:p>
+            <a:r>
+              <a:rPr lang="en-US" dirty="0" smtClean="0"/>
+              <a:t>Search transaction history</a:t>
+            </a:r>
+          </a:p>
+          <a:p>
+            <a:r>
+              <a:rPr lang="en-US" dirty="0" smtClean="0"/>
+              <a:t>Visualization</a:t>
             </a:r>
             <a:endParaRPr lang="en-US" dirty="0"/>
           </a:p>
@@ -3242,12 +4947,12 @@
       </p:sp>
       <p:sp>
         <p:nvSpPr>
-          <p:cNvPr id="3" name="Content Placeholder 2"/>
-          <p:cNvSpPr>
-            <a:spLocks noGrp="1"/>
-          </p:cNvSpPr>
-          <p:nvPr>
-            <p:ph idx="1"/>
+          <p:cNvPr id="2" name="Title 1"/>
+          <p:cNvSpPr>
+            <a:spLocks noGrp="1"/>
+          </p:cNvSpPr>
+          <p:nvPr>
+            <p:ph type="title"/>
           </p:nvPr>
         </p:nvSpPr>
         <p:spPr/>
@@ -3257,31 +4962,7 @@
           <a:p>
             <a:r>
               <a:rPr lang="en-US" dirty="0" smtClean="0"/>
-              <a:t>Trading system</a:t>
-            </a:r>
-          </a:p>
-          <a:p>
-            <a:r>
-              <a:rPr lang="en-US" dirty="0" smtClean="0"/>
-              <a:t>Watch real time market data</a:t>
-            </a:r>
-          </a:p>
-          <a:p>
-            <a:r>
-              <a:rPr lang="en-US" dirty="0" smtClean="0"/>
-              <a:t>Buy and sell stocks</a:t>
-            </a:r>
-          </a:p>
-          <a:p>
-            <a:r>
-              <a:rPr lang="en-US" dirty="0" smtClean="0"/>
-              <a:t>Search transaction history</a:t>
-            </a:r>
-          </a:p>
-          <a:p>
-            <a:r>
-              <a:rPr lang="en-US" dirty="0" smtClean="0"/>
-              <a:t>Visualization</a:t>
+              <a:t>Overview</a:t>
             </a:r>
             <a:endParaRPr lang="en-US" dirty="0"/>
           </a:p>
@@ -3290,7 +4971,7 @@
     </p:spTree>
     <p:extLst>
       <p:ext uri="{BB962C8B-B14F-4D97-AF65-F5344CB8AC3E}">
-        <p14:creationId xmlns:p14="http://schemas.microsoft.com/office/powerpoint/2010/main" val="4250853477"/>
+        <p14:creationId xmlns:p14="http://schemas.microsoft.com/office/powerpoint/2010/main" xmlns="" val="4250853477"/>
       </p:ext>
     </p:extLst>
   </p:cSld>
@@ -3324,36 +5005,6 @@
           <a:chExt cx="0" cy="0"/>
         </a:xfrm>
       </p:grpSpPr>
-      <p:sp>
-        <p:nvSpPr>
-          <p:cNvPr id="2" name="Title 1"/>
-          <p:cNvSpPr>
-            <a:spLocks noGrp="1"/>
-          </p:cNvSpPr>
-          <p:nvPr>
-            <p:ph type="title"/>
-          </p:nvPr>
-        </p:nvSpPr>
-        <p:spPr>
-          <a:xfrm>
-            <a:off x="838200" y="365125"/>
-            <a:ext cx="10515600" cy="643543"/>
-          </a:xfrm>
-        </p:spPr>
-        <p:txBody>
-          <a:bodyPr>
-            <a:normAutofit fontScale="90000"/>
-          </a:bodyPr>
-          <a:lstStyle/>
-          <a:p>
-            <a:r>
-              <a:rPr lang="en-US" dirty="0" smtClean="0"/>
-              <a:t>Table Scheme</a:t>
-            </a:r>
-            <a:endParaRPr lang="en-US" dirty="0"/>
-          </a:p>
-        </p:txBody>
-      </p:sp>
       <p:pic>
         <p:nvPicPr>
           <p:cNvPr id="4" name="Content Placeholder 3"/>
@@ -3368,7 +5019,7 @@
           <a:blip r:embed="rId2" cstate="print">
             <a:extLst>
               <a:ext uri="{28A0092B-C50C-407E-A947-70E740481C1C}">
-                <a14:useLocalDpi xmlns:a14="http://schemas.microsoft.com/office/drawing/2010/main" val="0"/>
+                <a14:useLocalDpi xmlns:a14="http://schemas.microsoft.com/office/drawing/2010/main" xmlns="" val="0"/>
               </a:ext>
             </a:extLst>
           </a:blip>
@@ -3378,15 +5029,45 @@
         </p:blipFill>
         <p:spPr>
           <a:xfrm>
-            <a:off x="2697182" y="1128042"/>
+            <a:off x="4371746" y="940755"/>
             <a:ext cx="6786183" cy="5427944"/>
           </a:xfrm>
         </p:spPr>
       </p:pic>
+      <p:sp>
+        <p:nvSpPr>
+          <p:cNvPr id="2" name="Title 1"/>
+          <p:cNvSpPr>
+            <a:spLocks noGrp="1"/>
+          </p:cNvSpPr>
+          <p:nvPr>
+            <p:ph type="title"/>
+          </p:nvPr>
+        </p:nvSpPr>
+        <p:spPr>
+          <a:xfrm>
+            <a:off x="838200" y="365125"/>
+            <a:ext cx="10515600" cy="643543"/>
+          </a:xfrm>
+        </p:spPr>
+        <p:txBody>
+          <a:bodyPr>
+            <a:normAutofit fontScale="90000"/>
+          </a:bodyPr>
+          <a:lstStyle/>
+          <a:p>
+            <a:r>
+              <a:rPr lang="en-US" dirty="0" smtClean="0"/>
+              <a:t>Table Scheme</a:t>
+            </a:r>
+            <a:endParaRPr lang="en-US" dirty="0"/>
+          </a:p>
+        </p:txBody>
+      </p:sp>
     </p:spTree>
     <p:extLst>
       <p:ext uri="{BB962C8B-B14F-4D97-AF65-F5344CB8AC3E}">
-        <p14:creationId xmlns:p14="http://schemas.microsoft.com/office/powerpoint/2010/main" val="744812305"/>
+        <p14:creationId xmlns:p14="http://schemas.microsoft.com/office/powerpoint/2010/main" xmlns="" val="744812305"/>
       </p:ext>
     </p:extLst>
   </p:cSld>
@@ -3420,36 +5101,6 @@
           <a:chExt cx="0" cy="0"/>
         </a:xfrm>
       </p:grpSpPr>
-      <p:sp>
-        <p:nvSpPr>
-          <p:cNvPr id="2" name="Title 1"/>
-          <p:cNvSpPr>
-            <a:spLocks noGrp="1"/>
-          </p:cNvSpPr>
-          <p:nvPr>
-            <p:ph type="title"/>
-          </p:nvPr>
-        </p:nvSpPr>
-        <p:spPr>
-          <a:xfrm>
-            <a:off x="838200" y="365125"/>
-            <a:ext cx="10515600" cy="643543"/>
-          </a:xfrm>
-        </p:spPr>
-        <p:txBody>
-          <a:bodyPr>
-            <a:normAutofit fontScale="90000"/>
-          </a:bodyPr>
-          <a:lstStyle/>
-          <a:p>
-            <a:r>
-              <a:rPr lang="en-US" dirty="0" smtClean="0"/>
-              <a:t>Architecture</a:t>
-            </a:r>
-            <a:endParaRPr lang="en-US" dirty="0"/>
-          </a:p>
-        </p:txBody>
-      </p:sp>
       <p:pic>
         <p:nvPicPr>
           <p:cNvPr id="6" name="Content Placeholder 5"/>
@@ -3464,7 +5115,7 @@
           <a:blip r:embed="rId2" cstate="print">
             <a:extLst>
               <a:ext uri="{28A0092B-C50C-407E-A947-70E740481C1C}">
-                <a14:useLocalDpi xmlns:a14="http://schemas.microsoft.com/office/drawing/2010/main" val="0"/>
+                <a14:useLocalDpi xmlns:a14="http://schemas.microsoft.com/office/drawing/2010/main" xmlns="" val="0"/>
               </a:ext>
             </a:extLst>
           </a:blip>
@@ -3474,15 +5125,45 @@
         </p:blipFill>
         <p:spPr>
           <a:xfrm>
-            <a:off x="2090379" y="1156321"/>
+            <a:off x="3797993" y="792764"/>
             <a:ext cx="8011242" cy="5577513"/>
           </a:xfrm>
         </p:spPr>
       </p:pic>
+      <p:sp>
+        <p:nvSpPr>
+          <p:cNvPr id="2" name="Title 1"/>
+          <p:cNvSpPr>
+            <a:spLocks noGrp="1"/>
+          </p:cNvSpPr>
+          <p:nvPr>
+            <p:ph type="title"/>
+          </p:nvPr>
+        </p:nvSpPr>
+        <p:spPr>
+          <a:xfrm>
+            <a:off x="838200" y="365125"/>
+            <a:ext cx="10515600" cy="643543"/>
+          </a:xfrm>
+        </p:spPr>
+        <p:txBody>
+          <a:bodyPr>
+            <a:normAutofit fontScale="90000"/>
+          </a:bodyPr>
+          <a:lstStyle/>
+          <a:p>
+            <a:r>
+              <a:rPr lang="en-US" dirty="0" smtClean="0"/>
+              <a:t>Architecture</a:t>
+            </a:r>
+            <a:endParaRPr lang="en-US" dirty="0"/>
+          </a:p>
+        </p:txBody>
+      </p:sp>
     </p:spTree>
     <p:extLst>
       <p:ext uri="{BB962C8B-B14F-4D97-AF65-F5344CB8AC3E}">
-        <p14:creationId xmlns:p14="http://schemas.microsoft.com/office/powerpoint/2010/main" val="3530036760"/>
+        <p14:creationId xmlns:p14="http://schemas.microsoft.com/office/powerpoint/2010/main" xmlns="" val="3530036760"/>
       </p:ext>
     </p:extLst>
   </p:cSld>
@@ -3516,34 +5197,6 @@
           <a:chExt cx="0" cy="0"/>
         </a:xfrm>
       </p:grpSpPr>
-      <p:sp>
-        <p:nvSpPr>
-          <p:cNvPr id="2" name="Title 1"/>
-          <p:cNvSpPr>
-            <a:spLocks noGrp="1"/>
-          </p:cNvSpPr>
-          <p:nvPr>
-            <p:ph type="title"/>
-          </p:nvPr>
-        </p:nvSpPr>
-        <p:spPr>
-          <a:xfrm>
-            <a:off x="838200" y="365126"/>
-            <a:ext cx="10515600" cy="1001762"/>
-          </a:xfrm>
-        </p:spPr>
-        <p:txBody>
-          <a:bodyPr/>
-          <a:lstStyle/>
-          <a:p>
-            <a:r>
-              <a:rPr lang="en-US" dirty="0" smtClean="0"/>
-              <a:t>Technical Details</a:t>
-            </a:r>
-            <a:endParaRPr lang="en-US" dirty="0"/>
-          </a:p>
-        </p:txBody>
-      </p:sp>
       <p:graphicFrame>
         <p:nvGraphicFramePr>
           <p:cNvPr id="5" name="Content Placeholder 4"/>
@@ -3554,13 +5207,13 @@
             <p:ph idx="1"/>
             <p:extLst>
               <p:ext uri="{D42A27DB-BD31-4B8C-83A1-F6EECF244321}">
-                <p14:modId xmlns:p14="http://schemas.microsoft.com/office/powerpoint/2010/main" val="1023877498"/>
+                <p14:modId xmlns:p14="http://schemas.microsoft.com/office/powerpoint/2010/main" xmlns="" val="1023877498"/>
               </p:ext>
             </p:extLst>
           </p:nvPr>
         </p:nvGraphicFramePr>
         <p:xfrm>
-          <a:off x="838200" y="1489435"/>
+          <a:off x="1400061" y="993675"/>
           <a:ext cx="10515600" cy="4949076"/>
         </p:xfrm>
         <a:graphic>
@@ -3949,10 +5602,38 @@
           </a:graphicData>
         </a:graphic>
       </p:graphicFrame>
+      <p:sp>
+        <p:nvSpPr>
+          <p:cNvPr id="2" name="Title 1"/>
+          <p:cNvSpPr>
+            <a:spLocks noGrp="1"/>
+          </p:cNvSpPr>
+          <p:nvPr>
+            <p:ph type="title"/>
+          </p:nvPr>
+        </p:nvSpPr>
+        <p:spPr>
+          <a:xfrm>
+            <a:off x="739048" y="199873"/>
+            <a:ext cx="10515600" cy="1001762"/>
+          </a:xfrm>
+        </p:spPr>
+        <p:txBody>
+          <a:bodyPr/>
+          <a:lstStyle/>
+          <a:p>
+            <a:r>
+              <a:rPr lang="en-US" dirty="0" smtClean="0"/>
+              <a:t>Technical Details</a:t>
+            </a:r>
+            <a:endParaRPr lang="en-US" dirty="0"/>
+          </a:p>
+        </p:txBody>
+      </p:sp>
     </p:spTree>
     <p:extLst>
       <p:ext uri="{BB962C8B-B14F-4D97-AF65-F5344CB8AC3E}">
-        <p14:creationId xmlns:p14="http://schemas.microsoft.com/office/powerpoint/2010/main" val="2634921411"/>
+        <p14:creationId xmlns:p14="http://schemas.microsoft.com/office/powerpoint/2010/main" xmlns="" val="2634921411"/>
       </p:ext>
     </p:extLst>
   </p:cSld>
@@ -3988,12 +5669,12 @@
       </p:grpSpPr>
       <p:sp>
         <p:nvSpPr>
-          <p:cNvPr id="2" name="Title 1"/>
-          <p:cNvSpPr>
-            <a:spLocks noGrp="1"/>
-          </p:cNvSpPr>
-          <p:nvPr>
-            <p:ph type="title"/>
+          <p:cNvPr id="3" name="Content Placeholder 2"/>
+          <p:cNvSpPr>
+            <a:spLocks noGrp="1"/>
+          </p:cNvSpPr>
+          <p:nvPr>
+            <p:ph idx="1"/>
           </p:nvPr>
         </p:nvSpPr>
         <p:spPr/>
@@ -4003,7 +5684,37 @@
           <a:p>
             <a:r>
               <a:rPr lang="en-US" dirty="0" smtClean="0"/>
-              <a:t>Demo</a:t>
+              <a:t>Login/Register/Logout</a:t>
+            </a:r>
+          </a:p>
+          <a:p>
+            <a:r>
+              <a:rPr lang="en-US" dirty="0" smtClean="0"/>
+              <a:t>Market data</a:t>
+            </a:r>
+          </a:p>
+          <a:p>
+            <a:r>
+              <a:rPr lang="en-US" dirty="0" smtClean="0"/>
+              <a:t>Transaction</a:t>
+            </a:r>
+          </a:p>
+          <a:p>
+            <a:r>
+              <a:rPr lang="en-US" dirty="0" smtClean="0"/>
+              <a:t>Portfolio</a:t>
+            </a:r>
+          </a:p>
+          <a:p>
+            <a:r>
+              <a:rPr lang="en-US" dirty="0" smtClean="0"/>
+              <a:t>History</a:t>
+            </a:r>
+          </a:p>
+          <a:p>
+            <a:r>
+              <a:rPr lang="en-US" dirty="0" smtClean="0"/>
+              <a:t>Admin</a:t>
             </a:r>
             <a:endParaRPr lang="en-US" dirty="0"/>
           </a:p>
@@ -4011,12 +5722,12 @@
       </p:sp>
       <p:sp>
         <p:nvSpPr>
-          <p:cNvPr id="3" name="Content Placeholder 2"/>
-          <p:cNvSpPr>
-            <a:spLocks noGrp="1"/>
-          </p:cNvSpPr>
-          <p:nvPr>
-            <p:ph idx="1"/>
+          <p:cNvPr id="2" name="Title 1"/>
+          <p:cNvSpPr>
+            <a:spLocks noGrp="1"/>
+          </p:cNvSpPr>
+          <p:nvPr>
+            <p:ph type="title"/>
           </p:nvPr>
         </p:nvSpPr>
         <p:spPr/>
@@ -4026,37 +5737,7 @@
           <a:p>
             <a:r>
               <a:rPr lang="en-US" dirty="0" smtClean="0"/>
-              <a:t>Login/Register/Logout</a:t>
-            </a:r>
-          </a:p>
-          <a:p>
-            <a:r>
-              <a:rPr lang="en-US" dirty="0" smtClean="0"/>
-              <a:t>Market data</a:t>
-            </a:r>
-          </a:p>
-          <a:p>
-            <a:r>
-              <a:rPr lang="en-US" dirty="0" smtClean="0"/>
-              <a:t>Transaction</a:t>
-            </a:r>
-          </a:p>
-          <a:p>
-            <a:r>
-              <a:rPr lang="en-US" dirty="0" smtClean="0"/>
-              <a:t>Portfolio</a:t>
-            </a:r>
-          </a:p>
-          <a:p>
-            <a:r>
-              <a:rPr lang="en-US" dirty="0" smtClean="0"/>
-              <a:t>History</a:t>
-            </a:r>
-          </a:p>
-          <a:p>
-            <a:r>
-              <a:rPr lang="en-US" dirty="0" smtClean="0"/>
-              <a:t>Admin</a:t>
+              <a:t>Demo</a:t>
             </a:r>
             <a:endParaRPr lang="en-US" dirty="0"/>
           </a:p>
@@ -4065,7 +5746,7 @@
     </p:spTree>
     <p:extLst>
       <p:ext uri="{BB962C8B-B14F-4D97-AF65-F5344CB8AC3E}">
-        <p14:creationId xmlns:p14="http://schemas.microsoft.com/office/powerpoint/2010/main" val="2331405887"/>
+        <p14:creationId xmlns:p14="http://schemas.microsoft.com/office/powerpoint/2010/main" xmlns="" val="2331405887"/>
       </p:ext>
     </p:extLst>
   </p:cSld>
@@ -4101,12 +5782,12 @@
       </p:grpSpPr>
       <p:sp>
         <p:nvSpPr>
-          <p:cNvPr id="2" name="Title 1"/>
-          <p:cNvSpPr>
-            <a:spLocks noGrp="1"/>
-          </p:cNvSpPr>
-          <p:nvPr>
-            <p:ph type="title"/>
+          <p:cNvPr id="3" name="Content Placeholder 2"/>
+          <p:cNvSpPr>
+            <a:spLocks noGrp="1"/>
+          </p:cNvSpPr>
+          <p:nvPr>
+            <p:ph idx="1"/>
           </p:nvPr>
         </p:nvSpPr>
         <p:spPr/>
@@ -4116,7 +5797,13 @@
           <a:p>
             <a:r>
               <a:rPr lang="en-US" dirty="0" smtClean="0"/>
-              <a:t>Future work</a:t>
+              <a:t>Let user decide interested fields</a:t>
+            </a:r>
+          </a:p>
+          <a:p>
+            <a:r>
+              <a:rPr lang="en-US" dirty="0" smtClean="0"/>
+              <a:t>More advanced trading system</a:t>
             </a:r>
             <a:endParaRPr lang="en-US" dirty="0"/>
           </a:p>
@@ -4124,12 +5811,12 @@
       </p:sp>
       <p:sp>
         <p:nvSpPr>
-          <p:cNvPr id="3" name="Content Placeholder 2"/>
-          <p:cNvSpPr>
-            <a:spLocks noGrp="1"/>
-          </p:cNvSpPr>
-          <p:nvPr>
-            <p:ph idx="1"/>
+          <p:cNvPr id="2" name="Title 1"/>
+          <p:cNvSpPr>
+            <a:spLocks noGrp="1"/>
+          </p:cNvSpPr>
+          <p:nvPr>
+            <p:ph type="title"/>
           </p:nvPr>
         </p:nvSpPr>
         <p:spPr/>
@@ -4139,13 +5826,7 @@
           <a:p>
             <a:r>
               <a:rPr lang="en-US" dirty="0" smtClean="0"/>
-              <a:t>Let user decide interested fields</a:t>
-            </a:r>
-          </a:p>
-          <a:p>
-            <a:r>
-              <a:rPr lang="en-US" dirty="0" smtClean="0"/>
-              <a:t>More advanced trading system</a:t>
+              <a:t>Future work</a:t>
             </a:r>
             <a:endParaRPr lang="en-US" dirty="0"/>
           </a:p>
@@ -4154,7 +5835,7 @@
     </p:spTree>
     <p:extLst>
       <p:ext uri="{BB962C8B-B14F-4D97-AF65-F5344CB8AC3E}">
-        <p14:creationId xmlns:p14="http://schemas.microsoft.com/office/powerpoint/2010/main" val="1203979581"/>
+        <p14:creationId xmlns:p14="http://schemas.microsoft.com/office/powerpoint/2010/main" xmlns="" val="1203979581"/>
       </p:ext>
     </p:extLst>
   </p:cSld>
@@ -4239,7 +5920,7 @@
     </p:spTree>
     <p:extLst>
       <p:ext uri="{BB962C8B-B14F-4D97-AF65-F5344CB8AC3E}">
-        <p14:creationId xmlns:p14="http://schemas.microsoft.com/office/powerpoint/2010/main" val="3004599966"/>
+        <p14:creationId xmlns:p14="http://schemas.microsoft.com/office/powerpoint/2010/main" xmlns="" val="3004599966"/>
       </p:ext>
     </p:extLst>
   </p:cSld>
@@ -4257,9 +5938,9 @@
 </file>
 
 <file path=ppt/theme/theme1.xml><?xml version="1.0" encoding="utf-8"?>
-<a:theme xmlns:a="http://schemas.openxmlformats.org/drawingml/2006/main" name="Office Theme">
+<a:theme xmlns:a="http://schemas.openxmlformats.org/drawingml/2006/main" name="Concourse">
   <a:themeElements>
-    <a:clrScheme name="Office">
+    <a:clrScheme name="Concourse">
       <a:dk1>
         <a:sysClr val="windowText" lastClr="000000"/>
       </a:dk1>
@@ -4267,80 +5948,45 @@
         <a:sysClr val="window" lastClr="FFFFFF"/>
       </a:lt1>
       <a:dk2>
-        <a:srgbClr val="44546A"/>
+        <a:srgbClr val="464646"/>
       </a:dk2>
       <a:lt2>
-        <a:srgbClr val="E7E6E6"/>
+        <a:srgbClr val="DEF5FA"/>
       </a:lt2>
       <a:accent1>
-        <a:srgbClr val="5B9BD5"/>
+        <a:srgbClr val="2DA2BF"/>
       </a:accent1>
       <a:accent2>
-        <a:srgbClr val="ED7D31"/>
+        <a:srgbClr val="DA1F28"/>
       </a:accent2>
       <a:accent3>
-        <a:srgbClr val="A5A5A5"/>
+        <a:srgbClr val="EB641B"/>
       </a:accent3>
       <a:accent4>
-        <a:srgbClr val="FFC000"/>
+        <a:srgbClr val="39639D"/>
       </a:accent4>
       <a:accent5>
-        <a:srgbClr val="4472C4"/>
+        <a:srgbClr val="474B78"/>
       </a:accent5>
       <a:accent6>
-        <a:srgbClr val="70AD47"/>
+        <a:srgbClr val="7D3C4A"/>
       </a:accent6>
       <a:hlink>
-        <a:srgbClr val="0563C1"/>
+        <a:srgbClr val="FF8119"/>
       </a:hlink>
       <a:folHlink>
-        <a:srgbClr val="954F72"/>
+        <a:srgbClr val="44B9E8"/>
       </a:folHlink>
     </a:clrScheme>
-    <a:fontScheme name="Office">
+    <a:fontScheme name="Concourse">
       <a:majorFont>
-        <a:latin typeface="Calibri Light" panose="020F0302020204030204"/>
+        <a:latin typeface="Lucida Sans Unicode"/>
         <a:ea typeface=""/>
         <a:cs typeface=""/>
         <a:font script="Jpan" typeface="ＭＳ Ｐゴシック"/>
         <a:font script="Hang" typeface="맑은 고딕"/>
-        <a:font script="Hans" typeface="宋体"/>
-        <a:font script="Hant" typeface="新細明體"/>
-        <a:font script="Arab" typeface="Times New Roman"/>
-        <a:font script="Hebr" typeface="Times New Roman"/>
-        <a:font script="Thai" typeface="Angsana New"/>
-        <a:font script="Ethi" typeface="Nyala"/>
-        <a:font script="Beng" typeface="Vrinda"/>
-        <a:font script="Gujr" typeface="Shruti"/>
-        <a:font script="Khmr" typeface="MoolBoran"/>
-        <a:font script="Knda" typeface="Tunga"/>
-        <a:font script="Guru" typeface="Raavi"/>
-        <a:font script="Cans" typeface="Euphemia"/>
-        <a:font script="Cher" typeface="Plantagenet Cherokee"/>
-        <a:font script="Yiii" typeface="Microsoft Yi Baiti"/>
-        <a:font script="Tibt" typeface="Microsoft Himalaya"/>
-        <a:font script="Thaa" typeface="MV Boli"/>
-        <a:font script="Deva" typeface="Mangal"/>
-        <a:font script="Telu" typeface="Gautami"/>
-        <a:font script="Taml" typeface="Latha"/>
-        <a:font script="Syrc" typeface="Estrangelo Edessa"/>
-        <a:font script="Orya" typeface="Kalinga"/>
-        <a:font script="Mlym" typeface="Kartika"/>
-        <a:font script="Laoo" typeface="DokChampa"/>
-        <a:font script="Sinh" typeface="Iskoola Pota"/>
-        <a:font script="Mong" typeface="Mongolian Baiti"/>
-        <a:font script="Viet" typeface="Times New Roman"/>
-        <a:font script="Uigh" typeface="Microsoft Uighur"/>
-        <a:font script="Geor" typeface="Sylfaen"/>
-      </a:majorFont>
-      <a:minorFont>
-        <a:latin typeface="Calibri" panose="020F0502020204030204"/>
-        <a:ea typeface=""/>
-        <a:cs typeface=""/>
-        <a:font script="Jpan" typeface="ＭＳ Ｐゴシック"/>
-        <a:font script="Hang" typeface="맑은 고딕"/>
-        <a:font script="Hans" typeface="宋体"/>
-        <a:font script="Hant" typeface="新細明體"/>
+        <a:font script="Hans" typeface="黑体"/>
+        <a:font script="Hant" typeface="微軟正黑體"/>
         <a:font script="Arab" typeface="Arial"/>
         <a:font script="Hebr" typeface="Arial"/>
         <a:font script="Thai" typeface="Cordia New"/>
@@ -4364,12 +6010,43 @@
         <a:font script="Laoo" typeface="DokChampa"/>
         <a:font script="Sinh" typeface="Iskoola Pota"/>
         <a:font script="Mong" typeface="Mongolian Baiti"/>
-        <a:font script="Viet" typeface="Arial"/>
         <a:font script="Uigh" typeface="Microsoft Uighur"/>
-        <a:font script="Geor" typeface="Sylfaen"/>
+      </a:majorFont>
+      <a:minorFont>
+        <a:latin typeface="Lucida Sans Unicode"/>
+        <a:ea typeface=""/>
+        <a:cs typeface=""/>
+        <a:font script="Jpan" typeface="ＭＳ Ｐゴシック"/>
+        <a:font script="Hang" typeface="맑은 고딕"/>
+        <a:font script="Hans" typeface="黑体"/>
+        <a:font script="Hant" typeface="微軟正黑體"/>
+        <a:font script="Arab" typeface="Arial"/>
+        <a:font script="Hebr" typeface="Arial"/>
+        <a:font script="Thai" typeface="Cordia New"/>
+        <a:font script="Ethi" typeface="Nyala"/>
+        <a:font script="Beng" typeface="Vrinda"/>
+        <a:font script="Gujr" typeface="Shruti"/>
+        <a:font script="Khmr" typeface="DaunPenh"/>
+        <a:font script="Knda" typeface="Tunga"/>
+        <a:font script="Guru" typeface="Raavi"/>
+        <a:font script="Cans" typeface="Euphemia"/>
+        <a:font script="Cher" typeface="Plantagenet Cherokee"/>
+        <a:font script="Yiii" typeface="Microsoft Yi Baiti"/>
+        <a:font script="Tibt" typeface="Microsoft Himalaya"/>
+        <a:font script="Thaa" typeface="MV Boli"/>
+        <a:font script="Deva" typeface="Mangal"/>
+        <a:font script="Telu" typeface="Gautami"/>
+        <a:font script="Taml" typeface="Latha"/>
+        <a:font script="Syrc" typeface="Estrangelo Edessa"/>
+        <a:font script="Orya" typeface="Kalinga"/>
+        <a:font script="Mlym" typeface="Kartika"/>
+        <a:font script="Laoo" typeface="DokChampa"/>
+        <a:font script="Sinh" typeface="Iskoola Pota"/>
+        <a:font script="Mong" typeface="Mongolian Baiti"/>
+        <a:font script="Uigh" typeface="Microsoft Uighur"/>
       </a:minorFont>
     </a:fontScheme>
-    <a:fmtScheme name="Office">
+    <a:fmtScheme name="Concourse">
       <a:fillStyleLst>
         <a:solidFill>
           <a:schemeClr val="phClr"/>
@@ -4378,141 +6055,169 @@
           <a:gsLst>
             <a:gs pos="0">
               <a:schemeClr val="phClr">
-                <a:lumMod val="110000"/>
-                <a:satMod val="105000"/>
-                <a:tint val="67000"/>
+                <a:tint val="62000"/>
+                <a:satMod val="180000"/>
               </a:schemeClr>
             </a:gs>
-            <a:gs pos="50000">
+            <a:gs pos="65000">
               <a:schemeClr val="phClr">
-                <a:lumMod val="105000"/>
-                <a:satMod val="103000"/>
-                <a:tint val="73000"/>
+                <a:tint val="32000"/>
+                <a:satMod val="250000"/>
               </a:schemeClr>
             </a:gs>
             <a:gs pos="100000">
               <a:schemeClr val="phClr">
-                <a:lumMod val="105000"/>
-                <a:satMod val="109000"/>
-                <a:tint val="81000"/>
+                <a:tint val="23000"/>
+                <a:satMod val="300000"/>
               </a:schemeClr>
             </a:gs>
           </a:gsLst>
-          <a:lin ang="5400000" scaled="0"/>
+          <a:lin ang="16200000" scaled="0"/>
         </a:gradFill>
         <a:gradFill rotWithShape="1">
           <a:gsLst>
             <a:gs pos="0">
               <a:schemeClr val="phClr">
-                <a:satMod val="103000"/>
-                <a:lumMod val="102000"/>
-                <a:tint val="94000"/>
+                <a:shade val="15000"/>
+                <a:satMod val="180000"/>
               </a:schemeClr>
             </a:gs>
             <a:gs pos="50000">
               <a:schemeClr val="phClr">
-                <a:satMod val="110000"/>
-                <a:lumMod val="100000"/>
-                <a:shade val="100000"/>
+                <a:shade val="45000"/>
+                <a:satMod val="170000"/>
+              </a:schemeClr>
+            </a:gs>
+            <a:gs pos="70000">
+              <a:schemeClr val="phClr">
+                <a:tint val="99000"/>
+                <a:shade val="65000"/>
+                <a:satMod val="155000"/>
               </a:schemeClr>
             </a:gs>
             <a:gs pos="100000">
               <a:schemeClr val="phClr">
-                <a:lumMod val="99000"/>
-                <a:satMod val="120000"/>
-                <a:shade val="78000"/>
+                <a:tint val="95500"/>
+                <a:shade val="100000"/>
+                <a:satMod val="155000"/>
               </a:schemeClr>
             </a:gs>
           </a:gsLst>
-          <a:lin ang="5400000" scaled="0"/>
+          <a:lin ang="16200000" scaled="0"/>
         </a:gradFill>
       </a:fillStyleLst>
       <a:lnStyleLst>
-        <a:ln w="6350" cap="flat" cmpd="sng" algn="ctr">
+        <a:ln w="9525" cap="flat" cmpd="sng" algn="ctr">
           <a:solidFill>
             <a:schemeClr val="phClr"/>
           </a:solidFill>
           <a:prstDash val="solid"/>
-          <a:miter lim="800000"/>
         </a:ln>
-        <a:ln w="12700" cap="flat" cmpd="sng" algn="ctr">
+        <a:ln w="55000" cap="flat" cmpd="thickThin" algn="ctr">
           <a:solidFill>
             <a:schemeClr val="phClr"/>
           </a:solidFill>
           <a:prstDash val="solid"/>
-          <a:miter lim="800000"/>
         </a:ln>
-        <a:ln w="19050" cap="flat" cmpd="sng" algn="ctr">
+        <a:ln w="63500" cap="flat" cmpd="thickThin" algn="ctr">
           <a:solidFill>
             <a:schemeClr val="phClr"/>
           </a:solidFill>
           <a:prstDash val="solid"/>
-          <a:miter lim="800000"/>
         </a:ln>
       </a:lnStyleLst>
       <a:effectStyleLst>
         <a:effectStyle>
-          <a:effectLst/>
-        </a:effectStyle>
-        <a:effectStyle>
-          <a:effectLst/>
+          <a:effectLst>
+            <a:outerShdw blurRad="50800" dist="38100" dir="5400000" rotWithShape="0">
+              <a:srgbClr val="000000">
+                <a:alpha val="35000"/>
+              </a:srgbClr>
+            </a:outerShdw>
+          </a:effectLst>
         </a:effectStyle>
         <a:effectStyle>
           <a:effectLst>
-            <a:outerShdw blurRad="57150" dist="19050" dir="5400000" algn="ctr" rotWithShape="0">
+            <a:outerShdw blurRad="50800" dist="38100" dir="5400000" rotWithShape="0">
               <a:srgbClr val="000000">
-                <a:alpha val="63000"/>
+                <a:alpha val="35000"/>
               </a:srgbClr>
             </a:outerShdw>
           </a:effectLst>
+        </a:effectStyle>
+        <a:effectStyle>
+          <a:effectLst>
+            <a:outerShdw blurRad="63500" dist="38100" dir="5400000" rotWithShape="0">
+              <a:srgbClr val="000000">
+                <a:alpha val="45000"/>
+              </a:srgbClr>
+            </a:outerShdw>
+          </a:effectLst>
+          <a:scene3d>
+            <a:camera prst="orthographicFront" fov="0">
+              <a:rot lat="0" lon="0" rev="0"/>
+            </a:camera>
+            <a:lightRig rig="glow" dir="t">
+              <a:rot lat="0" lon="0" rev="6360000"/>
+            </a:lightRig>
+          </a:scene3d>
+          <a:sp3d contourW="1000" prstMaterial="flat">
+            <a:bevelT w="95250" h="101600"/>
+            <a:contourClr>
+              <a:schemeClr val="phClr">
+                <a:satMod val="300000"/>
+              </a:schemeClr>
+            </a:contourClr>
+          </a:sp3d>
         </a:effectStyle>
       </a:effectStyleLst>
       <a:bgFillStyleLst>
         <a:solidFill>
           <a:schemeClr val="phClr"/>
         </a:solidFill>
-        <a:solidFill>
-          <a:schemeClr val="phClr">
-            <a:tint val="95000"/>
-            <a:satMod val="170000"/>
-          </a:schemeClr>
-        </a:solidFill>
         <a:gradFill rotWithShape="1">
           <a:gsLst>
             <a:gs pos="0">
               <a:schemeClr val="phClr">
-                <a:tint val="93000"/>
-                <a:satMod val="150000"/>
-                <a:shade val="98000"/>
-                <a:lumMod val="102000"/>
+                <a:tint val="55000"/>
+                <a:satMod val="300000"/>
               </a:schemeClr>
             </a:gs>
-            <a:gs pos="50000">
+            <a:gs pos="40000">
               <a:schemeClr val="phClr">
-                <a:tint val="98000"/>
-                <a:satMod val="130000"/>
-                <a:shade val="90000"/>
-                <a:lumMod val="103000"/>
+                <a:tint val="65000"/>
+                <a:satMod val="300000"/>
               </a:schemeClr>
             </a:gs>
             <a:gs pos="100000">
               <a:schemeClr val="phClr">
-                <a:shade val="63000"/>
-                <a:satMod val="120000"/>
+                <a:shade val="65000"/>
+                <a:satMod val="300000"/>
               </a:schemeClr>
             </a:gs>
           </a:gsLst>
-          <a:lin ang="5400000" scaled="0"/>
+          <a:path path="circle">
+            <a:fillToRect l="65000" b="98000"/>
+          </a:path>
         </a:gradFill>
+        <a:blipFill>
+          <a:blip xmlns:r="http://schemas.openxmlformats.org/officeDocument/2006/relationships" r:embed="rId1">
+            <a:duotone>
+              <a:schemeClr val="phClr">
+                <a:shade val="60000"/>
+                <a:satMod val="110000"/>
+              </a:schemeClr>
+              <a:schemeClr val="phClr">
+                <a:tint val="95000"/>
+              </a:schemeClr>
+            </a:duotone>
+          </a:blip>
+          <a:tile tx="0" ty="0" sx="50000" sy="50000" flip="none" algn="tl"/>
+        </a:blipFill>
       </a:bgFillStyleLst>
     </a:fmtScheme>
   </a:themeElements>
   <a:objectDefaults/>
   <a:extraClrSchemeLst/>
-  <a:extLst>
-    <a:ext uri="{05A4C25C-085E-4340-85A3-A5531E510DB2}">
-      <thm15:themeFamily xmlns:thm15="http://schemas.microsoft.com/office/thememl/2012/main" name="Office Theme" id="{62F939B6-93AF-4DB8-9C6B-D6C7DFDC589F}" vid="{4A3C46E8-61CC-4603-A589-7422A47A8E4A}"/>
-    </a:ext>
-  </a:extLst>
 </a:theme>
 </file>
--- a/TableScheme/YahooFinance.pptx
+++ b/TableScheme/YahooFinance.pptx
@@ -114,7 +114,18 @@
   </p:defaultTextStyle>
   <p:extLst>
     <p:ext uri="{EFAFB233-063F-42B5-8137-9DF3F51BA10A}">
-      <p15:sldGuideLst xmlns:p15="http://schemas.microsoft.com/office/powerpoint/2012/main" xmlns=""/>
+      <p15:sldGuideLst xmlns:p15="http://schemas.microsoft.com/office/powerpoint/2012/main">
+        <p15:guide id="1" orient="horz" pos="2160">
+          <p15:clr>
+            <a:srgbClr val="A4A3A4"/>
+          </p15:clr>
+        </p15:guide>
+        <p15:guide id="2" pos="3840">
+          <p15:clr>
+            <a:srgbClr val="A4A3A4"/>
+          </p15:clr>
+        </p15:guide>
+      </p15:sldGuideLst>
     </p:ext>
   </p:extLst>
 </p:presentation>
@@ -4722,7 +4733,7 @@
     </p:spTree>
     <p:extLst>
       <p:ext uri="{BB962C8B-B14F-4D97-AF65-F5344CB8AC3E}">
-        <p14:creationId xmlns:p14="http://schemas.microsoft.com/office/powerpoint/2010/main" xmlns="" val="3169347930"/>
+        <p14:creationId xmlns:p14="http://schemas.microsoft.com/office/powerpoint/2010/main" val="3169347930"/>
       </p:ext>
     </p:extLst>
   </p:cSld>
@@ -4803,7 +4814,6 @@
               <a:rPr lang="en-US" dirty="0" smtClean="0"/>
               <a:t>Overview</a:t>
             </a:r>
-            <a:endParaRPr lang="en-US" dirty="0" smtClean="0"/>
           </a:p>
           <a:p>
             <a:r>
@@ -4864,7 +4874,7 @@
     </p:spTree>
     <p:extLst>
       <p:ext uri="{BB962C8B-B14F-4D97-AF65-F5344CB8AC3E}">
-        <p14:creationId xmlns:p14="http://schemas.microsoft.com/office/powerpoint/2010/main" xmlns="" val="3939865641"/>
+        <p14:creationId xmlns:p14="http://schemas.microsoft.com/office/powerpoint/2010/main" val="3939865641"/>
       </p:ext>
     </p:extLst>
   </p:cSld>
@@ -4971,7 +4981,7 @@
     </p:spTree>
     <p:extLst>
       <p:ext uri="{BB962C8B-B14F-4D97-AF65-F5344CB8AC3E}">
-        <p14:creationId xmlns:p14="http://schemas.microsoft.com/office/powerpoint/2010/main" xmlns="" val="4250853477"/>
+        <p14:creationId xmlns:p14="http://schemas.microsoft.com/office/powerpoint/2010/main" val="4250853477"/>
       </p:ext>
     </p:extLst>
   </p:cSld>
@@ -5019,7 +5029,7 @@
           <a:blip r:embed="rId2" cstate="print">
             <a:extLst>
               <a:ext uri="{28A0092B-C50C-407E-A947-70E740481C1C}">
-                <a14:useLocalDpi xmlns:a14="http://schemas.microsoft.com/office/drawing/2010/main" xmlns="" val="0"/>
+                <a14:useLocalDpi xmlns:a14="http://schemas.microsoft.com/office/drawing/2010/main" val="0"/>
               </a:ext>
             </a:extLst>
           </a:blip>
@@ -5067,7 +5077,7 @@
     </p:spTree>
     <p:extLst>
       <p:ext uri="{BB962C8B-B14F-4D97-AF65-F5344CB8AC3E}">
-        <p14:creationId xmlns:p14="http://schemas.microsoft.com/office/powerpoint/2010/main" xmlns="" val="744812305"/>
+        <p14:creationId xmlns:p14="http://schemas.microsoft.com/office/powerpoint/2010/main" val="744812305"/>
       </p:ext>
     </p:extLst>
   </p:cSld>
@@ -5115,7 +5125,7 @@
           <a:blip r:embed="rId2" cstate="print">
             <a:extLst>
               <a:ext uri="{28A0092B-C50C-407E-A947-70E740481C1C}">
-                <a14:useLocalDpi xmlns:a14="http://schemas.microsoft.com/office/drawing/2010/main" xmlns="" val="0"/>
+                <a14:useLocalDpi xmlns:a14="http://schemas.microsoft.com/office/drawing/2010/main" val="0"/>
               </a:ext>
             </a:extLst>
           </a:blip>
@@ -5163,7 +5173,7 @@
     </p:spTree>
     <p:extLst>
       <p:ext uri="{BB962C8B-B14F-4D97-AF65-F5344CB8AC3E}">
-        <p14:creationId xmlns:p14="http://schemas.microsoft.com/office/powerpoint/2010/main" xmlns="" val="3530036760"/>
+        <p14:creationId xmlns:p14="http://schemas.microsoft.com/office/powerpoint/2010/main" val="3530036760"/>
       </p:ext>
     </p:extLst>
   </p:cSld>
@@ -5207,7 +5217,7 @@
             <p:ph idx="1"/>
             <p:extLst>
               <p:ext uri="{D42A27DB-BD31-4B8C-83A1-F6EECF244321}">
-                <p14:modId xmlns:p14="http://schemas.microsoft.com/office/powerpoint/2010/main" xmlns="" val="1023877498"/>
+                <p14:modId xmlns:p14="http://schemas.microsoft.com/office/powerpoint/2010/main" val="1023877498"/>
               </p:ext>
             </p:extLst>
           </p:nvPr>
@@ -5633,7 +5643,7 @@
     </p:spTree>
     <p:extLst>
       <p:ext uri="{BB962C8B-B14F-4D97-AF65-F5344CB8AC3E}">
-        <p14:creationId xmlns:p14="http://schemas.microsoft.com/office/powerpoint/2010/main" xmlns="" val="2634921411"/>
+        <p14:creationId xmlns:p14="http://schemas.microsoft.com/office/powerpoint/2010/main" val="2634921411"/>
       </p:ext>
     </p:extLst>
   </p:cSld>
@@ -5684,28 +5694,40 @@
           <a:p>
             <a:r>
               <a:rPr lang="en-US" dirty="0" smtClean="0"/>
+              <a:t>User</a:t>
+            </a:r>
+          </a:p>
+          <a:p>
+            <a:pPr lvl="1"/>
+            <a:r>
+              <a:rPr lang="en-US" dirty="0" smtClean="0"/>
               <a:t>Login/Register/Logout</a:t>
             </a:r>
-          </a:p>
-          <a:p>
+            <a:endParaRPr lang="en-US" dirty="0" smtClean="0"/>
+          </a:p>
+          <a:p>
+            <a:pPr lvl="1"/>
             <a:r>
               <a:rPr lang="en-US" dirty="0" smtClean="0"/>
               <a:t>Market data</a:t>
             </a:r>
           </a:p>
           <a:p>
+            <a:pPr lvl="1"/>
             <a:r>
               <a:rPr lang="en-US" dirty="0" smtClean="0"/>
               <a:t>Transaction</a:t>
             </a:r>
           </a:p>
           <a:p>
+            <a:pPr lvl="1"/>
             <a:r>
               <a:rPr lang="en-US" dirty="0" smtClean="0"/>
               <a:t>Portfolio</a:t>
             </a:r>
           </a:p>
           <a:p>
+            <a:pPr lvl="1"/>
             <a:r>
               <a:rPr lang="en-US" dirty="0" smtClean="0"/>
               <a:t>History</a:t>
@@ -5715,6 +5737,25 @@
             <a:r>
               <a:rPr lang="en-US" dirty="0" smtClean="0"/>
               <a:t>Admin</a:t>
+            </a:r>
+          </a:p>
+          <a:p>
+            <a:pPr lvl="1"/>
+            <a:r>
+              <a:rPr lang="en-US" dirty="0" smtClean="0"/>
+              <a:t>Commit/Drop </a:t>
+            </a:r>
+            <a:r>
+              <a:rPr lang="en-US" dirty="0" err="1" smtClean="0"/>
+              <a:t>Pendings</a:t>
+            </a:r>
+            <a:endParaRPr lang="en-US" dirty="0"/>
+          </a:p>
+          <a:p>
+            <a:pPr lvl="1"/>
+            <a:r>
+              <a:rPr lang="en-US" dirty="0" smtClean="0"/>
+              <a:t>Add/Delete Stocks</a:t>
             </a:r>
             <a:endParaRPr lang="en-US" dirty="0"/>
           </a:p>
@@ -5746,7 +5787,7 @@
     </p:spTree>
     <p:extLst>
       <p:ext uri="{BB962C8B-B14F-4D97-AF65-F5344CB8AC3E}">
-        <p14:creationId xmlns:p14="http://schemas.microsoft.com/office/powerpoint/2010/main" xmlns="" val="2331405887"/>
+        <p14:creationId xmlns:p14="http://schemas.microsoft.com/office/powerpoint/2010/main" val="2331405887"/>
       </p:ext>
     </p:extLst>
   </p:cSld>
@@ -5835,7 +5876,7 @@
     </p:spTree>
     <p:extLst>
       <p:ext uri="{BB962C8B-B14F-4D97-AF65-F5344CB8AC3E}">
-        <p14:creationId xmlns:p14="http://schemas.microsoft.com/office/powerpoint/2010/main" xmlns="" val="1203979581"/>
+        <p14:creationId xmlns:p14="http://schemas.microsoft.com/office/powerpoint/2010/main" val="1203979581"/>
       </p:ext>
     </p:extLst>
   </p:cSld>
@@ -5920,7 +5961,7 @@
     </p:spTree>
     <p:extLst>
       <p:ext uri="{BB962C8B-B14F-4D97-AF65-F5344CB8AC3E}">
-        <p14:creationId xmlns:p14="http://schemas.microsoft.com/office/powerpoint/2010/main" xmlns="" val="3004599966"/>
+        <p14:creationId xmlns:p14="http://schemas.microsoft.com/office/powerpoint/2010/main" val="3004599966"/>
       </p:ext>
     </p:extLst>
   </p:cSld>
